--- a/Flowcharts.pptx
+++ b/Flowcharts.pptx
@@ -11,6 +11,7 @@
     <p:sldId id="259" r:id="rId5"/>
     <p:sldId id="260" r:id="rId6"/>
     <p:sldId id="261" r:id="rId7"/>
+    <p:sldId id="262" r:id="rId8"/>
   </p:sldIdLst>
   <p:sldSz cx="12192000" cy="6858000"/>
   <p:notesSz cx="6858000" cy="9144000"/>
@@ -109,6 +110,11 @@
       </a:defRPr>
     </a:lvl9pPr>
   </p:defaultTextStyle>
+  <p:extLst>
+    <p:ext uri="{EFAFB233-063F-42B5-8137-9DF3F51BA10A}">
+      <p15:sldGuideLst xmlns:p15="http://schemas.microsoft.com/office/powerpoint/2012/main"/>
+    </p:ext>
+  </p:extLst>
 </p:presentation>
 </file>
 
@@ -243,7 +249,7 @@
           <a:p>
             <a:fld id="{2C06BF6B-BB85-4125-BA6C-CFE5FB349E11}" type="datetimeFigureOut">
               <a:rPr lang="en-US" smtClean="0"/>
-              <a:t>4/19/2021</a:t>
+              <a:t>4/25/2021</a:t>
             </a:fld>
             <a:endParaRPr lang="en-US"/>
           </a:p>
@@ -413,7 +419,7 @@
           <a:p>
             <a:fld id="{2C06BF6B-BB85-4125-BA6C-CFE5FB349E11}" type="datetimeFigureOut">
               <a:rPr lang="en-US" smtClean="0"/>
-              <a:t>4/19/2021</a:t>
+              <a:t>4/25/2021</a:t>
             </a:fld>
             <a:endParaRPr lang="en-US"/>
           </a:p>
@@ -593,7 +599,7 @@
           <a:p>
             <a:fld id="{2C06BF6B-BB85-4125-BA6C-CFE5FB349E11}" type="datetimeFigureOut">
               <a:rPr lang="en-US" smtClean="0"/>
-              <a:t>4/19/2021</a:t>
+              <a:t>4/25/2021</a:t>
             </a:fld>
             <a:endParaRPr lang="en-US"/>
           </a:p>
@@ -763,7 +769,7 @@
           <a:p>
             <a:fld id="{2C06BF6B-BB85-4125-BA6C-CFE5FB349E11}" type="datetimeFigureOut">
               <a:rPr lang="en-US" smtClean="0"/>
-              <a:t>4/19/2021</a:t>
+              <a:t>4/25/2021</a:t>
             </a:fld>
             <a:endParaRPr lang="en-US"/>
           </a:p>
@@ -1009,7 +1015,7 @@
           <a:p>
             <a:fld id="{2C06BF6B-BB85-4125-BA6C-CFE5FB349E11}" type="datetimeFigureOut">
               <a:rPr lang="en-US" smtClean="0"/>
-              <a:t>4/19/2021</a:t>
+              <a:t>4/25/2021</a:t>
             </a:fld>
             <a:endParaRPr lang="en-US"/>
           </a:p>
@@ -1241,7 +1247,7 @@
           <a:p>
             <a:fld id="{2C06BF6B-BB85-4125-BA6C-CFE5FB349E11}" type="datetimeFigureOut">
               <a:rPr lang="en-US" smtClean="0"/>
-              <a:t>4/19/2021</a:t>
+              <a:t>4/25/2021</a:t>
             </a:fld>
             <a:endParaRPr lang="en-US"/>
           </a:p>
@@ -1608,7 +1614,7 @@
           <a:p>
             <a:fld id="{2C06BF6B-BB85-4125-BA6C-CFE5FB349E11}" type="datetimeFigureOut">
               <a:rPr lang="en-US" smtClean="0"/>
-              <a:t>4/19/2021</a:t>
+              <a:t>4/25/2021</a:t>
             </a:fld>
             <a:endParaRPr lang="en-US"/>
           </a:p>
@@ -1726,7 +1732,7 @@
           <a:p>
             <a:fld id="{2C06BF6B-BB85-4125-BA6C-CFE5FB349E11}" type="datetimeFigureOut">
               <a:rPr lang="en-US" smtClean="0"/>
-              <a:t>4/19/2021</a:t>
+              <a:t>4/25/2021</a:t>
             </a:fld>
             <a:endParaRPr lang="en-US"/>
           </a:p>
@@ -1821,7 +1827,7 @@
           <a:p>
             <a:fld id="{2C06BF6B-BB85-4125-BA6C-CFE5FB349E11}" type="datetimeFigureOut">
               <a:rPr lang="en-US" smtClean="0"/>
-              <a:t>4/19/2021</a:t>
+              <a:t>4/25/2021</a:t>
             </a:fld>
             <a:endParaRPr lang="en-US"/>
           </a:p>
@@ -2098,7 +2104,7 @@
           <a:p>
             <a:fld id="{2C06BF6B-BB85-4125-BA6C-CFE5FB349E11}" type="datetimeFigureOut">
               <a:rPr lang="en-US" smtClean="0"/>
-              <a:t>4/19/2021</a:t>
+              <a:t>4/25/2021</a:t>
             </a:fld>
             <a:endParaRPr lang="en-US"/>
           </a:p>
@@ -2351,7 +2357,7 @@
           <a:p>
             <a:fld id="{2C06BF6B-BB85-4125-BA6C-CFE5FB349E11}" type="datetimeFigureOut">
               <a:rPr lang="en-US" smtClean="0"/>
-              <a:t>4/19/2021</a:t>
+              <a:t>4/25/2021</a:t>
             </a:fld>
             <a:endParaRPr lang="en-US"/>
           </a:p>
@@ -2564,7 +2570,7 @@
           <a:p>
             <a:fld id="{2C06BF6B-BB85-4125-BA6C-CFE5FB349E11}" type="datetimeFigureOut">
               <a:rPr lang="en-US" smtClean="0"/>
-              <a:t>4/19/2021</a:t>
+              <a:t>4/25/2021</a:t>
             </a:fld>
             <a:endParaRPr lang="en-US"/>
           </a:p>
@@ -2977,7 +2983,7 @@
         </p:nvSpPr>
         <p:spPr>
           <a:xfrm>
-            <a:off x="4666128" y="116542"/>
+            <a:off x="4735604" y="-13309"/>
             <a:ext cx="1461247" cy="582707"/>
           </a:xfrm>
           <a:prstGeom prst="roundRect">
@@ -3011,14 +3017,14 @@
             <a:r>
               <a:rPr lang="en-GB" dirty="0" smtClean="0">
                 <a:solidFill>
-                  <a:schemeClr val="tx1"/>
+                  <a:sysClr val="windowText" lastClr="000000"/>
                 </a:solidFill>
               </a:rPr>
               <a:t>START</a:t>
             </a:r>
             <a:endParaRPr lang="en-US" dirty="0">
               <a:solidFill>
-                <a:schemeClr val="tx1"/>
+                <a:sysClr val="windowText" lastClr="000000"/>
               </a:solidFill>
             </a:endParaRPr>
           </a:p>
@@ -3027,13 +3033,15 @@
       <p:cxnSp>
         <p:nvCxnSpPr>
           <p:cNvPr id="6" name="Straight Arrow Connector 5"/>
-          <p:cNvCxnSpPr/>
+          <p:cNvCxnSpPr>
+            <a:stCxn id="4" idx="2"/>
+          </p:cNvCxnSpPr>
           <p:nvPr/>
         </p:nvCxnSpPr>
         <p:spPr>
-          <a:xfrm>
-            <a:off x="5396751" y="699249"/>
-            <a:ext cx="8964" cy="869577"/>
+          <a:xfrm flipH="1">
+            <a:off x="5463427" y="569398"/>
+            <a:ext cx="2801" cy="648028"/>
           </a:xfrm>
           <a:prstGeom prst="straightConnector1">
             <a:avLst/>
@@ -3065,8 +3073,8 @@
         </p:nvSpPr>
         <p:spPr>
           <a:xfrm>
-            <a:off x="4388221" y="1479179"/>
-            <a:ext cx="2034988" cy="1093694"/>
+            <a:off x="4388221" y="1917133"/>
+            <a:ext cx="2107829" cy="1325098"/>
           </a:xfrm>
           <a:prstGeom prst="rect">
             <a:avLst/>
@@ -3097,49 +3105,23 @@
           <a:p>
             <a:pPr algn="ctr"/>
             <a:r>
-              <a:rPr lang="pt-BR" dirty="0" smtClean="0">
-                <a:solidFill>
-                  <a:schemeClr val="tx1"/>
-                </a:solidFill>
-              </a:rPr>
-              <a:t>a = 93</a:t>
-            </a:r>
-          </a:p>
-          <a:p>
-            <a:pPr algn="ctr"/>
-            <a:r>
-              <a:rPr lang="pt-BR" dirty="0" smtClean="0">
-                <a:solidFill>
-                  <a:schemeClr val="tx1"/>
-                </a:solidFill>
-              </a:rPr>
-              <a:t>b = 17</a:t>
-            </a:r>
-          </a:p>
-          <a:p>
-            <a:pPr algn="ctr"/>
-            <a:r>
-              <a:rPr lang="pt-BR" dirty="0" smtClean="0">
-                <a:solidFill>
-                  <a:schemeClr val="tx1"/>
-                </a:solidFill>
-              </a:rPr>
-              <a:t>c = a - b</a:t>
-            </a:r>
-          </a:p>
-          <a:p>
-            <a:pPr algn="ctr"/>
-            <a:r>
-              <a:rPr lang="pt-BR" dirty="0" smtClean="0">
-                <a:solidFill>
-                  <a:schemeClr val="tx1"/>
-                </a:solidFill>
-              </a:rPr>
-              <a:t>d = 2*abs(c)</a:t>
-            </a:r>
-            <a:endParaRPr lang="en-US" dirty="0">
+              <a:rPr lang="en-GB" sz="1200" dirty="0">
+                <a:solidFill>
+                  <a:sysClr val="windowText" lastClr="000000"/>
+                </a:solidFill>
+              </a:rPr>
+              <a:t>print("Quadratic function : (a * x^2) + b*x + c") a = float(input("a: ")) b = float(input("b: ")) c = float(input("c: ")) r = b**2 - 4*a*c </a:t>
+            </a:r>
+            <a:br>
+              <a:rPr lang="en-GB" sz="1200" dirty="0">
+                <a:solidFill>
+                  <a:sysClr val="windowText" lastClr="000000"/>
+                </a:solidFill>
+              </a:rPr>
+            </a:br>
+            <a:endParaRPr lang="en-US" sz="1200" b="1" dirty="0">
               <a:solidFill>
-                <a:schemeClr val="tx1"/>
+                <a:sysClr val="windowText" lastClr="000000"/>
               </a:solidFill>
             </a:endParaRPr>
           </a:p>
@@ -3154,9 +3136,9 @@
           <p:nvPr/>
         </p:nvCxnSpPr>
         <p:spPr>
-          <a:xfrm>
-            <a:off x="5405715" y="2572873"/>
-            <a:ext cx="8965" cy="896471"/>
+          <a:xfrm flipH="1">
+            <a:off x="5414682" y="3242231"/>
+            <a:ext cx="27454" cy="896471"/>
           </a:xfrm>
           <a:prstGeom prst="straightConnector1">
             <a:avLst/>
@@ -3188,7 +3170,7 @@
         </p:nvSpPr>
         <p:spPr>
           <a:xfrm>
-            <a:off x="4632508" y="3368952"/>
+            <a:off x="4659964" y="3378841"/>
             <a:ext cx="1564343" cy="1335738"/>
           </a:xfrm>
           <a:prstGeom prst="diamond">
@@ -3220,18 +3202,13 @@
           <a:p>
             <a:pPr algn="ctr"/>
             <a:r>
-              <a:rPr lang="en-US" dirty="0" smtClean="0">
-                <a:solidFill>
-                  <a:schemeClr val="tx1"/>
-                </a:solidFill>
-              </a:rPr>
-              <a:t>if 0 &lt; c &lt; 16</a:t>
-            </a:r>
-            <a:endParaRPr lang="en-US" dirty="0">
-              <a:solidFill>
-                <a:schemeClr val="tx1"/>
-              </a:solidFill>
-            </a:endParaRPr>
+              <a:rPr lang="en-US" dirty="0">
+                <a:solidFill>
+                  <a:sysClr val="windowText" lastClr="000000"/>
+                </a:solidFill>
+              </a:rPr>
+              <a:t>if r &gt; 0:</a:t>
+            </a:r>
           </a:p>
         </p:txBody>
       </p:sp>
@@ -3245,8 +3222,8 @@
         </p:nvCxnSpPr>
         <p:spPr>
           <a:xfrm flipV="1">
-            <a:off x="6196851" y="4023373"/>
-            <a:ext cx="1461247" cy="13448"/>
+            <a:off x="6224307" y="4023373"/>
+            <a:ext cx="2481543" cy="23337"/>
           </a:xfrm>
           <a:prstGeom prst="straightConnector1">
             <a:avLst/>
@@ -3293,7 +3270,11 @@
           <a:lstStyle/>
           <a:p>
             <a:r>
-              <a:rPr lang="en-GB" dirty="0" smtClean="0"/>
+              <a:rPr lang="en-GB" dirty="0" smtClean="0">
+                <a:solidFill>
+                  <a:sysClr val="windowText" lastClr="000000"/>
+                </a:solidFill>
+              </a:rPr>
               <a:t>NO</a:t>
             </a:r>
           </a:p>
@@ -3307,7 +3288,7 @@
         </p:nvSpPr>
         <p:spPr>
           <a:xfrm>
-            <a:off x="7248636" y="3842302"/>
+            <a:off x="8371911" y="3677378"/>
             <a:ext cx="1934137" cy="1174377"/>
           </a:xfrm>
           <a:prstGeom prst="flowChartInputOutput">
@@ -3339,14 +3320,54 @@
           <a:p>
             <a:pPr algn="ctr"/>
             <a:r>
-              <a:rPr lang="en-US" dirty="0" smtClean="0">
+              <a:rPr lang="fr-FR" sz="1400" dirty="0" err="1">
                 <a:solidFill>
                   <a:schemeClr val="tx1"/>
                 </a:solidFill>
               </a:rPr>
-              <a:t>print(d)</a:t>
-            </a:r>
-            <a:endParaRPr lang="en-US" dirty="0">
+              <a:t>num_roots</a:t>
+            </a:r>
+            <a:r>
+              <a:rPr lang="fr-FR" sz="1400" dirty="0">
+                <a:solidFill>
+                  <a:schemeClr val="tx1"/>
+                </a:solidFill>
+              </a:rPr>
+              <a:t> = 0 </a:t>
+            </a:r>
+            <a:r>
+              <a:rPr lang="fr-FR" sz="1400" dirty="0" err="1">
+                <a:solidFill>
+                  <a:schemeClr val="tx1"/>
+                </a:solidFill>
+              </a:rPr>
+              <a:t>print</a:t>
+            </a:r>
+            <a:r>
+              <a:rPr lang="fr-FR" sz="1400" dirty="0">
+                <a:solidFill>
+                  <a:schemeClr val="tx1"/>
+                </a:solidFill>
+              </a:rPr>
+              <a:t>("No </a:t>
+            </a:r>
+            <a:r>
+              <a:rPr lang="fr-FR" sz="1400" dirty="0" err="1">
+                <a:solidFill>
+                  <a:schemeClr val="tx1"/>
+                </a:solidFill>
+              </a:rPr>
+              <a:t>roots</a:t>
+            </a:r>
+            <a:r>
+              <a:rPr lang="fr-FR" sz="1400" dirty="0">
+                <a:solidFill>
+                  <a:schemeClr val="tx1"/>
+                </a:solidFill>
+              </a:rPr>
+              <a:t>, discriminant &lt; 0.") exit()</a:t>
+            </a:r>
+            <a:endParaRPr lang="en-US" sz="1400" dirty="0">
               <a:solidFill>
                 <a:schemeClr val="tx1"/>
               </a:solidFill>
@@ -3362,8 +3383,8 @@
         </p:nvCxnSpPr>
         <p:spPr>
           <a:xfrm>
-            <a:off x="8175811" y="4991563"/>
-            <a:ext cx="39894" cy="1364413"/>
+            <a:off x="9185461" y="4851755"/>
+            <a:ext cx="25214" cy="1691920"/>
           </a:xfrm>
           <a:prstGeom prst="straightConnector1">
             <a:avLst/>
@@ -3390,13 +3411,15 @@
       <p:cxnSp>
         <p:nvCxnSpPr>
           <p:cNvPr id="19" name="Straight Arrow Connector 18"/>
-          <p:cNvCxnSpPr/>
+          <p:cNvCxnSpPr>
+            <a:endCxn id="22" idx="6"/>
+          </p:cNvCxnSpPr>
           <p:nvPr/>
         </p:nvCxnSpPr>
         <p:spPr>
           <a:xfrm flipH="1">
-            <a:off x="6324601" y="6355976"/>
-            <a:ext cx="1896034" cy="0"/>
+            <a:off x="6084458" y="6401920"/>
+            <a:ext cx="3254521" cy="7845"/>
           </a:xfrm>
           <a:prstGeom prst="straightConnector1">
             <a:avLst/>
@@ -3428,7 +3451,7 @@
         </p:nvSpPr>
         <p:spPr>
           <a:xfrm>
-            <a:off x="4919606" y="5907740"/>
+            <a:off x="4529081" y="5961529"/>
             <a:ext cx="1555377" cy="896471"/>
           </a:xfrm>
           <a:prstGeom prst="ellipse">
@@ -3462,14 +3485,14 @@
             <a:r>
               <a:rPr lang="en-GB" dirty="0" smtClean="0">
                 <a:solidFill>
-                  <a:schemeClr val="tx1"/>
+                  <a:sysClr val="windowText" lastClr="000000"/>
                 </a:solidFill>
               </a:rPr>
               <a:t>END</a:t>
             </a:r>
             <a:endParaRPr lang="en-US" dirty="0">
               <a:solidFill>
-                <a:schemeClr val="tx1"/>
+                <a:sysClr val="windowText" lastClr="000000"/>
               </a:solidFill>
             </a:endParaRPr>
           </a:p>
@@ -3478,13 +3501,15 @@
       <p:cxnSp>
         <p:nvCxnSpPr>
           <p:cNvPr id="24" name="Straight Arrow Connector 23"/>
-          <p:cNvCxnSpPr/>
+          <p:cNvCxnSpPr>
+            <a:endCxn id="26" idx="5"/>
+          </p:cNvCxnSpPr>
           <p:nvPr/>
         </p:nvCxnSpPr>
         <p:spPr>
-          <a:xfrm flipH="1">
-            <a:off x="2738716" y="4025615"/>
-            <a:ext cx="1927412" cy="8964"/>
+          <a:xfrm flipH="1" flipV="1">
+            <a:off x="2957513" y="3990237"/>
+            <a:ext cx="1762968" cy="58716"/>
           </a:xfrm>
           <a:prstGeom prst="straightConnector1">
             <a:avLst/>
@@ -3516,8 +3541,8 @@
         </p:nvSpPr>
         <p:spPr>
           <a:xfrm>
-            <a:off x="1272988" y="3594847"/>
-            <a:ext cx="1613647" cy="1109843"/>
+            <a:off x="0" y="3378842"/>
+            <a:ext cx="3286125" cy="1222790"/>
           </a:xfrm>
           <a:prstGeom prst="flowChartInputOutput">
             <a:avLst/>
@@ -3548,14 +3573,62 @@
           <a:p>
             <a:pPr algn="ctr"/>
             <a:r>
-              <a:rPr lang="en-US" smtClean="0">
+              <a:rPr lang="en-US" sz="1400" dirty="0" smtClean="0">
                 <a:solidFill>
                   <a:schemeClr val="tx1"/>
                 </a:solidFill>
               </a:rPr>
-              <a:t> print(c)</a:t>
-            </a:r>
-            <a:endParaRPr lang="en-US">
+              <a:t> </a:t>
+            </a:r>
+            <a:r>
+              <a:rPr lang="en-GB" sz="1400" dirty="0" err="1">
+                <a:solidFill>
+                  <a:schemeClr val="tx1"/>
+                </a:solidFill>
+              </a:rPr>
+              <a:t>num_roots</a:t>
+            </a:r>
+            <a:r>
+              <a:rPr lang="en-GB" sz="1400" dirty="0">
+                <a:solidFill>
+                  <a:schemeClr val="tx1"/>
+                </a:solidFill>
+              </a:rPr>
+              <a:t> = 2 x1 = (((-b) + </a:t>
+            </a:r>
+            <a:r>
+              <a:rPr lang="en-GB" sz="1400" dirty="0" err="1">
+                <a:solidFill>
+                  <a:schemeClr val="tx1"/>
+                </a:solidFill>
+              </a:rPr>
+              <a:t>sqrt</a:t>
+            </a:r>
+            <a:r>
+              <a:rPr lang="en-GB" sz="1400" dirty="0">
+                <a:solidFill>
+                  <a:schemeClr val="tx1"/>
+                </a:solidFill>
+              </a:rPr>
+              <a:t>(r))/(2*a)) x2 = (((-b) - </a:t>
+            </a:r>
+            <a:r>
+              <a:rPr lang="en-GB" sz="1400" dirty="0" err="1">
+                <a:solidFill>
+                  <a:schemeClr val="tx1"/>
+                </a:solidFill>
+              </a:rPr>
+              <a:t>sqrt</a:t>
+            </a:r>
+            <a:r>
+              <a:rPr lang="en-GB" sz="1400" dirty="0">
+                <a:solidFill>
+                  <a:schemeClr val="tx1"/>
+                </a:solidFill>
+              </a:rPr>
+              <a:t>(r))/(2*a)) print("There are 2 roots: %f and %f" % (x1, x2))</a:t>
+            </a:r>
+            <a:endParaRPr lang="en-US" sz="1400" dirty="0">
               <a:solidFill>
                 <a:schemeClr val="tx1"/>
               </a:solidFill>
@@ -3572,9 +3645,9 @@
           <p:nvPr/>
         </p:nvCxnSpPr>
         <p:spPr>
-          <a:xfrm>
-            <a:off x="1918447" y="4704690"/>
-            <a:ext cx="62753" cy="1758863"/>
+          <a:xfrm flipH="1">
+            <a:off x="949700" y="4601632"/>
+            <a:ext cx="364750" cy="1831469"/>
           </a:xfrm>
           <a:prstGeom prst="straightConnector1">
             <a:avLst/>
@@ -3601,13 +3674,15 @@
       <p:cxnSp>
         <p:nvCxnSpPr>
           <p:cNvPr id="30" name="Straight Arrow Connector 29"/>
-          <p:cNvCxnSpPr/>
+          <p:cNvCxnSpPr>
+            <a:endCxn id="22" idx="2"/>
+          </p:cNvCxnSpPr>
           <p:nvPr/>
         </p:nvCxnSpPr>
         <p:spPr>
-          <a:xfrm flipV="1">
-            <a:off x="1981200" y="6391834"/>
-            <a:ext cx="2929441" cy="71718"/>
+          <a:xfrm>
+            <a:off x="895348" y="6401920"/>
+            <a:ext cx="3633733" cy="7845"/>
           </a:xfrm>
           <a:prstGeom prst="straightConnector1">
             <a:avLst/>
@@ -3654,9 +3729,262 @@
           <a:lstStyle/>
           <a:p>
             <a:r>
-              <a:rPr lang="en-GB" dirty="0" smtClean="0"/>
+              <a:rPr lang="en-GB" dirty="0" smtClean="0">
+                <a:solidFill>
+                  <a:sysClr val="windowText" lastClr="000000"/>
+                </a:solidFill>
+              </a:rPr>
               <a:t>   YES</a:t>
             </a:r>
+          </a:p>
+        </p:txBody>
+      </p:sp>
+      <p:sp>
+        <p:nvSpPr>
+          <p:cNvPr id="18" name="Oval 17"/>
+          <p:cNvSpPr/>
+          <p:nvPr/>
+        </p:nvSpPr>
+        <p:spPr>
+          <a:xfrm>
+            <a:off x="4219013" y="1217426"/>
+            <a:ext cx="2488827" cy="536199"/>
+          </a:xfrm>
+          <a:prstGeom prst="ellipse">
+            <a:avLst/>
+          </a:prstGeom>
+          <a:solidFill>
+            <a:schemeClr val="bg1"/>
+          </a:solidFill>
+        </p:spPr>
+        <p:style>
+          <a:lnRef idx="2">
+            <a:schemeClr val="accent1">
+              <a:shade val="50000"/>
+            </a:schemeClr>
+          </a:lnRef>
+          <a:fillRef idx="1">
+            <a:schemeClr val="accent1"/>
+          </a:fillRef>
+          <a:effectRef idx="0">
+            <a:schemeClr val="accent1"/>
+          </a:effectRef>
+          <a:fontRef idx="minor">
+            <a:schemeClr val="lt1"/>
+          </a:fontRef>
+        </p:style>
+        <p:txBody>
+          <a:bodyPr rtlCol="0" anchor="ctr"/>
+          <a:lstStyle/>
+          <a:p>
+            <a:pPr algn="ctr"/>
+            <a:r>
+              <a:rPr lang="en-GB" dirty="0" smtClean="0">
+                <a:solidFill>
+                  <a:sysClr val="windowText" lastClr="000000"/>
+                </a:solidFill>
+              </a:rPr>
+              <a:t>from math import sqr</a:t>
+            </a:r>
+            <a:endParaRPr lang="en-US" dirty="0">
+              <a:solidFill>
+                <a:sysClr val="windowText" lastClr="000000"/>
+              </a:solidFill>
+            </a:endParaRPr>
+          </a:p>
+        </p:txBody>
+      </p:sp>
+      <p:cxnSp>
+        <p:nvCxnSpPr>
+          <p:cNvPr id="35" name="Straight Arrow Connector 34"/>
+          <p:cNvCxnSpPr>
+            <a:stCxn id="18" idx="4"/>
+          </p:cNvCxnSpPr>
+          <p:nvPr/>
+        </p:nvCxnSpPr>
+        <p:spPr>
+          <a:xfrm>
+            <a:off x="5463427" y="1753625"/>
+            <a:ext cx="0" cy="230662"/>
+          </a:xfrm>
+          <a:prstGeom prst="straightConnector1">
+            <a:avLst/>
+          </a:prstGeom>
+          <a:ln>
+            <a:tailEnd type="triangle"/>
+          </a:ln>
+        </p:spPr>
+        <p:style>
+          <a:lnRef idx="1">
+            <a:schemeClr val="accent1"/>
+          </a:lnRef>
+          <a:fillRef idx="0">
+            <a:schemeClr val="accent1"/>
+          </a:fillRef>
+          <a:effectRef idx="0">
+            <a:schemeClr val="accent1"/>
+          </a:effectRef>
+          <a:fontRef idx="minor">
+            <a:schemeClr val="tx1"/>
+          </a:fontRef>
+        </p:style>
+      </p:cxnSp>
+      <p:cxnSp>
+        <p:nvCxnSpPr>
+          <p:cNvPr id="46" name="Straight Arrow Connector 45"/>
+          <p:cNvCxnSpPr/>
+          <p:nvPr/>
+        </p:nvCxnSpPr>
+        <p:spPr>
+          <a:xfrm>
+            <a:off x="2695575" y="4400550"/>
+            <a:ext cx="590550" cy="451205"/>
+          </a:xfrm>
+          <a:prstGeom prst="straightConnector1">
+            <a:avLst/>
+          </a:prstGeom>
+          <a:ln>
+            <a:tailEnd type="triangle"/>
+          </a:ln>
+        </p:spPr>
+        <p:style>
+          <a:lnRef idx="1">
+            <a:schemeClr val="accent1"/>
+          </a:lnRef>
+          <a:fillRef idx="0">
+            <a:schemeClr val="accent1"/>
+          </a:fillRef>
+          <a:effectRef idx="0">
+            <a:schemeClr val="accent1"/>
+          </a:effectRef>
+          <a:fontRef idx="minor">
+            <a:schemeClr val="tx1"/>
+          </a:fontRef>
+        </p:style>
+      </p:cxnSp>
+      <p:sp>
+        <p:nvSpPr>
+          <p:cNvPr id="47" name="Rectangle 46"/>
+          <p:cNvSpPr/>
+          <p:nvPr/>
+        </p:nvSpPr>
+        <p:spPr>
+          <a:xfrm>
+            <a:off x="2512360" y="4792397"/>
+            <a:ext cx="2016721" cy="1017854"/>
+          </a:xfrm>
+          <a:prstGeom prst="rect">
+            <a:avLst/>
+          </a:prstGeom>
+          <a:solidFill>
+            <a:schemeClr val="bg1"/>
+          </a:solidFill>
+        </p:spPr>
+        <p:style>
+          <a:lnRef idx="2">
+            <a:schemeClr val="accent1">
+              <a:shade val="50000"/>
+            </a:schemeClr>
+          </a:lnRef>
+          <a:fillRef idx="1">
+            <a:schemeClr val="accent1"/>
+          </a:fillRef>
+          <a:effectRef idx="0">
+            <a:schemeClr val="accent1"/>
+          </a:effectRef>
+          <a:fontRef idx="minor">
+            <a:schemeClr val="lt1"/>
+          </a:fontRef>
+        </p:style>
+        <p:txBody>
+          <a:bodyPr rtlCol="0" anchor="ctr"/>
+          <a:lstStyle/>
+          <a:p>
+            <a:pPr algn="ctr"/>
+            <a:r>
+              <a:rPr lang="en-GB" dirty="0" err="1">
+                <a:solidFill>
+                  <a:schemeClr val="tx1"/>
+                </a:solidFill>
+              </a:rPr>
+              <a:t>num_roots</a:t>
+            </a:r>
+            <a:r>
+              <a:rPr lang="en-GB" dirty="0">
+                <a:solidFill>
+                  <a:schemeClr val="tx1"/>
+                </a:solidFill>
+              </a:rPr>
+              <a:t> = 1 x = (-b) / 2*a print("There is one root: ", x)</a:t>
+            </a:r>
+            <a:endParaRPr lang="en-US" dirty="0">
+              <a:solidFill>
+                <a:schemeClr val="tx1"/>
+              </a:solidFill>
+            </a:endParaRPr>
+          </a:p>
+        </p:txBody>
+      </p:sp>
+      <p:cxnSp>
+        <p:nvCxnSpPr>
+          <p:cNvPr id="49" name="Straight Arrow Connector 48"/>
+          <p:cNvCxnSpPr/>
+          <p:nvPr/>
+        </p:nvCxnSpPr>
+        <p:spPr>
+          <a:xfrm>
+            <a:off x="4529081" y="5572125"/>
+            <a:ext cx="385819" cy="476250"/>
+          </a:xfrm>
+          <a:prstGeom prst="straightConnector1">
+            <a:avLst/>
+          </a:prstGeom>
+          <a:ln>
+            <a:tailEnd type="triangle"/>
+          </a:ln>
+        </p:spPr>
+        <p:style>
+          <a:lnRef idx="1">
+            <a:schemeClr val="accent1"/>
+          </a:lnRef>
+          <a:fillRef idx="0">
+            <a:schemeClr val="accent1"/>
+          </a:fillRef>
+          <a:effectRef idx="0">
+            <a:schemeClr val="accent1"/>
+          </a:effectRef>
+          <a:fontRef idx="minor">
+            <a:schemeClr val="tx1"/>
+          </a:fontRef>
+        </p:style>
+      </p:cxnSp>
+      <p:sp>
+        <p:nvSpPr>
+          <p:cNvPr id="2" name="TextBox 1"/>
+          <p:cNvSpPr txBox="1"/>
+          <p:nvPr/>
+        </p:nvSpPr>
+        <p:spPr>
+          <a:xfrm>
+            <a:off x="1111624" y="569398"/>
+            <a:ext cx="1400736" cy="523220"/>
+          </a:xfrm>
+          <a:prstGeom prst="rect">
+            <a:avLst/>
+          </a:prstGeom>
+          <a:noFill/>
+        </p:spPr>
+        <p:txBody>
+          <a:bodyPr wrap="square" rtlCol="0">
+            <a:spAutoFit/>
+          </a:bodyPr>
+          <a:lstStyle/>
+          <a:p>
+            <a:r>
+              <a:rPr lang="en-GB" sz="2800" dirty="0" smtClean="0"/>
+              <a:t>1.</a:t>
+            </a:r>
+            <a:endParaRPr lang="en-US" sz="2800" dirty="0"/>
           </a:p>
         </p:txBody>
       </p:sp>
@@ -3692,16 +4020,16 @@
       </p:grpSpPr>
       <p:sp>
         <p:nvSpPr>
-          <p:cNvPr id="19" name="Rounded Rectangle 18"/>
+          <p:cNvPr id="3" name="Oval 2"/>
           <p:cNvSpPr/>
           <p:nvPr/>
         </p:nvSpPr>
         <p:spPr>
           <a:xfrm>
-            <a:off x="4666128" y="116542"/>
-            <a:ext cx="1461247" cy="582707"/>
-          </a:xfrm>
-          <a:prstGeom prst="roundRect">
+            <a:off x="4521291" y="1286315"/>
+            <a:ext cx="1884272" cy="1096013"/>
+          </a:xfrm>
+          <a:prstGeom prst="ellipse">
             <a:avLst/>
           </a:prstGeom>
           <a:solidFill>
@@ -3730,14 +4058,60 @@
           <a:p>
             <a:pPr algn="ctr"/>
             <a:r>
-              <a:rPr lang="en-GB" dirty="0" smtClean="0">
+              <a:rPr lang="en-GB" sz="1400" dirty="0" err="1" smtClean="0">
                 <a:solidFill>
                   <a:schemeClr val="tx1"/>
                 </a:solidFill>
               </a:rPr>
-              <a:t>START</a:t>
-            </a:r>
-            <a:endParaRPr lang="en-US" dirty="0">
+              <a:t>Num</a:t>
+            </a:r>
+            <a:r>
+              <a:rPr lang="en-GB" sz="1400" dirty="0" smtClean="0">
+                <a:solidFill>
+                  <a:schemeClr val="tx1"/>
+                </a:solidFill>
+              </a:rPr>
+              <a:t> 1 = 7</a:t>
+            </a:r>
+          </a:p>
+          <a:p>
+            <a:pPr algn="ctr"/>
+            <a:r>
+              <a:rPr lang="en-GB" sz="1400" dirty="0" err="1" smtClean="0">
+                <a:solidFill>
+                  <a:schemeClr val="tx1"/>
+                </a:solidFill>
+              </a:rPr>
+              <a:t>Num</a:t>
+            </a:r>
+            <a:r>
+              <a:rPr lang="en-GB" sz="1400" dirty="0" smtClean="0">
+                <a:solidFill>
+                  <a:schemeClr val="tx1"/>
+                </a:solidFill>
+              </a:rPr>
+              <a:t> 2 = 16</a:t>
+            </a:r>
+          </a:p>
+          <a:p>
+            <a:pPr algn="ctr"/>
+            <a:r>
+              <a:rPr lang="en-GB" sz="1400" dirty="0" err="1" smtClean="0">
+                <a:solidFill>
+                  <a:schemeClr val="tx1"/>
+                </a:solidFill>
+              </a:rPr>
+              <a:t>Num</a:t>
+            </a:r>
+            <a:r>
+              <a:rPr lang="en-GB" sz="1400" dirty="0" smtClean="0">
+                <a:solidFill>
+                  <a:schemeClr val="tx1"/>
+                </a:solidFill>
+              </a:rPr>
+              <a:t> 3 = -4.7</a:t>
+            </a:r>
+            <a:endParaRPr lang="en-US" sz="1400" dirty="0">
               <a:solidFill>
                 <a:schemeClr val="tx1"/>
               </a:solidFill>
@@ -3745,51 +4119,18 @@
           </a:p>
         </p:txBody>
       </p:sp>
-      <p:cxnSp>
-        <p:nvCxnSpPr>
-          <p:cNvPr id="20" name="Straight Arrow Connector 19"/>
-          <p:cNvCxnSpPr/>
-          <p:nvPr/>
-        </p:nvCxnSpPr>
-        <p:spPr>
-          <a:xfrm>
-            <a:off x="5396751" y="699249"/>
-            <a:ext cx="8964" cy="869577"/>
-          </a:xfrm>
-          <a:prstGeom prst="straightConnector1">
-            <a:avLst/>
-          </a:prstGeom>
-          <a:ln>
-            <a:tailEnd type="triangle"/>
-          </a:ln>
-        </p:spPr>
-        <p:style>
-          <a:lnRef idx="1">
-            <a:schemeClr val="accent1"/>
-          </a:lnRef>
-          <a:fillRef idx="0">
-            <a:schemeClr val="accent1"/>
-          </a:fillRef>
-          <a:effectRef idx="0">
-            <a:schemeClr val="accent1"/>
-          </a:effectRef>
-          <a:fontRef idx="minor">
-            <a:schemeClr val="tx1"/>
-          </a:fontRef>
-        </p:style>
-      </p:cxnSp>
-      <p:sp>
-        <p:nvSpPr>
-          <p:cNvPr id="21" name="Rectangle 20"/>
+      <p:sp>
+        <p:nvSpPr>
+          <p:cNvPr id="18" name="Rounded Rectangle 17"/>
           <p:cNvSpPr/>
           <p:nvPr/>
         </p:nvSpPr>
         <p:spPr>
           <a:xfrm>
-            <a:off x="4388221" y="1353670"/>
-            <a:ext cx="2086762" cy="1343850"/>
-          </a:xfrm>
-          <a:prstGeom prst="rect">
+            <a:off x="4735604" y="-13309"/>
+            <a:ext cx="1461247" cy="582707"/>
+          </a:xfrm>
+          <a:prstGeom prst="roundRect">
             <a:avLst/>
           </a:prstGeom>
           <a:solidFill>
@@ -3818,58 +4159,153 @@
           <a:p>
             <a:pPr algn="ctr"/>
             <a:r>
-              <a:rPr lang="pt-BR" smtClean="0">
+              <a:rPr lang="en-GB" dirty="0" smtClean="0">
+                <a:solidFill>
+                  <a:sysClr val="windowText" lastClr="000000"/>
+                </a:solidFill>
+              </a:rPr>
+              <a:t>START</a:t>
+            </a:r>
+            <a:endParaRPr lang="en-US" dirty="0">
+              <a:solidFill>
+                <a:sysClr val="windowText" lastClr="000000"/>
+              </a:solidFill>
+            </a:endParaRPr>
+          </a:p>
+        </p:txBody>
+      </p:sp>
+      <p:cxnSp>
+        <p:nvCxnSpPr>
+          <p:cNvPr id="35" name="Straight Arrow Connector 34"/>
+          <p:cNvCxnSpPr>
+            <a:stCxn id="18" idx="2"/>
+            <a:endCxn id="3" idx="0"/>
+          </p:cNvCxnSpPr>
+          <p:nvPr/>
+        </p:nvCxnSpPr>
+        <p:spPr>
+          <a:xfrm flipH="1">
+            <a:off x="5463427" y="569398"/>
+            <a:ext cx="2801" cy="716917"/>
+          </a:xfrm>
+          <a:prstGeom prst="straightConnector1">
+            <a:avLst/>
+          </a:prstGeom>
+          <a:ln>
+            <a:tailEnd type="triangle"/>
+          </a:ln>
+        </p:spPr>
+        <p:style>
+          <a:lnRef idx="1">
+            <a:schemeClr val="accent1"/>
+          </a:lnRef>
+          <a:fillRef idx="0">
+            <a:schemeClr val="accent1"/>
+          </a:fillRef>
+          <a:effectRef idx="0">
+            <a:schemeClr val="accent1"/>
+          </a:effectRef>
+          <a:fontRef idx="minor">
+            <a:schemeClr val="tx1"/>
+          </a:fontRef>
+        </p:style>
+      </p:cxnSp>
+      <p:cxnSp>
+        <p:nvCxnSpPr>
+          <p:cNvPr id="37" name="Straight Arrow Connector 36"/>
+          <p:cNvCxnSpPr/>
+          <p:nvPr/>
+        </p:nvCxnSpPr>
+        <p:spPr>
+          <a:xfrm>
+            <a:off x="5417202" y="2345893"/>
+            <a:ext cx="10649" cy="990773"/>
+          </a:xfrm>
+          <a:prstGeom prst="straightConnector1">
+            <a:avLst/>
+          </a:prstGeom>
+          <a:ln>
+            <a:tailEnd type="triangle"/>
+          </a:ln>
+        </p:spPr>
+        <p:style>
+          <a:lnRef idx="1">
+            <a:schemeClr val="accent1"/>
+          </a:lnRef>
+          <a:fillRef idx="0">
+            <a:schemeClr val="accent1"/>
+          </a:fillRef>
+          <a:effectRef idx="0">
+            <a:schemeClr val="accent1"/>
+          </a:effectRef>
+          <a:fontRef idx="minor">
+            <a:schemeClr val="tx1"/>
+          </a:fontRef>
+        </p:style>
+      </p:cxnSp>
+      <p:sp>
+        <p:nvSpPr>
+          <p:cNvPr id="38" name="Diamond 37"/>
+          <p:cNvSpPr/>
+          <p:nvPr/>
+        </p:nvSpPr>
+        <p:spPr>
+          <a:xfrm>
+            <a:off x="4235826" y="3282472"/>
+            <a:ext cx="2384050" cy="1432107"/>
+          </a:xfrm>
+          <a:prstGeom prst="diamond">
+            <a:avLst/>
+          </a:prstGeom>
+          <a:solidFill>
+            <a:schemeClr val="bg1"/>
+          </a:solidFill>
+        </p:spPr>
+        <p:style>
+          <a:lnRef idx="2">
+            <a:schemeClr val="accent1">
+              <a:shade val="50000"/>
+            </a:schemeClr>
+          </a:lnRef>
+          <a:fillRef idx="1">
+            <a:schemeClr val="accent1"/>
+          </a:fillRef>
+          <a:effectRef idx="0">
+            <a:schemeClr val="accent1"/>
+          </a:effectRef>
+          <a:fontRef idx="minor">
+            <a:schemeClr val="lt1"/>
+          </a:fontRef>
+        </p:style>
+        <p:txBody>
+          <a:bodyPr rtlCol="0" anchor="ctr"/>
+          <a:lstStyle/>
+          <a:p>
+            <a:pPr algn="ctr"/>
+            <a:r>
+              <a:rPr lang="pt-BR" sz="1200" dirty="0">
                 <a:solidFill>
                   <a:schemeClr val="tx1"/>
                 </a:solidFill>
               </a:rPr>
-              <a:t>a = 14</a:t>
-            </a:r>
-          </a:p>
-          <a:p>
-            <a:pPr algn="ctr"/>
-            <a:r>
-              <a:rPr lang="pt-BR" smtClean="0">
+              <a:t>if (num1 &gt;= num2) and (num1 &gt;= num3):</a:t>
+            </a:r>
+            <a:br>
+              <a:rPr lang="pt-BR" sz="1200" dirty="0">
                 <a:solidFill>
                   <a:schemeClr val="tx1"/>
                 </a:solidFill>
               </a:rPr>
-              <a:t>b = 12</a:t>
-            </a:r>
-          </a:p>
-          <a:p>
-            <a:pPr algn="ctr"/>
-            <a:r>
-              <a:rPr lang="pt-BR" smtClean="0">
+            </a:br>
+            <a:r>
+              <a:rPr lang="pt-BR" sz="1200" dirty="0">
                 <a:solidFill>
                   <a:schemeClr val="tx1"/>
                 </a:solidFill>
               </a:rPr>
-              <a:t>c = 3.5</a:t>
-            </a:r>
-          </a:p>
-          <a:p>
-            <a:pPr algn="ctr"/>
-            <a:r>
-              <a:rPr lang="pt-BR" smtClean="0">
-                <a:solidFill>
-                  <a:schemeClr val="tx1"/>
-                </a:solidFill>
-              </a:rPr>
-              <a:t>d = a + b + c</a:t>
-            </a:r>
-          </a:p>
-          <a:p>
-            <a:pPr algn="ctr"/>
-            <a:r>
-              <a:rPr lang="pt-BR" smtClean="0">
-                <a:solidFill>
-                  <a:schemeClr val="tx1"/>
-                </a:solidFill>
-              </a:rPr>
-              <a:t>e = a*b*c</a:t>
-            </a:r>
-            <a:endParaRPr lang="en-US" dirty="0">
+              <a:t>   largest = num1</a:t>
+            </a:r>
+            <a:endParaRPr lang="en-US" sz="1200" dirty="0">
               <a:solidFill>
                 <a:schemeClr val="tx1"/>
               </a:solidFill>
@@ -3879,16 +4315,16 @@
       </p:sp>
       <p:cxnSp>
         <p:nvCxnSpPr>
-          <p:cNvPr id="22" name="Straight Arrow Connector 21"/>
+          <p:cNvPr id="39" name="Straight Arrow Connector 38"/>
           <p:cNvCxnSpPr>
-            <a:stCxn id="21" idx="2"/>
+            <a:stCxn id="38" idx="3"/>
           </p:cNvCxnSpPr>
           <p:nvPr/>
         </p:nvCxnSpPr>
         <p:spPr>
-          <a:xfrm flipH="1">
-            <a:off x="5414680" y="2697520"/>
-            <a:ext cx="16922" cy="771824"/>
+          <a:xfrm>
+            <a:off x="6619876" y="3998526"/>
+            <a:ext cx="2085974" cy="24848"/>
           </a:xfrm>
           <a:prstGeom prst="straightConnector1">
             <a:avLst/>
@@ -3914,16 +4350,49 @@
       </p:cxnSp>
       <p:sp>
         <p:nvSpPr>
-          <p:cNvPr id="23" name="Diamond 22"/>
+          <p:cNvPr id="40" name="TextBox 39"/>
+          <p:cNvSpPr txBox="1"/>
+          <p:nvPr/>
+        </p:nvSpPr>
+        <p:spPr>
+          <a:xfrm>
+            <a:off x="6698877" y="3667489"/>
+            <a:ext cx="573741" cy="369332"/>
+          </a:xfrm>
+          <a:prstGeom prst="rect">
+            <a:avLst/>
+          </a:prstGeom>
+          <a:noFill/>
+        </p:spPr>
+        <p:txBody>
+          <a:bodyPr wrap="square" rtlCol="0">
+            <a:spAutoFit/>
+          </a:bodyPr>
+          <a:lstStyle/>
+          <a:p>
+            <a:r>
+              <a:rPr lang="en-GB" dirty="0" smtClean="0">
+                <a:solidFill>
+                  <a:sysClr val="windowText" lastClr="000000"/>
+                </a:solidFill>
+              </a:rPr>
+              <a:t>NO</a:t>
+            </a:r>
+          </a:p>
+        </p:txBody>
+      </p:sp>
+      <p:sp>
+        <p:nvSpPr>
+          <p:cNvPr id="41" name="Flowchart: Data 40"/>
           <p:cNvSpPr/>
           <p:nvPr/>
         </p:nvSpPr>
         <p:spPr>
           <a:xfrm>
-            <a:off x="4632508" y="3368952"/>
-            <a:ext cx="1564343" cy="1335738"/>
-          </a:xfrm>
-          <a:prstGeom prst="diamond">
+            <a:off x="8371911" y="3677378"/>
+            <a:ext cx="1934137" cy="1174377"/>
+          </a:xfrm>
+          <a:prstGeom prst="flowChartInputOutput">
             <a:avLst/>
           </a:prstGeom>
           <a:solidFill>
@@ -3952,14 +4421,30 @@
           <a:p>
             <a:pPr algn="ctr"/>
             <a:r>
-              <a:rPr lang="en-US" dirty="0" smtClean="0">
+              <a:rPr lang="en-GB" sz="1400" dirty="0" smtClean="0">
                 <a:solidFill>
                   <a:schemeClr val="tx1"/>
                 </a:solidFill>
               </a:rPr>
-              <a:t>if a == b == c</a:t>
-            </a:r>
-            <a:endParaRPr lang="en-US" dirty="0">
+              <a:t>Largest = </a:t>
+            </a:r>
+            <a:r>
+              <a:rPr lang="en-GB" sz="1400" dirty="0" err="1" smtClean="0">
+                <a:solidFill>
+                  <a:schemeClr val="tx1"/>
+                </a:solidFill>
+              </a:rPr>
+              <a:t>Num</a:t>
+            </a:r>
+            <a:r>
+              <a:rPr lang="en-GB" sz="1400" dirty="0" smtClean="0">
+                <a:solidFill>
+                  <a:schemeClr val="tx1"/>
+                </a:solidFill>
+              </a:rPr>
+              <a:t> 3</a:t>
+            </a:r>
+            <a:endParaRPr lang="en-US" sz="1400" dirty="0">
               <a:solidFill>
                 <a:schemeClr val="tx1"/>
               </a:solidFill>
@@ -3969,16 +4454,14 @@
       </p:sp>
       <p:cxnSp>
         <p:nvCxnSpPr>
-          <p:cNvPr id="24" name="Straight Arrow Connector 23"/>
-          <p:cNvCxnSpPr>
-            <a:stCxn id="23" idx="3"/>
-          </p:cNvCxnSpPr>
+          <p:cNvPr id="42" name="Straight Arrow Connector 41"/>
+          <p:cNvCxnSpPr/>
           <p:nvPr/>
         </p:nvCxnSpPr>
         <p:spPr>
-          <a:xfrm flipV="1">
-            <a:off x="6196851" y="4023373"/>
-            <a:ext cx="1461247" cy="13448"/>
+          <a:xfrm>
+            <a:off x="9185461" y="4851755"/>
+            <a:ext cx="25214" cy="1691920"/>
           </a:xfrm>
           <a:prstGeom prst="straightConnector1">
             <a:avLst/>
@@ -4002,47 +4485,53 @@
           </a:fontRef>
         </p:style>
       </p:cxnSp>
-      <p:sp>
-        <p:nvSpPr>
-          <p:cNvPr id="25" name="TextBox 24"/>
-          <p:cNvSpPr txBox="1"/>
-          <p:nvPr/>
-        </p:nvSpPr>
-        <p:spPr>
-          <a:xfrm>
-            <a:off x="6698877" y="3667489"/>
-            <a:ext cx="573741" cy="369332"/>
-          </a:xfrm>
-          <a:prstGeom prst="rect">
-            <a:avLst/>
-          </a:prstGeom>
-          <a:noFill/>
-        </p:spPr>
-        <p:txBody>
-          <a:bodyPr wrap="square" rtlCol="0">
-            <a:spAutoFit/>
-          </a:bodyPr>
-          <a:lstStyle/>
-          <a:p>
-            <a:r>
-              <a:rPr lang="en-GB" dirty="0" smtClean="0"/>
-              <a:t>NO</a:t>
-            </a:r>
-          </a:p>
-        </p:txBody>
-      </p:sp>
-      <p:sp>
-        <p:nvSpPr>
-          <p:cNvPr id="26" name="Flowchart: Data 25"/>
+      <p:cxnSp>
+        <p:nvCxnSpPr>
+          <p:cNvPr id="43" name="Straight Arrow Connector 42"/>
+          <p:cNvCxnSpPr>
+            <a:endCxn id="44" idx="6"/>
+          </p:cNvCxnSpPr>
+          <p:nvPr/>
+        </p:nvCxnSpPr>
+        <p:spPr>
+          <a:xfrm flipH="1">
+            <a:off x="6084458" y="6401920"/>
+            <a:ext cx="3254521" cy="7845"/>
+          </a:xfrm>
+          <a:prstGeom prst="straightConnector1">
+            <a:avLst/>
+          </a:prstGeom>
+          <a:ln>
+            <a:tailEnd type="triangle"/>
+          </a:ln>
+        </p:spPr>
+        <p:style>
+          <a:lnRef idx="1">
+            <a:schemeClr val="accent1"/>
+          </a:lnRef>
+          <a:fillRef idx="0">
+            <a:schemeClr val="accent1"/>
+          </a:fillRef>
+          <a:effectRef idx="0">
+            <a:schemeClr val="accent1"/>
+          </a:effectRef>
+          <a:fontRef idx="minor">
+            <a:schemeClr val="tx1"/>
+          </a:fontRef>
+        </p:style>
+      </p:cxnSp>
+      <p:sp>
+        <p:nvSpPr>
+          <p:cNvPr id="44" name="Oval 43"/>
           <p:cNvSpPr/>
           <p:nvPr/>
         </p:nvSpPr>
         <p:spPr>
           <a:xfrm>
-            <a:off x="7248636" y="3842302"/>
-            <a:ext cx="1934137" cy="1174377"/>
-          </a:xfrm>
-          <a:prstGeom prst="flowChartInputOutput">
+            <a:off x="4529081" y="5961529"/>
+            <a:ext cx="1555377" cy="896471"/>
+          </a:xfrm>
+          <a:prstGeom prst="ellipse">
             <a:avLst/>
           </a:prstGeom>
           <a:solidFill>
@@ -4071,14 +4560,102 @@
           <a:p>
             <a:pPr algn="ctr"/>
             <a:r>
-              <a:rPr lang="en-US" dirty="0" smtClean="0">
+              <a:rPr lang="en-GB" dirty="0" smtClean="0">
+                <a:solidFill>
+                  <a:sysClr val="windowText" lastClr="000000"/>
+                </a:solidFill>
+              </a:rPr>
+              <a:t>END</a:t>
+            </a:r>
+            <a:endParaRPr lang="en-US" dirty="0">
+              <a:solidFill>
+                <a:sysClr val="windowText" lastClr="000000"/>
+              </a:solidFill>
+            </a:endParaRPr>
+          </a:p>
+        </p:txBody>
+      </p:sp>
+      <p:cxnSp>
+        <p:nvCxnSpPr>
+          <p:cNvPr id="45" name="Straight Arrow Connector 44"/>
+          <p:cNvCxnSpPr/>
+          <p:nvPr/>
+        </p:nvCxnSpPr>
+        <p:spPr>
+          <a:xfrm flipH="1">
+            <a:off x="2879492" y="4023374"/>
+            <a:ext cx="1425808" cy="13447"/>
+          </a:xfrm>
+          <a:prstGeom prst="straightConnector1">
+            <a:avLst/>
+          </a:prstGeom>
+          <a:ln>
+            <a:tailEnd type="triangle"/>
+          </a:ln>
+        </p:spPr>
+        <p:style>
+          <a:lnRef idx="1">
+            <a:schemeClr val="accent1"/>
+          </a:lnRef>
+          <a:fillRef idx="0">
+            <a:schemeClr val="accent1"/>
+          </a:fillRef>
+          <a:effectRef idx="0">
+            <a:schemeClr val="accent1"/>
+          </a:effectRef>
+          <a:fontRef idx="minor">
+            <a:schemeClr val="tx1"/>
+          </a:fontRef>
+        </p:style>
+      </p:cxnSp>
+      <p:sp>
+        <p:nvSpPr>
+          <p:cNvPr id="46" name="Flowchart: Data 45"/>
+          <p:cNvSpPr/>
+          <p:nvPr/>
+        </p:nvSpPr>
+        <p:spPr>
+          <a:xfrm>
+            <a:off x="0" y="3378842"/>
+            <a:ext cx="3286125" cy="1222790"/>
+          </a:xfrm>
+          <a:prstGeom prst="flowChartInputOutput">
+            <a:avLst/>
+          </a:prstGeom>
+          <a:solidFill>
+            <a:schemeClr val="bg1"/>
+          </a:solidFill>
+        </p:spPr>
+        <p:style>
+          <a:lnRef idx="2">
+            <a:schemeClr val="accent1">
+              <a:shade val="50000"/>
+            </a:schemeClr>
+          </a:lnRef>
+          <a:fillRef idx="1">
+            <a:schemeClr val="accent1"/>
+          </a:fillRef>
+          <a:effectRef idx="0">
+            <a:schemeClr val="accent1"/>
+          </a:effectRef>
+          <a:fontRef idx="minor">
+            <a:schemeClr val="lt1"/>
+          </a:fontRef>
+        </p:style>
+        <p:txBody>
+          <a:bodyPr rtlCol="0" anchor="ctr"/>
+          <a:lstStyle/>
+          <a:p>
+            <a:pPr algn="ctr"/>
+            <a:r>
+              <a:rPr lang="pt-BR" sz="2000" dirty="0">
                 <a:solidFill>
                   <a:schemeClr val="tx1"/>
                 </a:solidFill>
               </a:rPr>
-              <a:t>print(d)</a:t>
-            </a:r>
-            <a:endParaRPr lang="en-US" dirty="0">
+              <a:t>  largest = num1</a:t>
+            </a:r>
+            <a:endParaRPr lang="en-US" sz="2000" dirty="0">
               <a:solidFill>
                 <a:schemeClr val="tx1"/>
               </a:solidFill>
@@ -4088,14 +4665,16 @@
       </p:sp>
       <p:cxnSp>
         <p:nvCxnSpPr>
-          <p:cNvPr id="27" name="Straight Arrow Connector 26"/>
-          <p:cNvCxnSpPr/>
+          <p:cNvPr id="47" name="Straight Arrow Connector 46"/>
+          <p:cNvCxnSpPr>
+            <a:stCxn id="46" idx="3"/>
+          </p:cNvCxnSpPr>
           <p:nvPr/>
         </p:nvCxnSpPr>
         <p:spPr>
-          <a:xfrm>
-            <a:off x="8175811" y="4991563"/>
-            <a:ext cx="39894" cy="1364413"/>
+          <a:xfrm flipH="1">
+            <a:off x="949700" y="4601632"/>
+            <a:ext cx="364750" cy="1831469"/>
           </a:xfrm>
           <a:prstGeom prst="straightConnector1">
             <a:avLst/>
@@ -4121,14 +4700,16 @@
       </p:cxnSp>
       <p:cxnSp>
         <p:nvCxnSpPr>
-          <p:cNvPr id="28" name="Straight Arrow Connector 27"/>
-          <p:cNvCxnSpPr/>
+          <p:cNvPr id="48" name="Straight Arrow Connector 47"/>
+          <p:cNvCxnSpPr>
+            <a:endCxn id="44" idx="2"/>
+          </p:cNvCxnSpPr>
           <p:nvPr/>
         </p:nvCxnSpPr>
         <p:spPr>
-          <a:xfrm flipH="1">
-            <a:off x="6324601" y="6355976"/>
-            <a:ext cx="1896034" cy="0"/>
+          <a:xfrm>
+            <a:off x="895348" y="6401920"/>
+            <a:ext cx="3633733" cy="7845"/>
           </a:xfrm>
           <a:prstGeom prst="straightConnector1">
             <a:avLst/>
@@ -4154,16 +4735,82 @@
       </p:cxnSp>
       <p:sp>
         <p:nvSpPr>
-          <p:cNvPr id="29" name="Oval 28"/>
+          <p:cNvPr id="49" name="TextBox 48"/>
+          <p:cNvSpPr txBox="1"/>
+          <p:nvPr/>
+        </p:nvSpPr>
+        <p:spPr>
+          <a:xfrm>
+            <a:off x="3406588" y="3677378"/>
+            <a:ext cx="981633" cy="369332"/>
+          </a:xfrm>
+          <a:prstGeom prst="rect">
+            <a:avLst/>
+          </a:prstGeom>
+          <a:noFill/>
+        </p:spPr>
+        <p:txBody>
+          <a:bodyPr wrap="square" rtlCol="0">
+            <a:spAutoFit/>
+          </a:bodyPr>
+          <a:lstStyle/>
+          <a:p>
+            <a:r>
+              <a:rPr lang="en-GB" dirty="0" smtClean="0">
+                <a:solidFill>
+                  <a:sysClr val="windowText" lastClr="000000"/>
+                </a:solidFill>
+              </a:rPr>
+              <a:t>   YES</a:t>
+            </a:r>
+          </a:p>
+        </p:txBody>
+      </p:sp>
+      <p:cxnSp>
+        <p:nvCxnSpPr>
+          <p:cNvPr id="52" name="Straight Arrow Connector 51"/>
+          <p:cNvCxnSpPr/>
+          <p:nvPr/>
+        </p:nvCxnSpPr>
+        <p:spPr>
+          <a:xfrm>
+            <a:off x="2695575" y="4400550"/>
+            <a:ext cx="590550" cy="451205"/>
+          </a:xfrm>
+          <a:prstGeom prst="straightConnector1">
+            <a:avLst/>
+          </a:prstGeom>
+          <a:ln>
+            <a:tailEnd type="triangle"/>
+          </a:ln>
+        </p:spPr>
+        <p:style>
+          <a:lnRef idx="1">
+            <a:schemeClr val="accent1"/>
+          </a:lnRef>
+          <a:fillRef idx="0">
+            <a:schemeClr val="accent1"/>
+          </a:fillRef>
+          <a:effectRef idx="0">
+            <a:schemeClr val="accent1"/>
+          </a:effectRef>
+          <a:fontRef idx="minor">
+            <a:schemeClr val="tx1"/>
+          </a:fontRef>
+        </p:style>
+      </p:cxnSp>
+      <p:sp>
+        <p:nvSpPr>
+          <p:cNvPr id="53" name="Rectangle 52"/>
           <p:cNvSpPr/>
           <p:nvPr/>
         </p:nvSpPr>
         <p:spPr>
           <a:xfrm>
-            <a:off x="4919606" y="5907740"/>
-            <a:ext cx="1555377" cy="896471"/>
-          </a:xfrm>
-          <a:prstGeom prst="ellipse">
+            <a:off x="2512360" y="4792397"/>
+            <a:ext cx="2016721" cy="1017854"/>
+          </a:xfrm>
+          <a:prstGeom prst="rect">
             <a:avLst/>
           </a:prstGeom>
           <a:solidFill>
@@ -4192,31 +4839,26 @@
           <a:p>
             <a:pPr algn="ctr"/>
             <a:r>
-              <a:rPr lang="en-GB" dirty="0" smtClean="0">
+              <a:rPr lang="en-US" dirty="0">
                 <a:solidFill>
                   <a:schemeClr val="tx1"/>
                 </a:solidFill>
               </a:rPr>
-              <a:t>END</a:t>
-            </a:r>
-            <a:endParaRPr lang="en-US" dirty="0">
-              <a:solidFill>
-                <a:schemeClr val="tx1"/>
-              </a:solidFill>
-            </a:endParaRPr>
+              <a:t>largest = num2</a:t>
+            </a:r>
           </a:p>
         </p:txBody>
       </p:sp>
       <p:cxnSp>
         <p:nvCxnSpPr>
-          <p:cNvPr id="30" name="Straight Arrow Connector 29"/>
+          <p:cNvPr id="54" name="Straight Arrow Connector 53"/>
           <p:cNvCxnSpPr/>
           <p:nvPr/>
         </p:nvCxnSpPr>
         <p:spPr>
-          <a:xfrm flipH="1">
-            <a:off x="2738716" y="4025615"/>
-            <a:ext cx="1927412" cy="8964"/>
+          <a:xfrm>
+            <a:off x="4529081" y="5572125"/>
+            <a:ext cx="385819" cy="476250"/>
           </a:xfrm>
           <a:prstGeom prst="straightConnector1">
             <a:avLst/>
@@ -4242,137 +4884,39 @@
       </p:cxnSp>
       <p:sp>
         <p:nvSpPr>
-          <p:cNvPr id="31" name="Flowchart: Data 30"/>
+          <p:cNvPr id="12" name="Rectangle 11"/>
           <p:cNvSpPr/>
           <p:nvPr/>
         </p:nvSpPr>
         <p:spPr>
           <a:xfrm>
-            <a:off x="1272988" y="3594847"/>
-            <a:ext cx="1613647" cy="1109843"/>
-          </a:xfrm>
-          <a:prstGeom prst="flowChartInputOutput">
-            <a:avLst/>
-          </a:prstGeom>
-          <a:solidFill>
-            <a:schemeClr val="bg1"/>
-          </a:solidFill>
-        </p:spPr>
-        <p:style>
-          <a:lnRef idx="2">
-            <a:schemeClr val="accent1">
-              <a:shade val="50000"/>
-            </a:schemeClr>
-          </a:lnRef>
-          <a:fillRef idx="1">
-            <a:schemeClr val="accent1"/>
-          </a:fillRef>
-          <a:effectRef idx="0">
-            <a:schemeClr val="accent1"/>
-          </a:effectRef>
-          <a:fontRef idx="minor">
-            <a:schemeClr val="lt1"/>
-          </a:fontRef>
-        </p:style>
-        <p:txBody>
-          <a:bodyPr rtlCol="0" anchor="ctr"/>
-          <a:lstStyle/>
-          <a:p>
-            <a:pPr algn="ctr"/>
-            <a:r>
-              <a:rPr lang="en-US" dirty="0" smtClean="0">
-                <a:solidFill>
-                  <a:schemeClr val="tx1"/>
-                </a:solidFill>
-              </a:rPr>
-              <a:t> print(e)</a:t>
-            </a:r>
-            <a:endParaRPr lang="en-US" dirty="0">
-              <a:solidFill>
-                <a:schemeClr val="tx1"/>
-              </a:solidFill>
-            </a:endParaRPr>
-          </a:p>
-        </p:txBody>
-      </p:sp>
-      <p:cxnSp>
-        <p:nvCxnSpPr>
-          <p:cNvPr id="32" name="Straight Arrow Connector 31"/>
-          <p:cNvCxnSpPr>
-            <a:stCxn id="31" idx="3"/>
-          </p:cNvCxnSpPr>
-          <p:nvPr/>
-        </p:nvCxnSpPr>
-        <p:spPr>
-          <a:xfrm>
-            <a:off x="1918447" y="4704690"/>
-            <a:ext cx="62753" cy="1758863"/>
-          </a:xfrm>
-          <a:prstGeom prst="straightConnector1">
-            <a:avLst/>
-          </a:prstGeom>
-          <a:ln>
-            <a:tailEnd type="triangle"/>
-          </a:ln>
-        </p:spPr>
-        <p:style>
-          <a:lnRef idx="1">
-            <a:schemeClr val="accent1"/>
-          </a:lnRef>
-          <a:fillRef idx="0">
-            <a:schemeClr val="accent1"/>
-          </a:fillRef>
-          <a:effectRef idx="0">
-            <a:schemeClr val="accent1"/>
-          </a:effectRef>
-          <a:fontRef idx="minor">
-            <a:schemeClr val="tx1"/>
-          </a:fontRef>
-        </p:style>
-      </p:cxnSp>
-      <p:cxnSp>
-        <p:nvCxnSpPr>
-          <p:cNvPr id="33" name="Straight Arrow Connector 32"/>
-          <p:cNvCxnSpPr/>
-          <p:nvPr/>
-        </p:nvCxnSpPr>
-        <p:spPr>
-          <a:xfrm flipV="1">
-            <a:off x="1981200" y="6391834"/>
-            <a:ext cx="2929441" cy="71718"/>
-          </a:xfrm>
-          <a:prstGeom prst="straightConnector1">
-            <a:avLst/>
-          </a:prstGeom>
-          <a:ln>
-            <a:tailEnd type="triangle"/>
-          </a:ln>
-        </p:spPr>
-        <p:style>
-          <a:lnRef idx="1">
-            <a:schemeClr val="accent1"/>
-          </a:lnRef>
-          <a:fillRef idx="0">
-            <a:schemeClr val="accent1"/>
-          </a:fillRef>
-          <a:effectRef idx="0">
-            <a:schemeClr val="accent1"/>
-          </a:effectRef>
-          <a:fontRef idx="minor">
-            <a:schemeClr val="tx1"/>
-          </a:fontRef>
-        </p:style>
-      </p:cxnSp>
-      <p:sp>
-        <p:nvSpPr>
-          <p:cNvPr id="34" name="TextBox 33"/>
+            <a:off x="3048000" y="3227563"/>
+            <a:ext cx="133912" cy="109103"/>
+          </a:xfrm>
+          <a:prstGeom prst="rect">
+            <a:avLst/>
+          </a:prstGeom>
+        </p:spPr>
+        <p:txBody>
+          <a:bodyPr wrap="square">
+            <a:spAutoFit/>
+          </a:bodyPr>
+          <a:lstStyle/>
+          <a:p>
+            <a:endParaRPr lang="en-US" dirty="0"/>
+          </a:p>
+        </p:txBody>
+      </p:sp>
+      <p:sp>
+        <p:nvSpPr>
+          <p:cNvPr id="2" name="TextBox 1"/>
           <p:cNvSpPr txBox="1"/>
           <p:nvPr/>
         </p:nvSpPr>
         <p:spPr>
           <a:xfrm>
-            <a:off x="3406588" y="3677378"/>
-            <a:ext cx="981633" cy="369332"/>
+            <a:off x="663388" y="340659"/>
+            <a:ext cx="1362636" cy="584775"/>
           </a:xfrm>
           <a:prstGeom prst="rect">
             <a:avLst/>
@@ -4386,8 +4930,8 @@
           <a:lstStyle/>
           <a:p>
             <a:r>
-              <a:rPr lang="en-GB" dirty="0" smtClean="0"/>
-              <a:t>   YES</a:t>
+              <a:rPr lang="en-GB" sz="3200" dirty="0" smtClean="0"/>
+              <a:t>2.</a:t>
             </a:r>
           </a:p>
         </p:txBody>
@@ -4510,18 +5054,84 @@
           </a:fontRef>
         </p:style>
       </p:cxnSp>
-      <p:sp>
-        <p:nvSpPr>
-          <p:cNvPr id="6" name="Rectangle 5"/>
+      <p:cxnSp>
+        <p:nvCxnSpPr>
+          <p:cNvPr id="7" name="Straight Arrow Connector 6"/>
+          <p:cNvCxnSpPr/>
+          <p:nvPr/>
+        </p:nvCxnSpPr>
+        <p:spPr>
+          <a:xfrm>
+            <a:off x="5495364" y="2498058"/>
+            <a:ext cx="0" cy="729768"/>
+          </a:xfrm>
+          <a:prstGeom prst="straightConnector1">
+            <a:avLst/>
+          </a:prstGeom>
+          <a:ln>
+            <a:tailEnd type="triangle"/>
+          </a:ln>
+        </p:spPr>
+        <p:style>
+          <a:lnRef idx="1">
+            <a:schemeClr val="accent1"/>
+          </a:lnRef>
+          <a:fillRef idx="0">
+            <a:schemeClr val="accent1"/>
+          </a:fillRef>
+          <a:effectRef idx="0">
+            <a:schemeClr val="accent1"/>
+          </a:effectRef>
+          <a:fontRef idx="minor">
+            <a:schemeClr val="tx1"/>
+          </a:fontRef>
+        </p:style>
+      </p:cxnSp>
+      <p:cxnSp>
+        <p:nvCxnSpPr>
+          <p:cNvPr id="12" name="Straight Arrow Connector 11"/>
+          <p:cNvCxnSpPr/>
+          <p:nvPr/>
+        </p:nvCxnSpPr>
+        <p:spPr>
+          <a:xfrm>
+            <a:off x="5471944" y="3978685"/>
+            <a:ext cx="23420" cy="2029122"/>
+          </a:xfrm>
+          <a:prstGeom prst="straightConnector1">
+            <a:avLst/>
+          </a:prstGeom>
+          <a:ln>
+            <a:tailEnd type="triangle"/>
+          </a:ln>
+        </p:spPr>
+        <p:style>
+          <a:lnRef idx="1">
+            <a:schemeClr val="accent1"/>
+          </a:lnRef>
+          <a:fillRef idx="0">
+            <a:schemeClr val="accent1"/>
+          </a:fillRef>
+          <a:effectRef idx="0">
+            <a:schemeClr val="accent1"/>
+          </a:effectRef>
+          <a:fontRef idx="minor">
+            <a:schemeClr val="tx1"/>
+          </a:fontRef>
+        </p:style>
+      </p:cxnSp>
+      <p:sp>
+        <p:nvSpPr>
+          <p:cNvPr id="14" name="Oval 13"/>
           <p:cNvSpPr/>
           <p:nvPr/>
         </p:nvSpPr>
         <p:spPr>
           <a:xfrm>
-            <a:off x="4143932" y="1429017"/>
-            <a:ext cx="2505638" cy="1343850"/>
-          </a:xfrm>
-          <a:prstGeom prst="rect">
+            <a:off x="4717675" y="5961529"/>
+            <a:ext cx="1555377" cy="896471"/>
+          </a:xfrm>
+          <a:prstGeom prst="ellipse">
             <a:avLst/>
           </a:prstGeom>
           <a:solidFill>
@@ -4550,20 +5160,12 @@
           <a:p>
             <a:pPr algn="ctr"/>
             <a:r>
-              <a:rPr lang="en-US" dirty="0" err="1" smtClean="0">
+              <a:rPr lang="en-GB" dirty="0" smtClean="0">
                 <a:solidFill>
                   <a:schemeClr val="tx1"/>
                 </a:solidFill>
               </a:rPr>
-              <a:t>def</a:t>
-            </a:r>
-            <a:r>
-              <a:rPr lang="en-US" dirty="0" smtClean="0">
-                <a:solidFill>
-                  <a:schemeClr val="tx1"/>
-                </a:solidFill>
-              </a:rPr>
-              <a:t> test_number5(x, y)</a:t>
+              <a:t>END</a:t>
             </a:r>
             <a:endParaRPr lang="en-US" dirty="0">
               <a:solidFill>
@@ -4573,51 +5175,18 @@
           </a:p>
         </p:txBody>
       </p:sp>
-      <p:cxnSp>
-        <p:nvCxnSpPr>
-          <p:cNvPr id="7" name="Straight Arrow Connector 6"/>
-          <p:cNvCxnSpPr/>
-          <p:nvPr/>
-        </p:nvCxnSpPr>
-        <p:spPr>
-          <a:xfrm>
-            <a:off x="5665694" y="2772867"/>
-            <a:ext cx="0" cy="729768"/>
-          </a:xfrm>
-          <a:prstGeom prst="straightConnector1">
-            <a:avLst/>
-          </a:prstGeom>
-          <a:ln>
-            <a:tailEnd type="triangle"/>
-          </a:ln>
-        </p:spPr>
-        <p:style>
-          <a:lnRef idx="1">
-            <a:schemeClr val="accent1"/>
-          </a:lnRef>
-          <a:fillRef idx="0">
-            <a:schemeClr val="accent1"/>
-          </a:fillRef>
-          <a:effectRef idx="0">
-            <a:schemeClr val="accent1"/>
-          </a:effectRef>
-          <a:fontRef idx="minor">
-            <a:schemeClr val="tx1"/>
-          </a:fontRef>
-        </p:style>
-      </p:cxnSp>
-      <p:sp>
-        <p:nvSpPr>
-          <p:cNvPr id="8" name="Diamond 7"/>
+      <p:sp>
+        <p:nvSpPr>
+          <p:cNvPr id="39" name="Flowchart: Data 38"/>
           <p:cNvSpPr/>
           <p:nvPr/>
         </p:nvSpPr>
         <p:spPr>
           <a:xfrm>
-            <a:off x="4411308" y="3423697"/>
-            <a:ext cx="2547544" cy="1604613"/>
-          </a:xfrm>
-          <a:prstGeom prst="diamond">
+            <a:off x="3924809" y="3227826"/>
+            <a:ext cx="3044741" cy="927415"/>
+          </a:xfrm>
+          <a:prstGeom prst="flowChartInputOutput">
             <a:avLst/>
           </a:prstGeom>
           <a:solidFill>
@@ -4646,28 +5215,113 @@
           <a:p>
             <a:pPr algn="ctr"/>
             <a:r>
-              <a:rPr lang="en-US" dirty="0" smtClean="0">
+              <a:rPr lang="en-GB" sz="1200" dirty="0" smtClean="0">
                 <a:solidFill>
                   <a:schemeClr val="tx1"/>
                 </a:solidFill>
               </a:rPr>
-              <a:t> if x == y or abs(x-y) == 5 or (</a:t>
-            </a:r>
-            <a:r>
-              <a:rPr lang="en-US" dirty="0" err="1" smtClean="0">
+              <a:t>print(test_number5(7, 2))</a:t>
+            </a:r>
+          </a:p>
+          <a:p>
+            <a:pPr algn="ctr"/>
+            <a:r>
+              <a:rPr lang="en-GB" sz="1200" dirty="0" smtClean="0">
                 <a:solidFill>
                   <a:schemeClr val="tx1"/>
                 </a:solidFill>
               </a:rPr>
-              <a:t>x+y</a:t>
-            </a:r>
-            <a:r>
-              <a:rPr lang="en-US" dirty="0" smtClean="0">
+              <a:t>print(test_number5(3, 2))</a:t>
+            </a:r>
+          </a:p>
+          <a:p>
+            <a:pPr algn="ctr"/>
+            <a:r>
+              <a:rPr lang="en-GB" sz="1200" dirty="0" smtClean="0">
                 <a:solidFill>
                   <a:schemeClr val="tx1"/>
                 </a:solidFill>
               </a:rPr>
-              <a:t>) == 5:</a:t>
+              <a:t>print(test_number5(2, 2))</a:t>
+            </a:r>
+            <a:endParaRPr lang="en-GB" sz="1200" dirty="0">
+              <a:solidFill>
+                <a:schemeClr val="tx1"/>
+              </a:solidFill>
+            </a:endParaRPr>
+          </a:p>
+        </p:txBody>
+      </p:sp>
+      <p:sp>
+        <p:nvSpPr>
+          <p:cNvPr id="2" name="Oval 1"/>
+          <p:cNvSpPr/>
+          <p:nvPr/>
+        </p:nvSpPr>
+        <p:spPr>
+          <a:xfrm>
+            <a:off x="3872754" y="1538837"/>
+            <a:ext cx="3148852" cy="959221"/>
+          </a:xfrm>
+          <a:prstGeom prst="ellipse">
+            <a:avLst/>
+          </a:prstGeom>
+          <a:solidFill>
+            <a:schemeClr val="bg1"/>
+          </a:solidFill>
+        </p:spPr>
+        <p:style>
+          <a:lnRef idx="2">
+            <a:schemeClr val="accent1">
+              <a:shade val="50000"/>
+            </a:schemeClr>
+          </a:lnRef>
+          <a:fillRef idx="1">
+            <a:schemeClr val="accent1"/>
+          </a:fillRef>
+          <a:effectRef idx="0">
+            <a:schemeClr val="accent1"/>
+          </a:effectRef>
+          <a:fontRef idx="minor">
+            <a:schemeClr val="lt1"/>
+          </a:fontRef>
+        </p:style>
+        <p:txBody>
+          <a:bodyPr rtlCol="0" anchor="ctr"/>
+          <a:lstStyle/>
+          <a:p>
+            <a:pPr algn="ctr"/>
+            <a:r>
+              <a:rPr lang="en-GB" dirty="0" err="1">
+                <a:solidFill>
+                  <a:schemeClr val="tx1"/>
+                </a:solidFill>
+              </a:rPr>
+              <a:t>def</a:t>
+            </a:r>
+            <a:r>
+              <a:rPr lang="en-GB" dirty="0">
+                <a:solidFill>
+                  <a:schemeClr val="tx1"/>
+                </a:solidFill>
+              </a:rPr>
+              <a:t> </a:t>
+            </a:r>
+            <a:r>
+              <a:rPr lang="en-GB" dirty="0" err="1">
+                <a:solidFill>
+                  <a:schemeClr val="tx1"/>
+                </a:solidFill>
+              </a:rPr>
+              <a:t>max_of_three</a:t>
+            </a:r>
+            <a:r>
+              <a:rPr lang="en-GB" dirty="0">
+                <a:solidFill>
+                  <a:schemeClr val="tx1"/>
+                </a:solidFill>
+              </a:rPr>
+              <a:t>( x, y, z )</a:t>
             </a:r>
             <a:endParaRPr lang="en-US" dirty="0">
               <a:solidFill>
@@ -4677,49 +5331,16 @@
           </a:p>
         </p:txBody>
       </p:sp>
-      <p:cxnSp>
-        <p:nvCxnSpPr>
-          <p:cNvPr id="9" name="Straight Arrow Connector 8"/>
-          <p:cNvCxnSpPr/>
-          <p:nvPr/>
-        </p:nvCxnSpPr>
-        <p:spPr>
-          <a:xfrm>
-            <a:off x="7021606" y="4162292"/>
-            <a:ext cx="1174152" cy="1"/>
-          </a:xfrm>
-          <a:prstGeom prst="straightConnector1">
-            <a:avLst/>
-          </a:prstGeom>
-          <a:ln>
-            <a:tailEnd type="triangle"/>
-          </a:ln>
-        </p:spPr>
-        <p:style>
-          <a:lnRef idx="1">
-            <a:schemeClr val="accent1"/>
-          </a:lnRef>
-          <a:fillRef idx="0">
-            <a:schemeClr val="accent1"/>
-          </a:fillRef>
-          <a:effectRef idx="0">
-            <a:schemeClr val="accent1"/>
-          </a:effectRef>
-          <a:fontRef idx="minor">
-            <a:schemeClr val="tx1"/>
-          </a:fontRef>
-        </p:style>
-      </p:cxnSp>
-      <p:sp>
-        <p:nvSpPr>
-          <p:cNvPr id="10" name="TextBox 9"/>
+      <p:sp>
+        <p:nvSpPr>
+          <p:cNvPr id="23" name="TextBox 22"/>
           <p:cNvSpPr txBox="1"/>
           <p:nvPr/>
         </p:nvSpPr>
         <p:spPr>
           <a:xfrm>
-            <a:off x="7212105" y="3677378"/>
-            <a:ext cx="562535" cy="369332"/>
+            <a:off x="268941" y="510988"/>
+            <a:ext cx="1532965" cy="584775"/>
           </a:xfrm>
           <a:prstGeom prst="rect">
             <a:avLst/>
@@ -4733,449 +5354,10 @@
           <a:lstStyle/>
           <a:p>
             <a:r>
-              <a:rPr lang="en-GB" dirty="0" smtClean="0"/>
-              <a:t>NO</a:t>
-            </a:r>
-          </a:p>
-        </p:txBody>
-      </p:sp>
-      <p:sp>
-        <p:nvSpPr>
-          <p:cNvPr id="11" name="Flowchart: Data 10"/>
-          <p:cNvSpPr/>
-          <p:nvPr/>
-        </p:nvSpPr>
-        <p:spPr>
-          <a:xfrm>
-            <a:off x="7983742" y="3677378"/>
-            <a:ext cx="1934137" cy="1174377"/>
-          </a:xfrm>
-          <a:prstGeom prst="flowChartInputOutput">
-            <a:avLst/>
-          </a:prstGeom>
-          <a:solidFill>
-            <a:schemeClr val="bg1"/>
-          </a:solidFill>
-        </p:spPr>
-        <p:style>
-          <a:lnRef idx="2">
-            <a:schemeClr val="accent1">
-              <a:shade val="50000"/>
-            </a:schemeClr>
-          </a:lnRef>
-          <a:fillRef idx="1">
-            <a:schemeClr val="accent1"/>
-          </a:fillRef>
-          <a:effectRef idx="0">
-            <a:schemeClr val="accent1"/>
-          </a:effectRef>
-          <a:fontRef idx="minor">
-            <a:schemeClr val="lt1"/>
-          </a:fontRef>
-        </p:style>
-        <p:txBody>
-          <a:bodyPr rtlCol="0" anchor="ctr"/>
-          <a:lstStyle/>
-          <a:p>
-            <a:pPr algn="ctr"/>
-            <a:r>
-              <a:rPr lang="en-US" dirty="0" smtClean="0">
-                <a:solidFill>
-                  <a:schemeClr val="tx1"/>
-                </a:solidFill>
-              </a:rPr>
-              <a:t>return False</a:t>
-            </a:r>
-            <a:endParaRPr lang="en-US" dirty="0">
-              <a:solidFill>
-                <a:schemeClr val="tx1"/>
-              </a:solidFill>
-            </a:endParaRPr>
-          </a:p>
-        </p:txBody>
-      </p:sp>
-      <p:cxnSp>
-        <p:nvCxnSpPr>
-          <p:cNvPr id="12" name="Straight Arrow Connector 11"/>
-          <p:cNvCxnSpPr>
-            <a:stCxn id="11" idx="3"/>
-          </p:cNvCxnSpPr>
-          <p:nvPr/>
-        </p:nvCxnSpPr>
-        <p:spPr>
-          <a:xfrm flipH="1">
-            <a:off x="8735657" y="4851755"/>
-            <a:ext cx="21740" cy="1812648"/>
-          </a:xfrm>
-          <a:prstGeom prst="straightConnector1">
-            <a:avLst/>
-          </a:prstGeom>
-          <a:ln>
-            <a:tailEnd type="triangle"/>
-          </a:ln>
-        </p:spPr>
-        <p:style>
-          <a:lnRef idx="1">
-            <a:schemeClr val="accent1"/>
-          </a:lnRef>
-          <a:fillRef idx="0">
-            <a:schemeClr val="accent1"/>
-          </a:fillRef>
-          <a:effectRef idx="0">
-            <a:schemeClr val="accent1"/>
-          </a:effectRef>
-          <a:fontRef idx="minor">
-            <a:schemeClr val="tx1"/>
-          </a:fontRef>
-        </p:style>
-      </p:cxnSp>
-      <p:cxnSp>
-        <p:nvCxnSpPr>
-          <p:cNvPr id="13" name="Straight Arrow Connector 12"/>
-          <p:cNvCxnSpPr/>
-          <p:nvPr/>
-        </p:nvCxnSpPr>
-        <p:spPr>
-          <a:xfrm flipH="1" flipV="1">
-            <a:off x="6439459" y="6659492"/>
-            <a:ext cx="2317938" cy="4911"/>
-          </a:xfrm>
-          <a:prstGeom prst="straightConnector1">
-            <a:avLst/>
-          </a:prstGeom>
-          <a:ln>
-            <a:tailEnd type="triangle"/>
-          </a:ln>
-        </p:spPr>
-        <p:style>
-          <a:lnRef idx="1">
-            <a:schemeClr val="accent1"/>
-          </a:lnRef>
-          <a:fillRef idx="0">
-            <a:schemeClr val="accent1"/>
-          </a:fillRef>
-          <a:effectRef idx="0">
-            <a:schemeClr val="accent1"/>
-          </a:effectRef>
-          <a:fontRef idx="minor">
-            <a:schemeClr val="tx1"/>
-          </a:fontRef>
-        </p:style>
-      </p:cxnSp>
-      <p:sp>
-        <p:nvSpPr>
-          <p:cNvPr id="14" name="Oval 13"/>
-          <p:cNvSpPr/>
-          <p:nvPr/>
-        </p:nvSpPr>
-        <p:spPr>
-          <a:xfrm>
-            <a:off x="4926329" y="6007807"/>
-            <a:ext cx="1555377" cy="896471"/>
-          </a:xfrm>
-          <a:prstGeom prst="ellipse">
-            <a:avLst/>
-          </a:prstGeom>
-          <a:solidFill>
-            <a:schemeClr val="bg1"/>
-          </a:solidFill>
-        </p:spPr>
-        <p:style>
-          <a:lnRef idx="2">
-            <a:schemeClr val="accent1">
-              <a:shade val="50000"/>
-            </a:schemeClr>
-          </a:lnRef>
-          <a:fillRef idx="1">
-            <a:schemeClr val="accent1"/>
-          </a:fillRef>
-          <a:effectRef idx="0">
-            <a:schemeClr val="accent1"/>
-          </a:effectRef>
-          <a:fontRef idx="minor">
-            <a:schemeClr val="lt1"/>
-          </a:fontRef>
-        </p:style>
-        <p:txBody>
-          <a:bodyPr rtlCol="0" anchor="ctr"/>
-          <a:lstStyle/>
-          <a:p>
-            <a:pPr algn="ctr"/>
-            <a:r>
-              <a:rPr lang="en-GB" dirty="0" smtClean="0">
-                <a:solidFill>
-                  <a:schemeClr val="tx1"/>
-                </a:solidFill>
-              </a:rPr>
-              <a:t>END</a:t>
-            </a:r>
-            <a:endParaRPr lang="en-US" dirty="0">
-              <a:solidFill>
-                <a:schemeClr val="tx1"/>
-              </a:solidFill>
-            </a:endParaRPr>
-          </a:p>
-        </p:txBody>
-      </p:sp>
-      <p:cxnSp>
-        <p:nvCxnSpPr>
-          <p:cNvPr id="15" name="Straight Arrow Connector 14"/>
-          <p:cNvCxnSpPr/>
-          <p:nvPr/>
-        </p:nvCxnSpPr>
-        <p:spPr>
-          <a:xfrm flipH="1">
-            <a:off x="2698378" y="4162293"/>
-            <a:ext cx="1927412" cy="8964"/>
-          </a:xfrm>
-          <a:prstGeom prst="straightConnector1">
-            <a:avLst/>
-          </a:prstGeom>
-          <a:ln>
-            <a:tailEnd type="triangle"/>
-          </a:ln>
-        </p:spPr>
-        <p:style>
-          <a:lnRef idx="1">
-            <a:schemeClr val="accent1"/>
-          </a:lnRef>
-          <a:fillRef idx="0">
-            <a:schemeClr val="accent1"/>
-          </a:fillRef>
-          <a:effectRef idx="0">
-            <a:schemeClr val="accent1"/>
-          </a:effectRef>
-          <a:fontRef idx="minor">
-            <a:schemeClr val="tx1"/>
-          </a:fontRef>
-        </p:style>
-      </p:cxnSp>
-      <p:sp>
-        <p:nvSpPr>
-          <p:cNvPr id="16" name="Flowchart: Data 15"/>
-          <p:cNvSpPr/>
-          <p:nvPr/>
-        </p:nvSpPr>
-        <p:spPr>
-          <a:xfrm>
-            <a:off x="1427859" y="3598884"/>
-            <a:ext cx="1613647" cy="1109843"/>
-          </a:xfrm>
-          <a:prstGeom prst="flowChartInputOutput">
-            <a:avLst/>
-          </a:prstGeom>
-          <a:solidFill>
-            <a:schemeClr val="bg1"/>
-          </a:solidFill>
-        </p:spPr>
-        <p:style>
-          <a:lnRef idx="2">
-            <a:schemeClr val="accent1">
-              <a:shade val="50000"/>
-            </a:schemeClr>
-          </a:lnRef>
-          <a:fillRef idx="1">
-            <a:schemeClr val="accent1"/>
-          </a:fillRef>
-          <a:effectRef idx="0">
-            <a:schemeClr val="accent1"/>
-          </a:effectRef>
-          <a:fontRef idx="minor">
-            <a:schemeClr val="lt1"/>
-          </a:fontRef>
-        </p:style>
-        <p:txBody>
-          <a:bodyPr rtlCol="0" anchor="ctr"/>
-          <a:lstStyle/>
-          <a:p>
-            <a:pPr algn="ctr"/>
-            <a:r>
-              <a:rPr lang="en-US" dirty="0" smtClean="0">
-                <a:solidFill>
-                  <a:schemeClr val="tx1"/>
-                </a:solidFill>
-              </a:rPr>
-              <a:t> return True</a:t>
-            </a:r>
-            <a:endParaRPr lang="en-US" dirty="0">
-              <a:solidFill>
-                <a:schemeClr val="tx1"/>
-              </a:solidFill>
-            </a:endParaRPr>
-          </a:p>
-        </p:txBody>
-      </p:sp>
-      <p:cxnSp>
-        <p:nvCxnSpPr>
-          <p:cNvPr id="17" name="Straight Arrow Connector 16"/>
-          <p:cNvCxnSpPr>
-            <a:stCxn id="16" idx="4"/>
-          </p:cNvCxnSpPr>
-          <p:nvPr/>
-        </p:nvCxnSpPr>
-        <p:spPr>
-          <a:xfrm flipH="1">
-            <a:off x="2234682" y="4708727"/>
-            <a:ext cx="1" cy="1987603"/>
-          </a:xfrm>
-          <a:prstGeom prst="straightConnector1">
-            <a:avLst/>
-          </a:prstGeom>
-          <a:ln>
-            <a:tailEnd type="triangle"/>
-          </a:ln>
-        </p:spPr>
-        <p:style>
-          <a:lnRef idx="1">
-            <a:schemeClr val="accent1"/>
-          </a:lnRef>
-          <a:fillRef idx="0">
-            <a:schemeClr val="accent1"/>
-          </a:fillRef>
-          <a:effectRef idx="0">
-            <a:schemeClr val="accent1"/>
-          </a:effectRef>
-          <a:fontRef idx="minor">
-            <a:schemeClr val="tx1"/>
-          </a:fontRef>
-        </p:style>
-      </p:cxnSp>
-      <p:cxnSp>
-        <p:nvCxnSpPr>
-          <p:cNvPr id="18" name="Straight Arrow Connector 17"/>
-          <p:cNvCxnSpPr/>
-          <p:nvPr/>
-        </p:nvCxnSpPr>
-        <p:spPr>
-          <a:xfrm flipV="1">
-            <a:off x="1947389" y="6659187"/>
-            <a:ext cx="3069010" cy="1968"/>
-          </a:xfrm>
-          <a:prstGeom prst="straightConnector1">
-            <a:avLst/>
-          </a:prstGeom>
-          <a:ln>
-            <a:tailEnd type="triangle"/>
-          </a:ln>
-        </p:spPr>
-        <p:style>
-          <a:lnRef idx="1">
-            <a:schemeClr val="accent1"/>
-          </a:lnRef>
-          <a:fillRef idx="0">
-            <a:schemeClr val="accent1"/>
-          </a:fillRef>
-          <a:effectRef idx="0">
-            <a:schemeClr val="accent1"/>
-          </a:effectRef>
-          <a:fontRef idx="minor">
-            <a:schemeClr val="tx1"/>
-          </a:fontRef>
-        </p:style>
-      </p:cxnSp>
-      <p:sp>
-        <p:nvSpPr>
-          <p:cNvPr id="19" name="TextBox 18"/>
-          <p:cNvSpPr txBox="1"/>
-          <p:nvPr/>
-        </p:nvSpPr>
-        <p:spPr>
-          <a:xfrm>
-            <a:off x="3298229" y="3728943"/>
-            <a:ext cx="981633" cy="369332"/>
-          </a:xfrm>
-          <a:prstGeom prst="rect">
-            <a:avLst/>
-          </a:prstGeom>
-          <a:noFill/>
-        </p:spPr>
-        <p:txBody>
-          <a:bodyPr wrap="square" rtlCol="0">
-            <a:spAutoFit/>
-          </a:bodyPr>
-          <a:lstStyle/>
-          <a:p>
-            <a:r>
-              <a:rPr lang="en-GB" dirty="0" smtClean="0"/>
-              <a:t>   YES</a:t>
-            </a:r>
-          </a:p>
-        </p:txBody>
-      </p:sp>
-      <p:sp>
-        <p:nvSpPr>
-          <p:cNvPr id="39" name="Flowchart: Data 38"/>
-          <p:cNvSpPr/>
-          <p:nvPr/>
-        </p:nvSpPr>
-        <p:spPr>
-          <a:xfrm>
-            <a:off x="4132015" y="5054351"/>
-            <a:ext cx="3044741" cy="927415"/>
-          </a:xfrm>
-          <a:prstGeom prst="flowChartInputOutput">
-            <a:avLst/>
-          </a:prstGeom>
-          <a:solidFill>
-            <a:schemeClr val="bg1"/>
-          </a:solidFill>
-        </p:spPr>
-        <p:style>
-          <a:lnRef idx="2">
-            <a:schemeClr val="accent1">
-              <a:shade val="50000"/>
-            </a:schemeClr>
-          </a:lnRef>
-          <a:fillRef idx="1">
-            <a:schemeClr val="accent1"/>
-          </a:fillRef>
-          <a:effectRef idx="0">
-            <a:schemeClr val="accent1"/>
-          </a:effectRef>
-          <a:fontRef idx="minor">
-            <a:schemeClr val="lt1"/>
-          </a:fontRef>
-        </p:style>
-        <p:txBody>
-          <a:bodyPr rtlCol="0" anchor="ctr"/>
-          <a:lstStyle/>
-          <a:p>
-            <a:pPr algn="ctr"/>
-            <a:r>
-              <a:rPr lang="en-GB" sz="1200" dirty="0" smtClean="0">
-                <a:solidFill>
-                  <a:schemeClr val="tx1"/>
-                </a:solidFill>
-              </a:rPr>
-              <a:t>print(test_number5(7, 2))</a:t>
-            </a:r>
-          </a:p>
-          <a:p>
-            <a:pPr algn="ctr"/>
-            <a:r>
-              <a:rPr lang="en-GB" sz="1200" dirty="0" smtClean="0">
-                <a:solidFill>
-                  <a:schemeClr val="tx1"/>
-                </a:solidFill>
-              </a:rPr>
-              <a:t>print(test_number5(3, 2))</a:t>
-            </a:r>
-          </a:p>
-          <a:p>
-            <a:pPr algn="ctr"/>
-            <a:r>
-              <a:rPr lang="en-GB" sz="1200" dirty="0" smtClean="0">
-                <a:solidFill>
-                  <a:schemeClr val="tx1"/>
-                </a:solidFill>
-              </a:rPr>
-              <a:t>print(test_number5(2, 2))</a:t>
-            </a:r>
-            <a:endParaRPr lang="en-GB" sz="1200" dirty="0">
-              <a:solidFill>
-                <a:schemeClr val="tx1"/>
-              </a:solidFill>
-            </a:endParaRPr>
+              <a:rPr lang="en-GB" sz="3200" dirty="0" smtClean="0"/>
+              <a:t>3.</a:t>
+            </a:r>
+            <a:endParaRPr lang="en-US" sz="3200" dirty="0"/>
           </a:p>
         </p:txBody>
       </p:sp>
@@ -5211,14 +5393,14 @@
       </p:grpSpPr>
       <p:sp>
         <p:nvSpPr>
-          <p:cNvPr id="4" name="Rounded Rectangle 3"/>
+          <p:cNvPr id="11" name="Rounded Rectangle 10"/>
           <p:cNvSpPr/>
           <p:nvPr/>
         </p:nvSpPr>
         <p:spPr>
           <a:xfrm>
-            <a:off x="4666128" y="116542"/>
-            <a:ext cx="1461247" cy="582707"/>
+            <a:off x="10682550" y="965772"/>
+            <a:ext cx="772571" cy="312893"/>
           </a:xfrm>
           <a:prstGeom prst="roundRect">
             <a:avLst/>
@@ -5249,13 +5431,507 @@
           <a:p>
             <a:pPr algn="ctr"/>
             <a:r>
+              <a:rPr lang="en-GB" sz="1200" dirty="0" smtClean="0">
+                <a:solidFill>
+                  <a:schemeClr val="tx1"/>
+                </a:solidFill>
+              </a:rPr>
+              <a:t>START</a:t>
+            </a:r>
+            <a:endParaRPr lang="en-US" sz="1200" dirty="0">
+              <a:solidFill>
+                <a:schemeClr val="tx1"/>
+              </a:solidFill>
+            </a:endParaRPr>
+          </a:p>
+        </p:txBody>
+      </p:sp>
+      <p:sp>
+        <p:nvSpPr>
+          <p:cNvPr id="12" name="Oval 11"/>
+          <p:cNvSpPr/>
+          <p:nvPr/>
+        </p:nvSpPr>
+        <p:spPr>
+          <a:xfrm>
+            <a:off x="8235460" y="835841"/>
+            <a:ext cx="1143462" cy="572756"/>
+          </a:xfrm>
+          <a:prstGeom prst="ellipse">
+            <a:avLst/>
+          </a:prstGeom>
+          <a:solidFill>
+            <a:schemeClr val="bg1"/>
+          </a:solidFill>
+        </p:spPr>
+        <p:style>
+          <a:lnRef idx="2">
+            <a:schemeClr val="accent1">
+              <a:shade val="50000"/>
+            </a:schemeClr>
+          </a:lnRef>
+          <a:fillRef idx="1">
+            <a:schemeClr val="accent1"/>
+          </a:fillRef>
+          <a:effectRef idx="0">
+            <a:schemeClr val="accent1"/>
+          </a:effectRef>
+          <a:fontRef idx="minor">
+            <a:schemeClr val="lt1"/>
+          </a:fontRef>
+        </p:style>
+        <p:txBody>
+          <a:bodyPr rtlCol="0" anchor="ctr"/>
+          <a:lstStyle/>
+          <a:p>
+            <a:pPr algn="ctr"/>
+            <a:r>
+              <a:rPr lang="en-US" sz="1200" dirty="0" err="1">
+                <a:solidFill>
+                  <a:schemeClr val="tx1"/>
+                </a:solidFill>
+              </a:rPr>
+              <a:t>def</a:t>
+            </a:r>
+            <a:r>
+              <a:rPr lang="en-US" sz="1200" dirty="0">
+                <a:solidFill>
+                  <a:schemeClr val="tx1"/>
+                </a:solidFill>
+              </a:rPr>
+              <a:t> </a:t>
+            </a:r>
+            <a:r>
+              <a:rPr lang="en-US" sz="1200" dirty="0" err="1">
+                <a:solidFill>
+                  <a:schemeClr val="tx1"/>
+                </a:solidFill>
+              </a:rPr>
+              <a:t>gcd</a:t>
+            </a:r>
+            <a:r>
+              <a:rPr lang="en-US" sz="1200" dirty="0">
+                <a:solidFill>
+                  <a:schemeClr val="tx1"/>
+                </a:solidFill>
+              </a:rPr>
+              <a:t>(x, y)</a:t>
+            </a:r>
+          </a:p>
+        </p:txBody>
+      </p:sp>
+      <p:cxnSp>
+        <p:nvCxnSpPr>
+          <p:cNvPr id="13" name="Straight Arrow Connector 12"/>
+          <p:cNvCxnSpPr>
+            <a:stCxn id="11" idx="1"/>
+            <a:endCxn id="12" idx="6"/>
+          </p:cNvCxnSpPr>
+          <p:nvPr/>
+        </p:nvCxnSpPr>
+        <p:spPr>
+          <a:xfrm flipH="1">
+            <a:off x="9378922" y="1122219"/>
+            <a:ext cx="1303628" cy="0"/>
+          </a:xfrm>
+          <a:prstGeom prst="straightConnector1">
+            <a:avLst/>
+          </a:prstGeom>
+          <a:ln>
+            <a:tailEnd type="triangle"/>
+          </a:ln>
+        </p:spPr>
+        <p:style>
+          <a:lnRef idx="1">
+            <a:schemeClr val="accent1"/>
+          </a:lnRef>
+          <a:fillRef idx="0">
+            <a:schemeClr val="accent1"/>
+          </a:fillRef>
+          <a:effectRef idx="0">
+            <a:schemeClr val="accent1"/>
+          </a:effectRef>
+          <a:fontRef idx="minor">
+            <a:schemeClr val="tx1"/>
+          </a:fontRef>
+        </p:style>
+      </p:cxnSp>
+      <p:cxnSp>
+        <p:nvCxnSpPr>
+          <p:cNvPr id="15" name="Straight Arrow Connector 14"/>
+          <p:cNvCxnSpPr>
+            <a:stCxn id="12" idx="2"/>
+          </p:cNvCxnSpPr>
+          <p:nvPr/>
+        </p:nvCxnSpPr>
+        <p:spPr>
+          <a:xfrm flipH="1" flipV="1">
+            <a:off x="7124281" y="1122218"/>
+            <a:ext cx="1111179" cy="1"/>
+          </a:xfrm>
+          <a:prstGeom prst="straightConnector1">
+            <a:avLst/>
+          </a:prstGeom>
+          <a:ln>
+            <a:tailEnd type="triangle"/>
+          </a:ln>
+        </p:spPr>
+        <p:style>
+          <a:lnRef idx="1">
+            <a:schemeClr val="accent1"/>
+          </a:lnRef>
+          <a:fillRef idx="0">
+            <a:schemeClr val="accent1"/>
+          </a:fillRef>
+          <a:effectRef idx="0">
+            <a:schemeClr val="accent1"/>
+          </a:effectRef>
+          <a:fontRef idx="minor">
+            <a:schemeClr val="tx1"/>
+          </a:fontRef>
+        </p:style>
+      </p:cxnSp>
+      <p:sp>
+        <p:nvSpPr>
+          <p:cNvPr id="16" name="Rectangle 15"/>
+          <p:cNvSpPr/>
+          <p:nvPr/>
+        </p:nvSpPr>
+        <p:spPr>
+          <a:xfrm>
+            <a:off x="5948624" y="713433"/>
+            <a:ext cx="1175657" cy="924448"/>
+          </a:xfrm>
+          <a:prstGeom prst="rect">
+            <a:avLst/>
+          </a:prstGeom>
+          <a:solidFill>
+            <a:schemeClr val="bg1"/>
+          </a:solidFill>
+        </p:spPr>
+        <p:style>
+          <a:lnRef idx="2">
+            <a:schemeClr val="accent1">
+              <a:shade val="50000"/>
+            </a:schemeClr>
+          </a:lnRef>
+          <a:fillRef idx="1">
+            <a:schemeClr val="accent1"/>
+          </a:fillRef>
+          <a:effectRef idx="0">
+            <a:schemeClr val="accent1"/>
+          </a:effectRef>
+          <a:fontRef idx="minor">
+            <a:schemeClr val="lt1"/>
+          </a:fontRef>
+        </p:style>
+        <p:txBody>
+          <a:bodyPr rtlCol="0" anchor="ctr"/>
+          <a:lstStyle/>
+          <a:p>
+            <a:pPr algn="ctr"/>
+            <a:r>
+              <a:rPr lang="en-US" dirty="0" err="1">
+                <a:solidFill>
+                  <a:schemeClr val="tx1"/>
+                </a:solidFill>
+              </a:rPr>
+              <a:t>gcd</a:t>
+            </a:r>
+            <a:r>
+              <a:rPr lang="en-US" dirty="0">
+                <a:solidFill>
+                  <a:schemeClr val="tx1"/>
+                </a:solidFill>
+              </a:rPr>
+              <a:t> = 1</a:t>
+            </a:r>
+          </a:p>
+        </p:txBody>
+      </p:sp>
+      <p:cxnSp>
+        <p:nvCxnSpPr>
+          <p:cNvPr id="17" name="Straight Arrow Connector 16"/>
+          <p:cNvCxnSpPr/>
+          <p:nvPr/>
+        </p:nvCxnSpPr>
+        <p:spPr>
+          <a:xfrm flipH="1">
+            <a:off x="4622242" y="1155560"/>
+            <a:ext cx="1326382" cy="0"/>
+          </a:xfrm>
+          <a:prstGeom prst="straightConnector1">
+            <a:avLst/>
+          </a:prstGeom>
+          <a:ln>
+            <a:tailEnd type="triangle"/>
+          </a:ln>
+        </p:spPr>
+        <p:style>
+          <a:lnRef idx="1">
+            <a:schemeClr val="accent1"/>
+          </a:lnRef>
+          <a:fillRef idx="0">
+            <a:schemeClr val="accent1"/>
+          </a:fillRef>
+          <a:effectRef idx="0">
+            <a:schemeClr val="accent1"/>
+          </a:effectRef>
+          <a:fontRef idx="minor">
+            <a:schemeClr val="tx1"/>
+          </a:fontRef>
+        </p:style>
+      </p:cxnSp>
+      <p:sp>
+        <p:nvSpPr>
+          <p:cNvPr id="18" name="Diamond 17"/>
+          <p:cNvSpPr/>
+          <p:nvPr/>
+        </p:nvSpPr>
+        <p:spPr>
+          <a:xfrm>
+            <a:off x="2935271" y="825792"/>
+            <a:ext cx="1828800" cy="711605"/>
+          </a:xfrm>
+          <a:prstGeom prst="diamond">
+            <a:avLst/>
+          </a:prstGeom>
+          <a:solidFill>
+            <a:schemeClr val="bg1"/>
+          </a:solidFill>
+        </p:spPr>
+        <p:style>
+          <a:lnRef idx="2">
+            <a:schemeClr val="accent1">
+              <a:shade val="50000"/>
+            </a:schemeClr>
+          </a:lnRef>
+          <a:fillRef idx="1">
+            <a:schemeClr val="accent1"/>
+          </a:fillRef>
+          <a:effectRef idx="0">
+            <a:schemeClr val="accent1"/>
+          </a:effectRef>
+          <a:fontRef idx="minor">
+            <a:schemeClr val="lt1"/>
+          </a:fontRef>
+        </p:style>
+        <p:txBody>
+          <a:bodyPr rtlCol="0" anchor="ctr"/>
+          <a:lstStyle/>
+          <a:p>
+            <a:pPr algn="ctr"/>
+            <a:r>
+              <a:rPr lang="en-US" dirty="0">
+                <a:solidFill>
+                  <a:schemeClr val="tx1"/>
+                </a:solidFill>
+              </a:rPr>
+              <a:t>if x % y == 0:</a:t>
+            </a:r>
+          </a:p>
+        </p:txBody>
+      </p:sp>
+      <p:cxnSp>
+        <p:nvCxnSpPr>
+          <p:cNvPr id="19" name="Straight Arrow Connector 18"/>
+          <p:cNvCxnSpPr>
+            <a:stCxn id="18" idx="1"/>
+          </p:cNvCxnSpPr>
+          <p:nvPr/>
+        </p:nvCxnSpPr>
+        <p:spPr>
+          <a:xfrm flipH="1" flipV="1">
+            <a:off x="1557495" y="1175657"/>
+            <a:ext cx="1377776" cy="5938"/>
+          </a:xfrm>
+          <a:prstGeom prst="straightConnector1">
+            <a:avLst/>
+          </a:prstGeom>
+          <a:ln>
+            <a:tailEnd type="triangle"/>
+          </a:ln>
+        </p:spPr>
+        <p:style>
+          <a:lnRef idx="1">
+            <a:schemeClr val="accent1"/>
+          </a:lnRef>
+          <a:fillRef idx="0">
+            <a:schemeClr val="accent1"/>
+          </a:fillRef>
+          <a:effectRef idx="0">
+            <a:schemeClr val="accent1"/>
+          </a:effectRef>
+          <a:fontRef idx="minor">
+            <a:schemeClr val="tx1"/>
+          </a:fontRef>
+        </p:style>
+      </p:cxnSp>
+      <p:sp>
+        <p:nvSpPr>
+          <p:cNvPr id="22" name="TextBox 21"/>
+          <p:cNvSpPr txBox="1"/>
+          <p:nvPr/>
+        </p:nvSpPr>
+        <p:spPr>
+          <a:xfrm>
+            <a:off x="1969477" y="825792"/>
+            <a:ext cx="673239" cy="369332"/>
+          </a:xfrm>
+          <a:prstGeom prst="rect">
+            <a:avLst/>
+          </a:prstGeom>
+          <a:noFill/>
+        </p:spPr>
+        <p:txBody>
+          <a:bodyPr wrap="square" rtlCol="0">
+            <a:spAutoFit/>
+          </a:bodyPr>
+          <a:lstStyle/>
+          <a:p>
+            <a:r>
+              <a:rPr lang="en-GB" dirty="0" smtClean="0"/>
+              <a:t>YES</a:t>
+            </a:r>
+            <a:endParaRPr lang="en-US" dirty="0"/>
+          </a:p>
+        </p:txBody>
+      </p:sp>
+      <p:sp>
+        <p:nvSpPr>
+          <p:cNvPr id="24" name="Rectangle 23"/>
+          <p:cNvSpPr/>
+          <p:nvPr/>
+        </p:nvSpPr>
+        <p:spPr>
+          <a:xfrm>
+            <a:off x="160774" y="965772"/>
+            <a:ext cx="1396721" cy="571625"/>
+          </a:xfrm>
+          <a:prstGeom prst="rect">
+            <a:avLst/>
+          </a:prstGeom>
+          <a:solidFill>
+            <a:schemeClr val="bg1"/>
+          </a:solidFill>
+        </p:spPr>
+        <p:style>
+          <a:lnRef idx="2">
+            <a:schemeClr val="accent1">
+              <a:shade val="50000"/>
+            </a:schemeClr>
+          </a:lnRef>
+          <a:fillRef idx="1">
+            <a:schemeClr val="accent1"/>
+          </a:fillRef>
+          <a:effectRef idx="0">
+            <a:schemeClr val="accent1"/>
+          </a:effectRef>
+          <a:fontRef idx="minor">
+            <a:schemeClr val="lt1"/>
+          </a:fontRef>
+        </p:style>
+        <p:txBody>
+          <a:bodyPr rtlCol="0" anchor="ctr"/>
+          <a:lstStyle/>
+          <a:p>
+            <a:pPr algn="ctr"/>
+            <a:r>
+              <a:rPr lang="en-US" dirty="0">
+                <a:solidFill>
+                  <a:schemeClr val="tx1"/>
+                </a:solidFill>
+              </a:rPr>
+              <a:t>return y</a:t>
+            </a:r>
+          </a:p>
+        </p:txBody>
+      </p:sp>
+      <p:cxnSp>
+        <p:nvCxnSpPr>
+          <p:cNvPr id="26" name="Straight Arrow Connector 25"/>
+          <p:cNvCxnSpPr>
+            <a:stCxn id="24" idx="2"/>
+          </p:cNvCxnSpPr>
+          <p:nvPr/>
+        </p:nvCxnSpPr>
+        <p:spPr>
+          <a:xfrm flipH="1">
+            <a:off x="859134" y="1537397"/>
+            <a:ext cx="1" cy="4401179"/>
+          </a:xfrm>
+          <a:prstGeom prst="straightConnector1">
+            <a:avLst/>
+          </a:prstGeom>
+          <a:ln>
+            <a:tailEnd type="triangle"/>
+          </a:ln>
+        </p:spPr>
+        <p:style>
+          <a:lnRef idx="1">
+            <a:schemeClr val="accent1"/>
+          </a:lnRef>
+          <a:fillRef idx="0">
+            <a:schemeClr val="accent1"/>
+          </a:fillRef>
+          <a:effectRef idx="0">
+            <a:schemeClr val="accent1"/>
+          </a:effectRef>
+          <a:fontRef idx="minor">
+            <a:schemeClr val="tx1"/>
+          </a:fontRef>
+        </p:style>
+      </p:cxnSp>
+      <p:sp>
+        <p:nvSpPr>
+          <p:cNvPr id="27" name="Rounded Rectangle 26"/>
+          <p:cNvSpPr/>
+          <p:nvPr/>
+        </p:nvSpPr>
+        <p:spPr>
+          <a:xfrm>
+            <a:off x="70338" y="5938576"/>
+            <a:ext cx="1577591" cy="582804"/>
+          </a:xfrm>
+          <a:prstGeom prst="roundRect">
+            <a:avLst/>
+          </a:prstGeom>
+          <a:solidFill>
+            <a:schemeClr val="bg1"/>
+          </a:solidFill>
+        </p:spPr>
+        <p:style>
+          <a:lnRef idx="2">
+            <a:schemeClr val="accent1">
+              <a:shade val="50000"/>
+            </a:schemeClr>
+          </a:lnRef>
+          <a:fillRef idx="1">
+            <a:schemeClr val="accent1"/>
+          </a:fillRef>
+          <a:effectRef idx="0">
+            <a:schemeClr val="accent1"/>
+          </a:effectRef>
+          <a:fontRef idx="minor">
+            <a:schemeClr val="lt1"/>
+          </a:fontRef>
+        </p:style>
+        <p:txBody>
+          <a:bodyPr rtlCol="0" anchor="ctr"/>
+          <a:lstStyle/>
+          <a:p>
+            <a:pPr algn="ctr"/>
+            <a:r>
               <a:rPr lang="en-GB" dirty="0" smtClean="0">
                 <a:solidFill>
                   <a:schemeClr val="tx1"/>
                 </a:solidFill>
               </a:rPr>
-              <a:t>START</a:t>
-            </a:r>
+              <a:t>END</a:t>
+            </a:r>
+          </a:p>
+          <a:p>
+            <a:pPr algn="ctr"/>
             <a:endParaRPr lang="en-US" dirty="0">
               <a:solidFill>
                 <a:schemeClr val="tx1"/>
@@ -5266,14 +5942,16 @@
       </p:sp>
       <p:cxnSp>
         <p:nvCxnSpPr>
-          <p:cNvPr id="5" name="Straight Arrow Connector 4"/>
-          <p:cNvCxnSpPr/>
+          <p:cNvPr id="28" name="Straight Arrow Connector 27"/>
+          <p:cNvCxnSpPr>
+            <a:stCxn id="18" idx="2"/>
+          </p:cNvCxnSpPr>
           <p:nvPr/>
         </p:nvCxnSpPr>
         <p:spPr>
           <a:xfrm>
-            <a:off x="5396751" y="699249"/>
-            <a:ext cx="8964" cy="869577"/>
+            <a:off x="3849671" y="1537397"/>
+            <a:ext cx="0" cy="1235948"/>
           </a:xfrm>
           <a:prstGeom prst="straightConnector1">
             <a:avLst/>
@@ -5299,21 +5977,56 @@
       </p:cxnSp>
       <p:sp>
         <p:nvSpPr>
-          <p:cNvPr id="6" name="Rectangle 5"/>
+          <p:cNvPr id="29" name="TextBox 28"/>
+          <p:cNvSpPr txBox="1"/>
+          <p:nvPr/>
+        </p:nvSpPr>
+        <p:spPr>
+          <a:xfrm>
+            <a:off x="3989196" y="1748413"/>
+            <a:ext cx="633046" cy="369332"/>
+          </a:xfrm>
+          <a:prstGeom prst="rect">
+            <a:avLst/>
+          </a:prstGeom>
+          <a:noFill/>
+        </p:spPr>
+        <p:txBody>
+          <a:bodyPr wrap="square" rtlCol="0">
+            <a:spAutoFit/>
+          </a:bodyPr>
+          <a:lstStyle/>
+          <a:p>
+            <a:r>
+              <a:rPr lang="en-GB" dirty="0" smtClean="0"/>
+              <a:t>NO</a:t>
+            </a:r>
+            <a:endParaRPr lang="en-US" dirty="0"/>
+          </a:p>
+        </p:txBody>
+      </p:sp>
+      <p:sp>
+        <p:nvSpPr>
+          <p:cNvPr id="30" name="Hexagon 29"/>
           <p:cNvSpPr/>
           <p:nvPr/>
         </p:nvSpPr>
         <p:spPr>
           <a:xfrm>
-            <a:off x="1766047" y="1429017"/>
-            <a:ext cx="7628965" cy="1343850"/>
-          </a:xfrm>
-          <a:prstGeom prst="rect">
+            <a:off x="3044650" y="2773345"/>
+            <a:ext cx="1889091" cy="823965"/>
+          </a:xfrm>
+          <a:prstGeom prst="hexagon">
             <a:avLst/>
           </a:prstGeom>
           <a:solidFill>
             <a:schemeClr val="bg1"/>
           </a:solidFill>
+          <a:ln>
+            <a:solidFill>
+              <a:srgbClr val="FF0000"/>
+            </a:solidFill>
+          </a:ln>
         </p:spPr>
         <p:style>
           <a:lnRef idx="2">
@@ -5337,122 +6050,44 @@
           <a:p>
             <a:pPr algn="ctr"/>
             <a:r>
-              <a:rPr lang="en-GB" smtClean="0">
+              <a:rPr lang="en-GB" dirty="0">
                 <a:solidFill>
                   <a:schemeClr val="tx1"/>
                 </a:solidFill>
               </a:rPr>
-              <a:t>x = int(input("Input first number: "))</a:t>
-            </a:r>
-          </a:p>
-          <a:p>
-            <a:pPr algn="ctr"/>
-            <a:r>
-              <a:rPr lang="en-GB" smtClean="0">
+              <a:t>for </a:t>
+            </a:r>
+            <a:r>
+              <a:rPr lang="en-GB" dirty="0" smtClean="0">
                 <a:solidFill>
                   <a:schemeClr val="tx1"/>
                 </a:solidFill>
               </a:rPr>
-              <a:t>y = int(input("Input second number: "))</a:t>
-            </a:r>
-          </a:p>
-          <a:p>
-            <a:pPr algn="ctr"/>
-            <a:r>
-              <a:rPr lang="en-GB" smtClean="0">
+              <a:t>m </a:t>
+            </a:r>
+            <a:r>
+              <a:rPr lang="en-GB" dirty="0">
                 <a:solidFill>
                   <a:schemeClr val="tx1"/>
                 </a:solidFill>
               </a:rPr>
-              <a:t>z = int(input("Input third number: "))</a:t>
-            </a:r>
-            <a:endParaRPr lang="en-GB" dirty="0">
-              <a:solidFill>
-                <a:schemeClr val="tx1"/>
-              </a:solidFill>
-            </a:endParaRPr>
-          </a:p>
-        </p:txBody>
-      </p:sp>
-      <p:cxnSp>
-        <p:nvCxnSpPr>
-          <p:cNvPr id="7" name="Straight Arrow Connector 6"/>
-          <p:cNvCxnSpPr/>
-          <p:nvPr/>
-        </p:nvCxnSpPr>
-        <p:spPr>
-          <a:xfrm>
-            <a:off x="5665694" y="2772867"/>
-            <a:ext cx="0" cy="729768"/>
-          </a:xfrm>
-          <a:prstGeom prst="straightConnector1">
-            <a:avLst/>
-          </a:prstGeom>
-          <a:ln>
-            <a:tailEnd type="triangle"/>
-          </a:ln>
-        </p:spPr>
-        <p:style>
-          <a:lnRef idx="1">
-            <a:schemeClr val="accent1"/>
-          </a:lnRef>
-          <a:fillRef idx="0">
-            <a:schemeClr val="accent1"/>
-          </a:fillRef>
-          <a:effectRef idx="0">
-            <a:schemeClr val="accent1"/>
-          </a:effectRef>
-          <a:fontRef idx="minor">
-            <a:schemeClr val="tx1"/>
-          </a:fontRef>
-        </p:style>
-      </p:cxnSp>
-      <p:sp>
-        <p:nvSpPr>
-          <p:cNvPr id="14" name="Oval 13"/>
-          <p:cNvSpPr/>
-          <p:nvPr/>
-        </p:nvSpPr>
-        <p:spPr>
-          <a:xfrm>
-            <a:off x="4926329" y="6007807"/>
-            <a:ext cx="1555377" cy="896471"/>
-          </a:xfrm>
-          <a:prstGeom prst="ellipse">
-            <a:avLst/>
-          </a:prstGeom>
-          <a:solidFill>
-            <a:schemeClr val="bg1"/>
-          </a:solidFill>
-        </p:spPr>
-        <p:style>
-          <a:lnRef idx="2">
-            <a:schemeClr val="accent1">
-              <a:shade val="50000"/>
-            </a:schemeClr>
-          </a:lnRef>
-          <a:fillRef idx="1">
-            <a:schemeClr val="accent1"/>
-          </a:fillRef>
-          <a:effectRef idx="0">
-            <a:schemeClr val="accent1"/>
-          </a:effectRef>
-          <a:fontRef idx="minor">
-            <a:schemeClr val="lt1"/>
-          </a:fontRef>
-        </p:style>
-        <p:txBody>
-          <a:bodyPr rtlCol="0" anchor="ctr"/>
-          <a:lstStyle/>
-          <a:p>
-            <a:pPr algn="ctr"/>
-            <a:r>
-              <a:rPr lang="en-GB" dirty="0" smtClean="0">
+              <a:t>in range(</a:t>
+            </a:r>
+            <a:r>
+              <a:rPr lang="en-GB" dirty="0" err="1">
                 <a:solidFill>
                   <a:schemeClr val="tx1"/>
                 </a:solidFill>
               </a:rPr>
-              <a:t>END</a:t>
+              <a:t>int</a:t>
+            </a:r>
+            <a:r>
+              <a:rPr lang="en-GB" dirty="0">
+                <a:solidFill>
+                  <a:schemeClr val="tx1"/>
+                </a:solidFill>
+              </a:rPr>
+              <a:t>(y / 2), 0, -1)</a:t>
             </a:r>
             <a:endParaRPr lang="en-US" dirty="0">
               <a:solidFill>
@@ -5462,18 +6097,149 @@
           </a:p>
         </p:txBody>
       </p:sp>
-      <p:sp>
-        <p:nvSpPr>
-          <p:cNvPr id="20" name="Flowchart: Data 19"/>
+      <p:cxnSp>
+        <p:nvCxnSpPr>
+          <p:cNvPr id="31" name="Straight Arrow Connector 30"/>
+          <p:cNvCxnSpPr>
+            <a:stCxn id="30" idx="2"/>
+          </p:cNvCxnSpPr>
+          <p:nvPr/>
+        </p:nvCxnSpPr>
+        <p:spPr>
+          <a:xfrm flipH="1">
+            <a:off x="1647929" y="3597310"/>
+            <a:ext cx="1602712" cy="2421653"/>
+          </a:xfrm>
+          <a:prstGeom prst="straightConnector1">
+            <a:avLst/>
+          </a:prstGeom>
+          <a:ln>
+            <a:tailEnd type="triangle"/>
+          </a:ln>
+        </p:spPr>
+        <p:style>
+          <a:lnRef idx="1">
+            <a:schemeClr val="accent1"/>
+          </a:lnRef>
+          <a:fillRef idx="0">
+            <a:schemeClr val="accent1"/>
+          </a:fillRef>
+          <a:effectRef idx="0">
+            <a:schemeClr val="accent1"/>
+          </a:effectRef>
+          <a:fontRef idx="minor">
+            <a:schemeClr val="tx1"/>
+          </a:fontRef>
+        </p:style>
+      </p:cxnSp>
+      <p:cxnSp>
+        <p:nvCxnSpPr>
+          <p:cNvPr id="32" name="Straight Arrow Connector 31"/>
+          <p:cNvCxnSpPr/>
+          <p:nvPr/>
+        </p:nvCxnSpPr>
+        <p:spPr>
+          <a:xfrm flipV="1">
+            <a:off x="3989196" y="1537397"/>
+            <a:ext cx="0" cy="1235948"/>
+          </a:xfrm>
+          <a:prstGeom prst="straightConnector1">
+            <a:avLst/>
+          </a:prstGeom>
+          <a:ln>
+            <a:tailEnd type="triangle"/>
+          </a:ln>
+        </p:spPr>
+        <p:style>
+          <a:lnRef idx="1">
+            <a:schemeClr val="accent1"/>
+          </a:lnRef>
+          <a:fillRef idx="0">
+            <a:schemeClr val="accent1"/>
+          </a:fillRef>
+          <a:effectRef idx="0">
+            <a:schemeClr val="accent1"/>
+          </a:effectRef>
+          <a:fontRef idx="minor">
+            <a:schemeClr val="tx1"/>
+          </a:fontRef>
+        </p:style>
+      </p:cxnSp>
+      <p:cxnSp>
+        <p:nvCxnSpPr>
+          <p:cNvPr id="33" name="Straight Arrow Connector 32"/>
+          <p:cNvCxnSpPr/>
+          <p:nvPr/>
+        </p:nvCxnSpPr>
+        <p:spPr>
+          <a:xfrm>
+            <a:off x="3989196" y="3597310"/>
+            <a:ext cx="0" cy="1085222"/>
+          </a:xfrm>
+          <a:prstGeom prst="straightConnector1">
+            <a:avLst/>
+          </a:prstGeom>
+          <a:ln>
+            <a:tailEnd type="triangle"/>
+          </a:ln>
+        </p:spPr>
+        <p:style>
+          <a:lnRef idx="1">
+            <a:schemeClr val="accent1"/>
+          </a:lnRef>
+          <a:fillRef idx="0">
+            <a:schemeClr val="accent1"/>
+          </a:fillRef>
+          <a:effectRef idx="0">
+            <a:schemeClr val="accent1"/>
+          </a:effectRef>
+          <a:fontRef idx="minor">
+            <a:schemeClr val="tx1"/>
+          </a:fontRef>
+        </p:style>
+      </p:cxnSp>
+      <p:sp>
+        <p:nvSpPr>
+          <p:cNvPr id="34" name="TextBox 33"/>
+          <p:cNvSpPr txBox="1"/>
+          <p:nvPr/>
+        </p:nvSpPr>
+        <p:spPr>
+          <a:xfrm>
+            <a:off x="4079631" y="4019341"/>
+            <a:ext cx="783771" cy="369332"/>
+          </a:xfrm>
+          <a:prstGeom prst="rect">
+            <a:avLst/>
+          </a:prstGeom>
+          <a:noFill/>
+        </p:spPr>
+        <p:txBody>
+          <a:bodyPr wrap="square" rtlCol="0">
+            <a:spAutoFit/>
+          </a:bodyPr>
+          <a:lstStyle/>
+          <a:p>
+            <a:r>
+              <a:rPr lang="en-GB" dirty="0" smtClean="0"/>
+              <a:t>YES</a:t>
+            </a:r>
+            <a:endParaRPr lang="en-US" dirty="0"/>
+          </a:p>
+        </p:txBody>
+      </p:sp>
+      <p:sp>
+        <p:nvSpPr>
+          <p:cNvPr id="35" name="Rectangle 34"/>
           <p:cNvSpPr/>
           <p:nvPr/>
         </p:nvSpPr>
         <p:spPr>
           <a:xfrm>
-            <a:off x="4048479" y="5027901"/>
-            <a:ext cx="3044741" cy="566075"/>
-          </a:xfrm>
-          <a:prstGeom prst="flowChartInputOutput">
+            <a:off x="3310931" y="4642338"/>
+            <a:ext cx="1517301" cy="572756"/>
+          </a:xfrm>
+          <a:prstGeom prst="rect">
             <a:avLst/>
           </a:prstGeom>
           <a:solidFill>
@@ -5502,14 +6268,22 @@
           <a:p>
             <a:pPr algn="ctr"/>
             <a:r>
-              <a:rPr lang="en-GB" sz="1200" dirty="0" smtClean="0">
+              <a:rPr lang="en-GB" dirty="0" err="1" smtClean="0">
                 <a:solidFill>
                   <a:schemeClr val="tx1"/>
                 </a:solidFill>
               </a:rPr>
-              <a:t>print("Numbers in sorted order: ", a1, a2, a3)</a:t>
-            </a:r>
-            <a:endParaRPr lang="en-GB" sz="1200" dirty="0">
+              <a:t>Gcd</a:t>
+            </a:r>
+            <a:r>
+              <a:rPr lang="en-GB" dirty="0" smtClean="0">
+                <a:solidFill>
+                  <a:schemeClr val="tx1"/>
+                </a:solidFill>
+              </a:rPr>
+              <a:t>= m</a:t>
+            </a:r>
+            <a:endParaRPr lang="en-US" dirty="0">
               <a:solidFill>
                 <a:schemeClr val="tx1"/>
               </a:solidFill>
@@ -5517,16 +6291,51 @@
           </a:p>
         </p:txBody>
       </p:sp>
-      <p:sp>
-        <p:nvSpPr>
-          <p:cNvPr id="21" name="Rectangle 20"/>
+      <p:cxnSp>
+        <p:nvCxnSpPr>
+          <p:cNvPr id="36" name="Straight Arrow Connector 35"/>
+          <p:cNvCxnSpPr>
+            <a:stCxn id="35" idx="2"/>
+          </p:cNvCxnSpPr>
+          <p:nvPr/>
+        </p:nvCxnSpPr>
+        <p:spPr>
+          <a:xfrm>
+            <a:off x="4069582" y="5215094"/>
+            <a:ext cx="10049" cy="612950"/>
+          </a:xfrm>
+          <a:prstGeom prst="straightConnector1">
+            <a:avLst/>
+          </a:prstGeom>
+          <a:ln>
+            <a:tailEnd type="triangle"/>
+          </a:ln>
+        </p:spPr>
+        <p:style>
+          <a:lnRef idx="1">
+            <a:schemeClr val="accent1"/>
+          </a:lnRef>
+          <a:fillRef idx="0">
+            <a:schemeClr val="accent1"/>
+          </a:fillRef>
+          <a:effectRef idx="0">
+            <a:schemeClr val="accent1"/>
+          </a:effectRef>
+          <a:fontRef idx="minor">
+            <a:schemeClr val="tx1"/>
+          </a:fontRef>
+        </p:style>
+      </p:cxnSp>
+      <p:sp>
+        <p:nvSpPr>
+          <p:cNvPr id="37" name="Rectangle 36"/>
           <p:cNvSpPr/>
           <p:nvPr/>
         </p:nvSpPr>
         <p:spPr>
           <a:xfrm>
-            <a:off x="4215549" y="3502635"/>
-            <a:ext cx="2877671" cy="899036"/>
+            <a:off x="3227826" y="5717512"/>
+            <a:ext cx="1828800" cy="924448"/>
           </a:xfrm>
           <a:prstGeom prst="rect">
             <a:avLst/>
@@ -5557,36 +6366,22 @@
           <a:p>
             <a:pPr algn="ctr"/>
             <a:r>
-              <a:rPr lang="en-US" smtClean="0">
+              <a:rPr lang="en-GB" dirty="0" smtClean="0">
                 <a:solidFill>
                   <a:schemeClr val="tx1"/>
                 </a:solidFill>
               </a:rPr>
-              <a:t>a1 = min(x, y, z)</a:t>
-            </a:r>
-          </a:p>
-          <a:p>
-            <a:pPr algn="ctr"/>
-            <a:r>
-              <a:rPr lang="en-US" smtClean="0">
+              <a:t>Return </a:t>
+            </a:r>
+            <a:r>
+              <a:rPr lang="en-GB" dirty="0" err="1" smtClean="0">
                 <a:solidFill>
                   <a:schemeClr val="tx1"/>
                 </a:solidFill>
               </a:rPr>
-              <a:t>a3 = max(x, y, z)</a:t>
-            </a:r>
-          </a:p>
-          <a:p>
-            <a:pPr algn="ctr"/>
-            <a:r>
-              <a:rPr lang="en-US" smtClean="0">
-                <a:solidFill>
-                  <a:schemeClr val="tx1"/>
-                </a:solidFill>
-              </a:rPr>
-              <a:t>a2 = (x + y + z) - a1 - a3</a:t>
-            </a:r>
-            <a:endParaRPr lang="en-US">
+              <a:t>gcd</a:t>
+            </a:r>
+            <a:endParaRPr lang="en-US" dirty="0">
               <a:solidFill>
                 <a:schemeClr val="tx1"/>
               </a:solidFill>
@@ -5596,14 +6391,17 @@
       </p:sp>
       <p:cxnSp>
         <p:nvCxnSpPr>
-          <p:cNvPr id="23" name="Straight Arrow Connector 22"/>
-          <p:cNvCxnSpPr/>
+          <p:cNvPr id="38" name="Straight Arrow Connector 37"/>
+          <p:cNvCxnSpPr>
+            <a:stCxn id="37" idx="1"/>
+            <a:endCxn id="27" idx="3"/>
+          </p:cNvCxnSpPr>
           <p:nvPr/>
         </p:nvCxnSpPr>
         <p:spPr>
-          <a:xfrm>
-            <a:off x="5625145" y="4401671"/>
-            <a:ext cx="11309" cy="707100"/>
+          <a:xfrm flipH="1">
+            <a:off x="1647929" y="6179736"/>
+            <a:ext cx="1579897" cy="50242"/>
           </a:xfrm>
           <a:prstGeom prst="straightConnector1">
             <a:avLst/>
@@ -5627,39 +6425,40 @@
           </a:fontRef>
         </p:style>
       </p:cxnSp>
-      <p:cxnSp>
-        <p:nvCxnSpPr>
-          <p:cNvPr id="25" name="Straight Arrow Connector 24"/>
-          <p:cNvCxnSpPr/>
-          <p:nvPr/>
-        </p:nvCxnSpPr>
-        <p:spPr>
-          <a:xfrm>
-            <a:off x="5631614" y="5593976"/>
-            <a:ext cx="9679" cy="672353"/>
-          </a:xfrm>
-          <a:prstGeom prst="straightConnector1">
-            <a:avLst/>
-          </a:prstGeom>
-          <a:ln>
-            <a:tailEnd type="triangle"/>
-          </a:ln>
-        </p:spPr>
-        <p:style>
-          <a:lnRef idx="1">
-            <a:schemeClr val="accent1"/>
-          </a:lnRef>
-          <a:fillRef idx="0">
-            <a:schemeClr val="accent1"/>
-          </a:fillRef>
-          <a:effectRef idx="0">
-            <a:schemeClr val="accent1"/>
-          </a:effectRef>
-          <a:fontRef idx="minor">
-            <a:schemeClr val="tx1"/>
-          </a:fontRef>
-        </p:style>
-      </p:cxnSp>
+      <p:sp>
+        <p:nvSpPr>
+          <p:cNvPr id="2" name="TextBox 1"/>
+          <p:cNvSpPr txBox="1"/>
+          <p:nvPr/>
+        </p:nvSpPr>
+        <p:spPr>
+          <a:xfrm>
+            <a:off x="448235" y="206188"/>
+            <a:ext cx="1013012" cy="369332"/>
+          </a:xfrm>
+          <a:prstGeom prst="rect">
+            <a:avLst/>
+          </a:prstGeom>
+          <a:noFill/>
+        </p:spPr>
+        <p:txBody>
+          <a:bodyPr wrap="square" rtlCol="0">
+            <a:spAutoFit/>
+          </a:bodyPr>
+          <a:lstStyle/>
+          <a:p>
+            <a:r>
+              <a:rPr lang="en-GB" dirty="0"/>
+              <a:t>4</a:t>
+            </a:r>
+            <a:r>
+              <a:rPr lang="en-GB" dirty="0" smtClean="0"/>
+              <a:t>a</a:t>
+            </a:r>
+            <a:endParaRPr lang="en-US" dirty="0"/>
+          </a:p>
+        </p:txBody>
+      </p:sp>
     </p:spTree>
     <p:extLst>
       <p:ext uri="{BB962C8B-B14F-4D97-AF65-F5344CB8AC3E}">
@@ -5692,14 +6491,14 @@
       </p:grpSpPr>
       <p:sp>
         <p:nvSpPr>
-          <p:cNvPr id="17" name="Rounded Rectangle 16"/>
+          <p:cNvPr id="35" name="Rounded Rectangle 34"/>
           <p:cNvSpPr/>
           <p:nvPr/>
         </p:nvSpPr>
         <p:spPr>
           <a:xfrm>
-            <a:off x="4914796" y="71830"/>
-            <a:ext cx="1461247" cy="582707"/>
+            <a:off x="10682550" y="965772"/>
+            <a:ext cx="772571" cy="312893"/>
           </a:xfrm>
           <a:prstGeom prst="roundRect">
             <a:avLst/>
@@ -5730,12 +6529,213 @@
           <a:p>
             <a:pPr algn="ctr"/>
             <a:r>
+              <a:rPr lang="en-GB" sz="1200" dirty="0" smtClean="0">
+                <a:solidFill>
+                  <a:schemeClr val="tx1"/>
+                </a:solidFill>
+              </a:rPr>
+              <a:t>START</a:t>
+            </a:r>
+            <a:endParaRPr lang="en-US" sz="1200" dirty="0">
+              <a:solidFill>
+                <a:schemeClr val="tx1"/>
+              </a:solidFill>
+            </a:endParaRPr>
+          </a:p>
+        </p:txBody>
+      </p:sp>
+      <p:sp>
+        <p:nvSpPr>
+          <p:cNvPr id="37" name="Oval 36"/>
+          <p:cNvSpPr/>
+          <p:nvPr/>
+        </p:nvSpPr>
+        <p:spPr>
+          <a:xfrm>
+            <a:off x="8235460" y="835841"/>
+            <a:ext cx="1143462" cy="572756"/>
+          </a:xfrm>
+          <a:prstGeom prst="ellipse">
+            <a:avLst/>
+          </a:prstGeom>
+          <a:solidFill>
+            <a:schemeClr val="bg1"/>
+          </a:solidFill>
+        </p:spPr>
+        <p:style>
+          <a:lnRef idx="2">
+            <a:schemeClr val="accent1">
+              <a:shade val="50000"/>
+            </a:schemeClr>
+          </a:lnRef>
+          <a:fillRef idx="1">
+            <a:schemeClr val="accent1"/>
+          </a:fillRef>
+          <a:effectRef idx="0">
+            <a:schemeClr val="accent1"/>
+          </a:effectRef>
+          <a:fontRef idx="minor">
+            <a:schemeClr val="lt1"/>
+          </a:fontRef>
+        </p:style>
+        <p:txBody>
+          <a:bodyPr rtlCol="0" anchor="ctr"/>
+          <a:lstStyle/>
+          <a:p>
+            <a:pPr algn="ctr"/>
+            <a:r>
+              <a:rPr lang="en-US" sz="1200" dirty="0" err="1">
+                <a:solidFill>
+                  <a:schemeClr val="tx1"/>
+                </a:solidFill>
+              </a:rPr>
+              <a:t>def</a:t>
+            </a:r>
+            <a:r>
+              <a:rPr lang="en-US" sz="1200" dirty="0">
+                <a:solidFill>
+                  <a:schemeClr val="tx1"/>
+                </a:solidFill>
+              </a:rPr>
+              <a:t> </a:t>
+            </a:r>
+            <a:r>
+              <a:rPr lang="en-US" sz="1200" dirty="0" smtClean="0">
+                <a:solidFill>
+                  <a:schemeClr val="tx1"/>
+                </a:solidFill>
+              </a:rPr>
+              <a:t>LCM(x</a:t>
+            </a:r>
+            <a:r>
+              <a:rPr lang="en-US" sz="1200" dirty="0">
+                <a:solidFill>
+                  <a:schemeClr val="tx1"/>
+                </a:solidFill>
+              </a:rPr>
+              <a:t>, y)</a:t>
+            </a:r>
+          </a:p>
+        </p:txBody>
+      </p:sp>
+      <p:cxnSp>
+        <p:nvCxnSpPr>
+          <p:cNvPr id="38" name="Straight Arrow Connector 37"/>
+          <p:cNvCxnSpPr>
+            <a:stCxn id="35" idx="1"/>
+            <a:endCxn id="37" idx="6"/>
+          </p:cNvCxnSpPr>
+          <p:nvPr/>
+        </p:nvCxnSpPr>
+        <p:spPr>
+          <a:xfrm flipH="1">
+            <a:off x="9378922" y="1122219"/>
+            <a:ext cx="1303628" cy="0"/>
+          </a:xfrm>
+          <a:prstGeom prst="straightConnector1">
+            <a:avLst/>
+          </a:prstGeom>
+          <a:ln>
+            <a:tailEnd type="triangle"/>
+          </a:ln>
+        </p:spPr>
+        <p:style>
+          <a:lnRef idx="1">
+            <a:schemeClr val="accent1"/>
+          </a:lnRef>
+          <a:fillRef idx="0">
+            <a:schemeClr val="accent1"/>
+          </a:fillRef>
+          <a:effectRef idx="0">
+            <a:schemeClr val="accent1"/>
+          </a:effectRef>
+          <a:fontRef idx="minor">
+            <a:schemeClr val="tx1"/>
+          </a:fontRef>
+        </p:style>
+      </p:cxnSp>
+      <p:cxnSp>
+        <p:nvCxnSpPr>
+          <p:cNvPr id="39" name="Straight Arrow Connector 38"/>
+          <p:cNvCxnSpPr>
+            <a:stCxn id="37" idx="2"/>
+            <a:endCxn id="42" idx="3"/>
+          </p:cNvCxnSpPr>
+          <p:nvPr/>
+        </p:nvCxnSpPr>
+        <p:spPr>
+          <a:xfrm flipH="1">
+            <a:off x="4764071" y="1122219"/>
+            <a:ext cx="3471389" cy="59376"/>
+          </a:xfrm>
+          <a:prstGeom prst="straightConnector1">
+            <a:avLst/>
+          </a:prstGeom>
+          <a:ln>
+            <a:tailEnd type="triangle"/>
+          </a:ln>
+        </p:spPr>
+        <p:style>
+          <a:lnRef idx="1">
+            <a:schemeClr val="accent1"/>
+          </a:lnRef>
+          <a:fillRef idx="0">
+            <a:schemeClr val="accent1"/>
+          </a:fillRef>
+          <a:effectRef idx="0">
+            <a:schemeClr val="accent1"/>
+          </a:effectRef>
+          <a:fontRef idx="minor">
+            <a:schemeClr val="tx1"/>
+          </a:fontRef>
+        </p:style>
+      </p:cxnSp>
+      <p:sp>
+        <p:nvSpPr>
+          <p:cNvPr id="42" name="Diamond 41"/>
+          <p:cNvSpPr/>
+          <p:nvPr/>
+        </p:nvSpPr>
+        <p:spPr>
+          <a:xfrm>
+            <a:off x="2935271" y="825792"/>
+            <a:ext cx="1828800" cy="711605"/>
+          </a:xfrm>
+          <a:prstGeom prst="diamond">
+            <a:avLst/>
+          </a:prstGeom>
+          <a:solidFill>
+            <a:schemeClr val="bg1"/>
+          </a:solidFill>
+        </p:spPr>
+        <p:style>
+          <a:lnRef idx="2">
+            <a:schemeClr val="accent1">
+              <a:shade val="50000"/>
+            </a:schemeClr>
+          </a:lnRef>
+          <a:fillRef idx="1">
+            <a:schemeClr val="accent1"/>
+          </a:fillRef>
+          <a:effectRef idx="0">
+            <a:schemeClr val="accent1"/>
+          </a:effectRef>
+          <a:fontRef idx="minor">
+            <a:schemeClr val="lt1"/>
+          </a:fontRef>
+        </p:style>
+        <p:txBody>
+          <a:bodyPr rtlCol="0" anchor="ctr"/>
+          <a:lstStyle/>
+          <a:p>
+            <a:pPr algn="ctr"/>
+            <a:r>
               <a:rPr lang="en-GB" dirty="0" smtClean="0">
                 <a:solidFill>
                   <a:schemeClr val="tx1"/>
                 </a:solidFill>
               </a:rPr>
-              <a:t>START</a:t>
+              <a:t>X &gt; Y ?</a:t>
             </a:r>
             <a:endParaRPr lang="en-US" dirty="0">
               <a:solidFill>
@@ -5747,16 +6747,16 @@
       </p:sp>
       <p:cxnSp>
         <p:nvCxnSpPr>
-          <p:cNvPr id="18" name="Straight Arrow Connector 17"/>
+          <p:cNvPr id="44" name="Straight Arrow Connector 43"/>
           <p:cNvCxnSpPr>
-            <a:stCxn id="17" idx="2"/>
+            <a:stCxn id="42" idx="1"/>
           </p:cNvCxnSpPr>
           <p:nvPr/>
         </p:nvCxnSpPr>
         <p:spPr>
-          <a:xfrm flipH="1">
-            <a:off x="5645419" y="654537"/>
-            <a:ext cx="1" cy="990737"/>
+          <a:xfrm flipH="1" flipV="1">
+            <a:off x="1557495" y="1175657"/>
+            <a:ext cx="1377776" cy="5938"/>
           </a:xfrm>
           <a:prstGeom prst="straightConnector1">
             <a:avLst/>
@@ -5782,14 +6782,44 @@
       </p:cxnSp>
       <p:sp>
         <p:nvSpPr>
-          <p:cNvPr id="19" name="Rectangle 18"/>
+          <p:cNvPr id="45" name="TextBox 44"/>
+          <p:cNvSpPr txBox="1"/>
+          <p:nvPr/>
+        </p:nvSpPr>
+        <p:spPr>
+          <a:xfrm>
+            <a:off x="1969477" y="825792"/>
+            <a:ext cx="673239" cy="369332"/>
+          </a:xfrm>
+          <a:prstGeom prst="rect">
+            <a:avLst/>
+          </a:prstGeom>
+          <a:noFill/>
+        </p:spPr>
+        <p:txBody>
+          <a:bodyPr wrap="square" rtlCol="0">
+            <a:spAutoFit/>
+          </a:bodyPr>
+          <a:lstStyle/>
+          <a:p>
+            <a:r>
+              <a:rPr lang="en-GB" dirty="0" smtClean="0"/>
+              <a:t>YES</a:t>
+            </a:r>
+            <a:endParaRPr lang="en-US" dirty="0"/>
+          </a:p>
+        </p:txBody>
+      </p:sp>
+      <p:sp>
+        <p:nvSpPr>
+          <p:cNvPr id="46" name="Rectangle 45"/>
           <p:cNvSpPr/>
           <p:nvPr/>
         </p:nvSpPr>
         <p:spPr>
           <a:xfrm>
-            <a:off x="4621862" y="1610152"/>
-            <a:ext cx="1817597" cy="666124"/>
+            <a:off x="188376" y="953519"/>
+            <a:ext cx="1396721" cy="571625"/>
           </a:xfrm>
           <a:prstGeom prst="rect">
             <a:avLst/>
@@ -5820,36 +6850,12 @@
           <a:p>
             <a:pPr algn="ctr"/>
             <a:r>
-              <a:rPr lang="en-US" dirty="0" err="1" smtClean="0">
+              <a:rPr lang="en-GB" dirty="0" smtClean="0">
                 <a:solidFill>
                   <a:schemeClr val="tx1"/>
                 </a:solidFill>
               </a:rPr>
-              <a:t>def</a:t>
-            </a:r>
-            <a:r>
-              <a:rPr lang="en-US" dirty="0" smtClean="0">
-                <a:solidFill>
-                  <a:schemeClr val="tx1"/>
-                </a:solidFill>
-              </a:rPr>
-              <a:t> </a:t>
-            </a:r>
-            <a:r>
-              <a:rPr lang="en-US" dirty="0" err="1" smtClean="0">
-                <a:solidFill>
-                  <a:schemeClr val="tx1"/>
-                </a:solidFill>
-              </a:rPr>
-              <a:t>sum_of_cubes</a:t>
-            </a:r>
-            <a:r>
-              <a:rPr lang="en-US" dirty="0" smtClean="0">
-                <a:solidFill>
-                  <a:schemeClr val="tx1"/>
-                </a:solidFill>
-              </a:rPr>
-              <a:t>(n)</a:t>
+              <a:t>Z = X</a:t>
             </a:r>
             <a:endParaRPr lang="en-US" dirty="0">
               <a:solidFill>
@@ -5859,51 +6865,18 @@
           </a:p>
         </p:txBody>
       </p:sp>
-      <p:cxnSp>
-        <p:nvCxnSpPr>
-          <p:cNvPr id="20" name="Straight Arrow Connector 19"/>
-          <p:cNvCxnSpPr/>
-          <p:nvPr/>
-        </p:nvCxnSpPr>
-        <p:spPr>
-          <a:xfrm>
-            <a:off x="5631764" y="3074894"/>
-            <a:ext cx="11309" cy="427741"/>
-          </a:xfrm>
-          <a:prstGeom prst="straightConnector1">
-            <a:avLst/>
-          </a:prstGeom>
-          <a:ln>
-            <a:tailEnd type="triangle"/>
-          </a:ln>
-        </p:spPr>
-        <p:style>
-          <a:lnRef idx="1">
-            <a:schemeClr val="accent1"/>
-          </a:lnRef>
-          <a:fillRef idx="0">
-            <a:schemeClr val="accent1"/>
-          </a:fillRef>
-          <a:effectRef idx="0">
-            <a:schemeClr val="accent1"/>
-          </a:effectRef>
-          <a:fontRef idx="minor">
-            <a:schemeClr val="tx1"/>
-          </a:fontRef>
-        </p:style>
-      </p:cxnSp>
-      <p:sp>
-        <p:nvSpPr>
-          <p:cNvPr id="21" name="Diamond 20"/>
+      <p:sp>
+        <p:nvSpPr>
+          <p:cNvPr id="48" name="Rounded Rectangle 47"/>
           <p:cNvSpPr/>
           <p:nvPr/>
         </p:nvSpPr>
         <p:spPr>
           <a:xfrm>
-            <a:off x="5018226" y="3528676"/>
-            <a:ext cx="1254386" cy="1340509"/>
-          </a:xfrm>
-          <a:prstGeom prst="diamond">
+            <a:off x="9901866" y="6420368"/>
+            <a:ext cx="1561367" cy="275367"/>
+          </a:xfrm>
+          <a:prstGeom prst="roundRect">
             <a:avLst/>
           </a:prstGeom>
           <a:solidFill>
@@ -5932,12 +6905,190 @@
           <a:p>
             <a:pPr algn="ctr"/>
             <a:r>
-              <a:rPr lang="en-US" dirty="0" smtClean="0">
+              <a:rPr lang="en-GB" sz="1200" dirty="0" smtClean="0">
                 <a:solidFill>
                   <a:schemeClr val="tx1"/>
                 </a:solidFill>
               </a:rPr>
-              <a:t> n &gt; 0</a:t>
+              <a:t>END</a:t>
+            </a:r>
+          </a:p>
+        </p:txBody>
+      </p:sp>
+      <p:cxnSp>
+        <p:nvCxnSpPr>
+          <p:cNvPr id="49" name="Straight Arrow Connector 48"/>
+          <p:cNvCxnSpPr>
+            <a:stCxn id="42" idx="2"/>
+          </p:cNvCxnSpPr>
+          <p:nvPr/>
+        </p:nvCxnSpPr>
+        <p:spPr>
+          <a:xfrm>
+            <a:off x="3849671" y="1537397"/>
+            <a:ext cx="0" cy="1235948"/>
+          </a:xfrm>
+          <a:prstGeom prst="straightConnector1">
+            <a:avLst/>
+          </a:prstGeom>
+          <a:ln>
+            <a:tailEnd type="triangle"/>
+          </a:ln>
+        </p:spPr>
+        <p:style>
+          <a:lnRef idx="1">
+            <a:schemeClr val="accent1"/>
+          </a:lnRef>
+          <a:fillRef idx="0">
+            <a:schemeClr val="accent1"/>
+          </a:fillRef>
+          <a:effectRef idx="0">
+            <a:schemeClr val="accent1"/>
+          </a:effectRef>
+          <a:fontRef idx="minor">
+            <a:schemeClr val="tx1"/>
+          </a:fontRef>
+        </p:style>
+      </p:cxnSp>
+      <p:sp>
+        <p:nvSpPr>
+          <p:cNvPr id="50" name="TextBox 49"/>
+          <p:cNvSpPr txBox="1"/>
+          <p:nvPr/>
+        </p:nvSpPr>
+        <p:spPr>
+          <a:xfrm>
+            <a:off x="3989196" y="1748413"/>
+            <a:ext cx="633046" cy="369332"/>
+          </a:xfrm>
+          <a:prstGeom prst="rect">
+            <a:avLst/>
+          </a:prstGeom>
+          <a:noFill/>
+        </p:spPr>
+        <p:txBody>
+          <a:bodyPr wrap="square" rtlCol="0">
+            <a:spAutoFit/>
+          </a:bodyPr>
+          <a:lstStyle/>
+          <a:p>
+            <a:r>
+              <a:rPr lang="en-GB" dirty="0" smtClean="0"/>
+              <a:t>NO</a:t>
+            </a:r>
+            <a:endParaRPr lang="en-US" dirty="0"/>
+          </a:p>
+        </p:txBody>
+      </p:sp>
+      <p:cxnSp>
+        <p:nvCxnSpPr>
+          <p:cNvPr id="54" name="Straight Arrow Connector 53"/>
+          <p:cNvCxnSpPr/>
+          <p:nvPr/>
+        </p:nvCxnSpPr>
+        <p:spPr>
+          <a:xfrm>
+            <a:off x="3858537" y="3315819"/>
+            <a:ext cx="0" cy="723678"/>
+          </a:xfrm>
+          <a:prstGeom prst="straightConnector1">
+            <a:avLst/>
+          </a:prstGeom>
+          <a:ln>
+            <a:tailEnd type="triangle"/>
+          </a:ln>
+        </p:spPr>
+        <p:style>
+          <a:lnRef idx="1">
+            <a:schemeClr val="accent1"/>
+          </a:lnRef>
+          <a:fillRef idx="0">
+            <a:schemeClr val="accent1"/>
+          </a:fillRef>
+          <a:effectRef idx="0">
+            <a:schemeClr val="accent1"/>
+          </a:effectRef>
+          <a:fontRef idx="minor">
+            <a:schemeClr val="tx1"/>
+          </a:fontRef>
+        </p:style>
+      </p:cxnSp>
+      <p:sp>
+        <p:nvSpPr>
+          <p:cNvPr id="55" name="TextBox 54"/>
+          <p:cNvSpPr txBox="1"/>
+          <p:nvPr/>
+        </p:nvSpPr>
+        <p:spPr>
+          <a:xfrm>
+            <a:off x="5052532" y="3940076"/>
+            <a:ext cx="783771" cy="369332"/>
+          </a:xfrm>
+          <a:prstGeom prst="rect">
+            <a:avLst/>
+          </a:prstGeom>
+          <a:noFill/>
+        </p:spPr>
+        <p:txBody>
+          <a:bodyPr wrap="square" rtlCol="0">
+            <a:spAutoFit/>
+          </a:bodyPr>
+          <a:lstStyle/>
+          <a:p>
+            <a:r>
+              <a:rPr lang="en-GB" dirty="0" smtClean="0"/>
+              <a:t>YES</a:t>
+            </a:r>
+            <a:endParaRPr lang="en-US" dirty="0"/>
+          </a:p>
+        </p:txBody>
+      </p:sp>
+      <p:sp>
+        <p:nvSpPr>
+          <p:cNvPr id="58" name="Rectangle 57"/>
+          <p:cNvSpPr/>
+          <p:nvPr/>
+        </p:nvSpPr>
+        <p:spPr>
+          <a:xfrm>
+            <a:off x="6594280" y="6345547"/>
+            <a:ext cx="1371601" cy="425011"/>
+          </a:xfrm>
+          <a:prstGeom prst="rect">
+            <a:avLst/>
+          </a:prstGeom>
+          <a:solidFill>
+            <a:schemeClr val="bg1"/>
+          </a:solidFill>
+        </p:spPr>
+        <p:style>
+          <a:lnRef idx="2">
+            <a:schemeClr val="accent1">
+              <a:shade val="50000"/>
+            </a:schemeClr>
+          </a:lnRef>
+          <a:fillRef idx="1">
+            <a:schemeClr val="accent1"/>
+          </a:fillRef>
+          <a:effectRef idx="0">
+            <a:schemeClr val="accent1"/>
+          </a:effectRef>
+          <a:fontRef idx="minor">
+            <a:schemeClr val="lt1"/>
+          </a:fontRef>
+        </p:style>
+        <p:txBody>
+          <a:bodyPr rtlCol="0" anchor="ctr"/>
+          <a:lstStyle/>
+          <a:p>
+            <a:pPr algn="ctr"/>
+            <a:r>
+              <a:rPr lang="en-GB" dirty="0" smtClean="0">
+                <a:solidFill>
+                  <a:schemeClr val="tx1"/>
+                </a:solidFill>
+              </a:rPr>
+              <a:t>Return LCM</a:t>
             </a:r>
             <a:endParaRPr lang="en-US" dirty="0">
               <a:solidFill>
@@ -5947,51 +7098,16 @@
           </a:p>
         </p:txBody>
       </p:sp>
-      <p:cxnSp>
-        <p:nvCxnSpPr>
-          <p:cNvPr id="22" name="Straight Arrow Connector 21"/>
-          <p:cNvCxnSpPr>
-            <a:stCxn id="21" idx="3"/>
-          </p:cNvCxnSpPr>
-          <p:nvPr/>
-        </p:nvCxnSpPr>
-        <p:spPr>
-          <a:xfrm flipV="1">
-            <a:off x="6272612" y="4162293"/>
-            <a:ext cx="1923146" cy="36638"/>
-          </a:xfrm>
-          <a:prstGeom prst="straightConnector1">
-            <a:avLst/>
-          </a:prstGeom>
-          <a:ln>
-            <a:tailEnd type="triangle"/>
-          </a:ln>
-        </p:spPr>
-        <p:style>
-          <a:lnRef idx="1">
-            <a:schemeClr val="accent1"/>
-          </a:lnRef>
-          <a:fillRef idx="0">
-            <a:schemeClr val="accent1"/>
-          </a:fillRef>
-          <a:effectRef idx="0">
-            <a:schemeClr val="accent1"/>
-          </a:effectRef>
-          <a:fontRef idx="minor">
-            <a:schemeClr val="tx1"/>
-          </a:fontRef>
-        </p:style>
-      </p:cxnSp>
-      <p:sp>
-        <p:nvSpPr>
-          <p:cNvPr id="23" name="TextBox 22"/>
+      <p:sp>
+        <p:nvSpPr>
+          <p:cNvPr id="60" name="TextBox 59"/>
           <p:cNvSpPr txBox="1"/>
           <p:nvPr/>
         </p:nvSpPr>
         <p:spPr>
           <a:xfrm>
-            <a:off x="7212105" y="3677378"/>
-            <a:ext cx="562535" cy="369332"/>
+            <a:off x="448235" y="206188"/>
+            <a:ext cx="1013012" cy="646331"/>
           </a:xfrm>
           <a:prstGeom prst="rect">
             <a:avLst/>
@@ -6005,24 +7121,31 @@
           <a:lstStyle/>
           <a:p>
             <a:r>
+              <a:rPr lang="en-GB" dirty="0"/>
+              <a:t>4</a:t>
+            </a:r>
+            <a:r>
               <a:rPr lang="en-GB" dirty="0" smtClean="0"/>
-              <a:t>NO</a:t>
-            </a:r>
-          </a:p>
-        </p:txBody>
-      </p:sp>
-      <p:sp>
-        <p:nvSpPr>
-          <p:cNvPr id="24" name="Flowchart: Data 23"/>
+              <a:t>B</a:t>
+            </a:r>
+          </a:p>
+          <a:p>
+            <a:endParaRPr lang="en-US" dirty="0"/>
+          </a:p>
+        </p:txBody>
+      </p:sp>
+      <p:sp>
+        <p:nvSpPr>
+          <p:cNvPr id="61" name="Rectangle 60"/>
           <p:cNvSpPr/>
           <p:nvPr/>
         </p:nvSpPr>
         <p:spPr>
           <a:xfrm>
-            <a:off x="7983742" y="3677378"/>
-            <a:ext cx="1934137" cy="1174377"/>
-          </a:xfrm>
-          <a:prstGeom prst="flowChartInputOutput">
+            <a:off x="3151310" y="2773345"/>
+            <a:ext cx="1396721" cy="571625"/>
+          </a:xfrm>
+          <a:prstGeom prst="rect">
             <a:avLst/>
           </a:prstGeom>
           <a:solidFill>
@@ -6051,16 +7174,13 @@
           <a:p>
             <a:pPr algn="ctr"/>
             <a:r>
-              <a:rPr lang="en-US" dirty="0" smtClean="0">
+              <a:rPr lang="en-GB" dirty="0" smtClean="0">
                 <a:solidFill>
                   <a:schemeClr val="tx1"/>
                 </a:solidFill>
               </a:rPr>
-              <a:t> return total</a:t>
-            </a:r>
-          </a:p>
-          <a:p>
-            <a:pPr algn="ctr"/>
+              <a:t>Z = Y</a:t>
+            </a:r>
             <a:endParaRPr lang="en-US" dirty="0">
               <a:solidFill>
                 <a:schemeClr val="tx1"/>
@@ -6069,86 +7189,18 @@
           </a:p>
         </p:txBody>
       </p:sp>
-      <p:cxnSp>
-        <p:nvCxnSpPr>
-          <p:cNvPr id="25" name="Straight Arrow Connector 24"/>
-          <p:cNvCxnSpPr>
-            <a:stCxn id="24" idx="3"/>
-          </p:cNvCxnSpPr>
-          <p:nvPr/>
-        </p:nvCxnSpPr>
-        <p:spPr>
-          <a:xfrm flipH="1">
-            <a:off x="8735657" y="4851755"/>
-            <a:ext cx="21740" cy="1812648"/>
-          </a:xfrm>
-          <a:prstGeom prst="straightConnector1">
-            <a:avLst/>
-          </a:prstGeom>
-          <a:ln>
-            <a:tailEnd type="triangle"/>
-          </a:ln>
-        </p:spPr>
-        <p:style>
-          <a:lnRef idx="1">
-            <a:schemeClr val="accent1"/>
-          </a:lnRef>
-          <a:fillRef idx="0">
-            <a:schemeClr val="accent1"/>
-          </a:fillRef>
-          <a:effectRef idx="0">
-            <a:schemeClr val="accent1"/>
-          </a:effectRef>
-          <a:fontRef idx="minor">
-            <a:schemeClr val="tx1"/>
-          </a:fontRef>
-        </p:style>
-      </p:cxnSp>
-      <p:cxnSp>
-        <p:nvCxnSpPr>
-          <p:cNvPr id="26" name="Straight Arrow Connector 25"/>
-          <p:cNvCxnSpPr/>
-          <p:nvPr/>
-        </p:nvCxnSpPr>
-        <p:spPr>
-          <a:xfrm flipH="1" flipV="1">
-            <a:off x="6439459" y="6659492"/>
-            <a:ext cx="2317938" cy="4911"/>
-          </a:xfrm>
-          <a:prstGeom prst="straightConnector1">
-            <a:avLst/>
-          </a:prstGeom>
-          <a:ln>
-            <a:tailEnd type="triangle"/>
-          </a:ln>
-        </p:spPr>
-        <p:style>
-          <a:lnRef idx="1">
-            <a:schemeClr val="accent1"/>
-          </a:lnRef>
-          <a:fillRef idx="0">
-            <a:schemeClr val="accent1"/>
-          </a:fillRef>
-          <a:effectRef idx="0">
-            <a:schemeClr val="accent1"/>
-          </a:effectRef>
-          <a:fontRef idx="minor">
-            <a:schemeClr val="tx1"/>
-          </a:fontRef>
-        </p:style>
-      </p:cxnSp>
-      <p:sp>
-        <p:nvSpPr>
-          <p:cNvPr id="27" name="Oval 26"/>
+      <p:sp>
+        <p:nvSpPr>
+          <p:cNvPr id="62" name="Diamond 61"/>
           <p:cNvSpPr/>
           <p:nvPr/>
         </p:nvSpPr>
         <p:spPr>
           <a:xfrm>
-            <a:off x="4926329" y="6007807"/>
-            <a:ext cx="1555377" cy="896471"/>
-          </a:xfrm>
-          <a:prstGeom prst="ellipse">
+            <a:off x="2935270" y="3988379"/>
+            <a:ext cx="1828800" cy="711605"/>
+          </a:xfrm>
+          <a:prstGeom prst="diamond">
             <a:avLst/>
           </a:prstGeom>
           <a:solidFill>
@@ -6182,7 +7234,7 @@
                   <a:schemeClr val="tx1"/>
                 </a:solidFill>
               </a:rPr>
-              <a:t>END</a:t>
+              <a:t>True?</a:t>
             </a:r>
             <a:endParaRPr lang="en-US" dirty="0">
               <a:solidFill>
@@ -6194,16 +7246,16 @@
       </p:sp>
       <p:cxnSp>
         <p:nvCxnSpPr>
-          <p:cNvPr id="28" name="Straight Arrow Connector 27"/>
+          <p:cNvPr id="13" name="Straight Arrow Connector 12"/>
           <p:cNvCxnSpPr>
-            <a:stCxn id="21" idx="1"/>
+            <a:stCxn id="62" idx="3"/>
           </p:cNvCxnSpPr>
           <p:nvPr/>
         </p:nvCxnSpPr>
         <p:spPr>
-          <a:xfrm flipH="1" flipV="1">
-            <a:off x="2698378" y="4171257"/>
-            <a:ext cx="2319848" cy="27674"/>
+          <a:xfrm flipV="1">
+            <a:off x="4764070" y="4344181"/>
+            <a:ext cx="1439506" cy="1"/>
           </a:xfrm>
           <a:prstGeom prst="straightConnector1">
             <a:avLst/>
@@ -6229,16 +7281,115 @@
       </p:cxnSp>
       <p:sp>
         <p:nvSpPr>
-          <p:cNvPr id="29" name="Flowchart: Data 28"/>
+          <p:cNvPr id="63" name="TextBox 62"/>
+          <p:cNvSpPr txBox="1"/>
+          <p:nvPr/>
+        </p:nvSpPr>
+        <p:spPr>
+          <a:xfrm>
+            <a:off x="5030154" y="5262578"/>
+            <a:ext cx="633046" cy="369332"/>
+          </a:xfrm>
+          <a:prstGeom prst="rect">
+            <a:avLst/>
+          </a:prstGeom>
+          <a:noFill/>
+        </p:spPr>
+        <p:txBody>
+          <a:bodyPr wrap="square" rtlCol="0">
+            <a:spAutoFit/>
+          </a:bodyPr>
+          <a:lstStyle/>
+          <a:p>
+            <a:r>
+              <a:rPr lang="en-GB" dirty="0" smtClean="0"/>
+              <a:t>NO</a:t>
+            </a:r>
+            <a:endParaRPr lang="en-US" dirty="0"/>
+          </a:p>
+        </p:txBody>
+      </p:sp>
+      <p:cxnSp>
+        <p:nvCxnSpPr>
+          <p:cNvPr id="15" name="Straight Arrow Connector 14"/>
+          <p:cNvCxnSpPr/>
+          <p:nvPr/>
+        </p:nvCxnSpPr>
+        <p:spPr>
+          <a:xfrm>
+            <a:off x="3844419" y="4688747"/>
+            <a:ext cx="2744610" cy="2070574"/>
+          </a:xfrm>
+          <a:prstGeom prst="straightConnector1">
+            <a:avLst/>
+          </a:prstGeom>
+          <a:ln>
+            <a:tailEnd type="triangle"/>
+          </a:ln>
+        </p:spPr>
+        <p:style>
+          <a:lnRef idx="1">
+            <a:schemeClr val="accent1"/>
+          </a:lnRef>
+          <a:fillRef idx="0">
+            <a:schemeClr val="accent1"/>
+          </a:fillRef>
+          <a:effectRef idx="0">
+            <a:schemeClr val="accent1"/>
+          </a:effectRef>
+          <a:fontRef idx="minor">
+            <a:schemeClr val="tx1"/>
+          </a:fontRef>
+        </p:style>
+      </p:cxnSp>
+      <p:cxnSp>
+        <p:nvCxnSpPr>
+          <p:cNvPr id="64" name="Straight Arrow Connector 63"/>
+          <p:cNvCxnSpPr>
+            <a:stCxn id="58" idx="3"/>
+            <a:endCxn id="48" idx="1"/>
+          </p:cNvCxnSpPr>
+          <p:nvPr/>
+        </p:nvCxnSpPr>
+        <p:spPr>
+          <a:xfrm flipV="1">
+            <a:off x="7965881" y="6558052"/>
+            <a:ext cx="1935985" cy="1"/>
+          </a:xfrm>
+          <a:prstGeom prst="straightConnector1">
+            <a:avLst/>
+          </a:prstGeom>
+          <a:ln>
+            <a:tailEnd type="triangle"/>
+          </a:ln>
+        </p:spPr>
+        <p:style>
+          <a:lnRef idx="1">
+            <a:schemeClr val="accent1"/>
+          </a:lnRef>
+          <a:fillRef idx="0">
+            <a:schemeClr val="accent1"/>
+          </a:fillRef>
+          <a:effectRef idx="0">
+            <a:schemeClr val="accent1"/>
+          </a:effectRef>
+          <a:fontRef idx="minor">
+            <a:schemeClr val="tx1"/>
+          </a:fontRef>
+        </p:style>
+      </p:cxnSp>
+      <p:sp>
+        <p:nvSpPr>
+          <p:cNvPr id="66" name="Diamond 65"/>
           <p:cNvSpPr/>
           <p:nvPr/>
         </p:nvSpPr>
         <p:spPr>
           <a:xfrm>
-            <a:off x="1427859" y="3598884"/>
-            <a:ext cx="1613647" cy="1109843"/>
-          </a:xfrm>
-          <a:prstGeom prst="flowChartInputOutput">
+            <a:off x="6139590" y="3906013"/>
+            <a:ext cx="2686766" cy="865101"/>
+          </a:xfrm>
+          <a:prstGeom prst="diamond">
             <a:avLst/>
           </a:prstGeom>
           <a:solidFill>
@@ -6267,31 +7418,67 @@
           <a:p>
             <a:pPr algn="ctr"/>
             <a:r>
-              <a:rPr lang="en-US" dirty="0" smtClean="0">
+              <a:rPr lang="en-US" sz="1400" dirty="0">
                 <a:solidFill>
                   <a:schemeClr val="tx1"/>
                 </a:solidFill>
               </a:rPr>
-              <a:t> </a:t>
-            </a:r>
-            <a:r>
-              <a:rPr lang="pt-BR" dirty="0" smtClean="0">
+              <a:t>if((z % x == 0) and (z % y == 0)):</a:t>
+            </a:r>
+            <a:endParaRPr lang="en-US" sz="1400" dirty="0">
+              <a:solidFill>
+                <a:schemeClr val="tx1"/>
+              </a:solidFill>
+            </a:endParaRPr>
+          </a:p>
+        </p:txBody>
+      </p:sp>
+      <p:sp>
+        <p:nvSpPr>
+          <p:cNvPr id="67" name="Rectangle 66"/>
+          <p:cNvSpPr/>
+          <p:nvPr/>
+        </p:nvSpPr>
+        <p:spPr>
+          <a:xfrm>
+            <a:off x="6329082" y="4984376"/>
+            <a:ext cx="950998" cy="537883"/>
+          </a:xfrm>
+          <a:prstGeom prst="rect">
+            <a:avLst/>
+          </a:prstGeom>
+          <a:solidFill>
+            <a:schemeClr val="bg1"/>
+          </a:solidFill>
+        </p:spPr>
+        <p:style>
+          <a:lnRef idx="2">
+            <a:schemeClr val="accent1">
+              <a:shade val="50000"/>
+            </a:schemeClr>
+          </a:lnRef>
+          <a:fillRef idx="1">
+            <a:schemeClr val="accent1"/>
+          </a:fillRef>
+          <a:effectRef idx="0">
+            <a:schemeClr val="accent1"/>
+          </a:effectRef>
+          <a:fontRef idx="minor">
+            <a:schemeClr val="lt1"/>
+          </a:fontRef>
+        </p:style>
+        <p:txBody>
+          <a:bodyPr rtlCol="0" anchor="ctr"/>
+          <a:lstStyle/>
+          <a:p>
+            <a:pPr algn="ctr"/>
+            <a:r>
+              <a:rPr lang="en-GB" dirty="0" smtClean="0">
                 <a:solidFill>
                   <a:schemeClr val="tx1"/>
                 </a:solidFill>
               </a:rPr>
-              <a:t>total += n * n * n</a:t>
-            </a:r>
-          </a:p>
-          <a:p>
-            <a:pPr algn="ctr"/>
-            <a:r>
-              <a:rPr lang="pt-BR" dirty="0" smtClean="0">
-                <a:solidFill>
-                  <a:schemeClr val="tx1"/>
-                </a:solidFill>
-              </a:rPr>
-              <a:t>    n -= 1</a:t>
+              <a:t>Z += 1</a:t>
             </a:r>
             <a:endParaRPr lang="en-US" dirty="0">
               <a:solidFill>
@@ -6301,115 +7488,18 @@
           </a:p>
         </p:txBody>
       </p:sp>
-      <p:cxnSp>
-        <p:nvCxnSpPr>
-          <p:cNvPr id="30" name="Straight Arrow Connector 29"/>
-          <p:cNvCxnSpPr>
-            <a:stCxn id="29" idx="4"/>
-          </p:cNvCxnSpPr>
-          <p:nvPr/>
-        </p:nvCxnSpPr>
-        <p:spPr>
-          <a:xfrm flipH="1">
-            <a:off x="2234682" y="4708727"/>
-            <a:ext cx="1" cy="1987603"/>
-          </a:xfrm>
-          <a:prstGeom prst="straightConnector1">
-            <a:avLst/>
-          </a:prstGeom>
-          <a:ln>
-            <a:tailEnd type="triangle"/>
-          </a:ln>
-        </p:spPr>
-        <p:style>
-          <a:lnRef idx="1">
-            <a:schemeClr val="accent1"/>
-          </a:lnRef>
-          <a:fillRef idx="0">
-            <a:schemeClr val="accent1"/>
-          </a:fillRef>
-          <a:effectRef idx="0">
-            <a:schemeClr val="accent1"/>
-          </a:effectRef>
-          <a:fontRef idx="minor">
-            <a:schemeClr val="tx1"/>
-          </a:fontRef>
-        </p:style>
-      </p:cxnSp>
-      <p:cxnSp>
-        <p:nvCxnSpPr>
-          <p:cNvPr id="31" name="Straight Arrow Connector 30"/>
-          <p:cNvCxnSpPr/>
-          <p:nvPr/>
-        </p:nvCxnSpPr>
-        <p:spPr>
-          <a:xfrm flipV="1">
-            <a:off x="1947389" y="6659187"/>
-            <a:ext cx="3069010" cy="1968"/>
-          </a:xfrm>
-          <a:prstGeom prst="straightConnector1">
-            <a:avLst/>
-          </a:prstGeom>
-          <a:ln>
-            <a:tailEnd type="triangle"/>
-          </a:ln>
-        </p:spPr>
-        <p:style>
-          <a:lnRef idx="1">
-            <a:schemeClr val="accent1"/>
-          </a:lnRef>
-          <a:fillRef idx="0">
-            <a:schemeClr val="accent1"/>
-          </a:fillRef>
-          <a:effectRef idx="0">
-            <a:schemeClr val="accent1"/>
-          </a:effectRef>
-          <a:fontRef idx="minor">
-            <a:schemeClr val="tx1"/>
-          </a:fontRef>
-        </p:style>
-      </p:cxnSp>
-      <p:sp>
-        <p:nvSpPr>
-          <p:cNvPr id="32" name="TextBox 31"/>
-          <p:cNvSpPr txBox="1"/>
-          <p:nvPr/>
-        </p:nvSpPr>
-        <p:spPr>
-          <a:xfrm>
-            <a:off x="3298229" y="3728943"/>
-            <a:ext cx="981633" cy="369332"/>
+      <p:sp>
+        <p:nvSpPr>
+          <p:cNvPr id="68" name="Rectangle 67"/>
+          <p:cNvSpPr/>
+          <p:nvPr/>
+        </p:nvSpPr>
+        <p:spPr>
+          <a:xfrm>
+            <a:off x="8668871" y="4921624"/>
+            <a:ext cx="1102658" cy="710286"/>
           </a:xfrm>
           <a:prstGeom prst="rect">
-            <a:avLst/>
-          </a:prstGeom>
-          <a:noFill/>
-        </p:spPr>
-        <p:txBody>
-          <a:bodyPr wrap="square" rtlCol="0">
-            <a:spAutoFit/>
-          </a:bodyPr>
-          <a:lstStyle/>
-          <a:p>
-            <a:r>
-              <a:rPr lang="en-GB" dirty="0" smtClean="0"/>
-              <a:t>   YES</a:t>
-            </a:r>
-          </a:p>
-        </p:txBody>
-      </p:sp>
-      <p:sp>
-        <p:nvSpPr>
-          <p:cNvPr id="33" name="Flowchart: Data 32"/>
-          <p:cNvSpPr/>
-          <p:nvPr/>
-        </p:nvSpPr>
-        <p:spPr>
-          <a:xfrm>
-            <a:off x="4132015" y="5054351"/>
-            <a:ext cx="3044741" cy="927415"/>
-          </a:xfrm>
-          <a:prstGeom prst="flowChartInputOutput">
             <a:avLst/>
           </a:prstGeom>
           <a:solidFill>
@@ -6438,94 +7528,12 @@
           <a:p>
             <a:pPr algn="ctr"/>
             <a:r>
-              <a:rPr lang="en-GB" sz="1600" dirty="0" smtClean="0">
+              <a:rPr lang="en-GB" dirty="0" smtClean="0">
                 <a:solidFill>
                   <a:schemeClr val="tx1"/>
                 </a:solidFill>
               </a:rPr>
-              <a:t>print("Sum of cubes: ",</a:t>
-            </a:r>
-            <a:r>
-              <a:rPr lang="en-GB" sz="1600" dirty="0" err="1" smtClean="0">
-                <a:solidFill>
-                  <a:schemeClr val="tx1"/>
-                </a:solidFill>
-              </a:rPr>
-              <a:t>sum_of_cubes</a:t>
-            </a:r>
-            <a:r>
-              <a:rPr lang="en-GB" sz="1600" dirty="0" smtClean="0">
-                <a:solidFill>
-                  <a:schemeClr val="tx1"/>
-                </a:solidFill>
-              </a:rPr>
-              <a:t>(3))</a:t>
-            </a:r>
-            <a:endParaRPr lang="en-GB" sz="1600" dirty="0">
-              <a:solidFill>
-                <a:schemeClr val="tx1"/>
-              </a:solidFill>
-            </a:endParaRPr>
-          </a:p>
-        </p:txBody>
-      </p:sp>
-      <p:sp>
-        <p:nvSpPr>
-          <p:cNvPr id="34" name="Rectangle 33"/>
-          <p:cNvSpPr/>
-          <p:nvPr/>
-        </p:nvSpPr>
-        <p:spPr>
-          <a:xfrm>
-            <a:off x="4594130" y="2562349"/>
-            <a:ext cx="2143127" cy="461682"/>
-          </a:xfrm>
-          <a:prstGeom prst="rect">
-            <a:avLst/>
-          </a:prstGeom>
-          <a:solidFill>
-            <a:schemeClr val="bg1"/>
-          </a:solidFill>
-        </p:spPr>
-        <p:style>
-          <a:lnRef idx="2">
-            <a:schemeClr val="accent1">
-              <a:shade val="50000"/>
-            </a:schemeClr>
-          </a:lnRef>
-          <a:fillRef idx="1">
-            <a:schemeClr val="accent1"/>
-          </a:fillRef>
-          <a:effectRef idx="0">
-            <a:schemeClr val="accent1"/>
-          </a:effectRef>
-          <a:fontRef idx="minor">
-            <a:schemeClr val="lt1"/>
-          </a:fontRef>
-        </p:style>
-        <p:txBody>
-          <a:bodyPr rtlCol="0" anchor="ctr"/>
-          <a:lstStyle/>
-          <a:p>
-            <a:pPr algn="ctr"/>
-            <a:r>
-              <a:rPr lang="en-US" dirty="0" smtClean="0">
-                <a:solidFill>
-                  <a:schemeClr val="tx1"/>
-                </a:solidFill>
-              </a:rPr>
-              <a:t>n -= 2</a:t>
-            </a:r>
-          </a:p>
-          <a:p>
-            <a:pPr algn="ctr"/>
-            <a:r>
-              <a:rPr lang="en-US" dirty="0" smtClean="0">
-                <a:solidFill>
-                  <a:schemeClr val="tx1"/>
-                </a:solidFill>
-              </a:rPr>
-              <a:t>  total = 0</a:t>
+              <a:t>LCM = Z</a:t>
             </a:r>
             <a:endParaRPr lang="en-US" dirty="0">
               <a:solidFill>
@@ -6537,14 +7545,16 @@
       </p:sp>
       <p:cxnSp>
         <p:nvCxnSpPr>
-          <p:cNvPr id="36" name="Straight Arrow Connector 35"/>
-          <p:cNvCxnSpPr/>
+          <p:cNvPr id="70" name="Straight Arrow Connector 69"/>
+          <p:cNvCxnSpPr>
+            <a:endCxn id="67" idx="1"/>
+          </p:cNvCxnSpPr>
           <p:nvPr/>
         </p:nvCxnSpPr>
         <p:spPr>
-          <a:xfrm flipH="1">
-            <a:off x="5654384" y="2276276"/>
-            <a:ext cx="1" cy="286073"/>
+          <a:xfrm>
+            <a:off x="4305719" y="4522224"/>
+            <a:ext cx="2023363" cy="731094"/>
           </a:xfrm>
           <a:prstGeom prst="straightConnector1">
             <a:avLst/>
@@ -6570,14 +7580,144 @@
       </p:cxnSp>
       <p:cxnSp>
         <p:nvCxnSpPr>
-          <p:cNvPr id="43" name="Straight Arrow Connector 42"/>
+          <p:cNvPr id="72" name="Straight Arrow Connector 71"/>
+          <p:cNvCxnSpPr>
+            <a:endCxn id="67" idx="0"/>
+          </p:cNvCxnSpPr>
+          <p:nvPr/>
+        </p:nvCxnSpPr>
+        <p:spPr>
+          <a:xfrm>
+            <a:off x="6804581" y="4522224"/>
+            <a:ext cx="0" cy="462152"/>
+          </a:xfrm>
+          <a:prstGeom prst="straightConnector1">
+            <a:avLst/>
+          </a:prstGeom>
+          <a:ln>
+            <a:tailEnd type="triangle"/>
+          </a:ln>
+        </p:spPr>
+        <p:style>
+          <a:lnRef idx="1">
+            <a:schemeClr val="accent1"/>
+          </a:lnRef>
+          <a:fillRef idx="0">
+            <a:schemeClr val="accent1"/>
+          </a:fillRef>
+          <a:effectRef idx="0">
+            <a:schemeClr val="accent1"/>
+          </a:effectRef>
+          <a:fontRef idx="minor">
+            <a:schemeClr val="tx1"/>
+          </a:fontRef>
+        </p:style>
+      </p:cxnSp>
+      <p:cxnSp>
+        <p:nvCxnSpPr>
+          <p:cNvPr id="74" name="Straight Arrow Connector 73"/>
           <p:cNvCxnSpPr/>
           <p:nvPr/>
         </p:nvCxnSpPr>
         <p:spPr>
           <a:xfrm>
-            <a:off x="5648729" y="4759950"/>
-            <a:ext cx="11309" cy="427741"/>
+            <a:off x="8399929" y="4522224"/>
+            <a:ext cx="681318" cy="399400"/>
+          </a:xfrm>
+          <a:prstGeom prst="straightConnector1">
+            <a:avLst/>
+          </a:prstGeom>
+          <a:ln>
+            <a:tailEnd type="triangle"/>
+          </a:ln>
+        </p:spPr>
+        <p:style>
+          <a:lnRef idx="1">
+            <a:schemeClr val="accent1"/>
+          </a:lnRef>
+          <a:fillRef idx="0">
+            <a:schemeClr val="accent1"/>
+          </a:fillRef>
+          <a:effectRef idx="0">
+            <a:schemeClr val="accent1"/>
+          </a:effectRef>
+          <a:fontRef idx="minor">
+            <a:schemeClr val="tx1"/>
+          </a:fontRef>
+        </p:style>
+      </p:cxnSp>
+      <p:sp>
+        <p:nvSpPr>
+          <p:cNvPr id="75" name="TextBox 74"/>
+          <p:cNvSpPr txBox="1"/>
+          <p:nvPr/>
+        </p:nvSpPr>
+        <p:spPr>
+          <a:xfrm>
+            <a:off x="5326082" y="4579185"/>
+            <a:ext cx="633046" cy="369332"/>
+          </a:xfrm>
+          <a:prstGeom prst="rect">
+            <a:avLst/>
+          </a:prstGeom>
+          <a:noFill/>
+        </p:spPr>
+        <p:txBody>
+          <a:bodyPr wrap="square" rtlCol="0">
+            <a:spAutoFit/>
+          </a:bodyPr>
+          <a:lstStyle/>
+          <a:p>
+            <a:r>
+              <a:rPr lang="en-GB" dirty="0" smtClean="0"/>
+              <a:t>NO</a:t>
+            </a:r>
+            <a:endParaRPr lang="en-US" dirty="0"/>
+          </a:p>
+        </p:txBody>
+      </p:sp>
+      <p:sp>
+        <p:nvSpPr>
+          <p:cNvPr id="76" name="TextBox 75"/>
+          <p:cNvSpPr txBox="1"/>
+          <p:nvPr/>
+        </p:nvSpPr>
+        <p:spPr>
+          <a:xfrm>
+            <a:off x="8734739" y="4414610"/>
+            <a:ext cx="783771" cy="369332"/>
+          </a:xfrm>
+          <a:prstGeom prst="rect">
+            <a:avLst/>
+          </a:prstGeom>
+          <a:noFill/>
+        </p:spPr>
+        <p:txBody>
+          <a:bodyPr wrap="square" rtlCol="0">
+            <a:spAutoFit/>
+          </a:bodyPr>
+          <a:lstStyle/>
+          <a:p>
+            <a:r>
+              <a:rPr lang="en-GB" dirty="0" smtClean="0"/>
+              <a:t>YES</a:t>
+            </a:r>
+            <a:endParaRPr lang="en-US" dirty="0"/>
+          </a:p>
+        </p:txBody>
+      </p:sp>
+      <p:cxnSp>
+        <p:nvCxnSpPr>
+          <p:cNvPr id="78" name="Straight Arrow Connector 77"/>
+          <p:cNvCxnSpPr>
+            <a:endCxn id="58" idx="0"/>
+          </p:cNvCxnSpPr>
+          <p:nvPr/>
+        </p:nvCxnSpPr>
+        <p:spPr>
+          <a:xfrm flipH="1">
+            <a:off x="7280081" y="5384695"/>
+            <a:ext cx="1332311" cy="960852"/>
           </a:xfrm>
           <a:prstGeom prst="straightConnector1">
             <a:avLst/>
@@ -6633,46 +7773,1104 @@
       </p:grpSpPr>
       <p:sp>
         <p:nvSpPr>
-          <p:cNvPr id="2" name="Title 1"/>
-          <p:cNvSpPr>
-            <a:spLocks noGrp="1"/>
-          </p:cNvSpPr>
-          <p:nvPr>
-            <p:ph type="title"/>
-          </p:nvPr>
-        </p:nvSpPr>
-        <p:spPr/>
-        <p:txBody>
-          <a:bodyPr/>
-          <a:lstStyle/>
-          <a:p>
-            <a:endParaRPr lang="en-US"/>
-          </a:p>
-        </p:txBody>
-      </p:sp>
-      <p:sp>
-        <p:nvSpPr>
-          <p:cNvPr id="3" name="Content Placeholder 2"/>
-          <p:cNvSpPr>
-            <a:spLocks noGrp="1"/>
-          </p:cNvSpPr>
-          <p:nvPr>
-            <p:ph idx="1"/>
-          </p:nvPr>
-        </p:nvSpPr>
-        <p:spPr/>
-        <p:txBody>
-          <a:bodyPr/>
-          <a:lstStyle/>
-          <a:p>
-            <a:endParaRPr lang="en-US"/>
-          </a:p>
-        </p:txBody>
-      </p:sp>
+          <p:cNvPr id="4" name="Oval 3"/>
+          <p:cNvSpPr/>
+          <p:nvPr/>
+        </p:nvSpPr>
+        <p:spPr>
+          <a:xfrm>
+            <a:off x="4521291" y="1286315"/>
+            <a:ext cx="1884272" cy="1096013"/>
+          </a:xfrm>
+          <a:prstGeom prst="ellipse">
+            <a:avLst/>
+          </a:prstGeom>
+          <a:solidFill>
+            <a:schemeClr val="bg1"/>
+          </a:solidFill>
+        </p:spPr>
+        <p:style>
+          <a:lnRef idx="2">
+            <a:schemeClr val="accent1">
+              <a:shade val="50000"/>
+            </a:schemeClr>
+          </a:lnRef>
+          <a:fillRef idx="1">
+            <a:schemeClr val="accent1"/>
+          </a:fillRef>
+          <a:effectRef idx="0">
+            <a:schemeClr val="accent1"/>
+          </a:effectRef>
+          <a:fontRef idx="minor">
+            <a:schemeClr val="lt1"/>
+          </a:fontRef>
+        </p:style>
+        <p:txBody>
+          <a:bodyPr rtlCol="0" anchor="ctr"/>
+          <a:lstStyle/>
+          <a:p>
+            <a:pPr algn="ctr"/>
+            <a:r>
+              <a:rPr lang="en-GB" sz="1400" dirty="0" err="1" smtClean="0">
+                <a:solidFill>
+                  <a:schemeClr val="tx1"/>
+                </a:solidFill>
+              </a:rPr>
+              <a:t>Def</a:t>
+            </a:r>
+            <a:r>
+              <a:rPr lang="en-GB" sz="1400" dirty="0" smtClean="0">
+                <a:solidFill>
+                  <a:schemeClr val="tx1"/>
+                </a:solidFill>
+              </a:rPr>
+              <a:t> factorial (n)</a:t>
+            </a:r>
+            <a:endParaRPr lang="en-US" sz="1400" dirty="0">
+              <a:solidFill>
+                <a:schemeClr val="tx1"/>
+              </a:solidFill>
+            </a:endParaRPr>
+          </a:p>
+        </p:txBody>
+      </p:sp>
+      <p:sp>
+        <p:nvSpPr>
+          <p:cNvPr id="5" name="Rounded Rectangle 4"/>
+          <p:cNvSpPr/>
+          <p:nvPr/>
+        </p:nvSpPr>
+        <p:spPr>
+          <a:xfrm>
+            <a:off x="4735604" y="-13309"/>
+            <a:ext cx="1461247" cy="582707"/>
+          </a:xfrm>
+          <a:prstGeom prst="roundRect">
+            <a:avLst/>
+          </a:prstGeom>
+          <a:solidFill>
+            <a:schemeClr val="bg1"/>
+          </a:solidFill>
+        </p:spPr>
+        <p:style>
+          <a:lnRef idx="2">
+            <a:schemeClr val="accent1">
+              <a:shade val="50000"/>
+            </a:schemeClr>
+          </a:lnRef>
+          <a:fillRef idx="1">
+            <a:schemeClr val="accent1"/>
+          </a:fillRef>
+          <a:effectRef idx="0">
+            <a:schemeClr val="accent1"/>
+          </a:effectRef>
+          <a:fontRef idx="minor">
+            <a:schemeClr val="lt1"/>
+          </a:fontRef>
+        </p:style>
+        <p:txBody>
+          <a:bodyPr rtlCol="0" anchor="ctr"/>
+          <a:lstStyle/>
+          <a:p>
+            <a:pPr algn="ctr"/>
+            <a:r>
+              <a:rPr lang="en-GB" dirty="0" smtClean="0">
+                <a:solidFill>
+                  <a:sysClr val="windowText" lastClr="000000"/>
+                </a:solidFill>
+              </a:rPr>
+              <a:t>START</a:t>
+            </a:r>
+            <a:endParaRPr lang="en-US" dirty="0">
+              <a:solidFill>
+                <a:sysClr val="windowText" lastClr="000000"/>
+              </a:solidFill>
+            </a:endParaRPr>
+          </a:p>
+        </p:txBody>
+      </p:sp>
+      <p:cxnSp>
+        <p:nvCxnSpPr>
+          <p:cNvPr id="6" name="Straight Arrow Connector 5"/>
+          <p:cNvCxnSpPr>
+            <a:stCxn id="5" idx="2"/>
+            <a:endCxn id="4" idx="0"/>
+          </p:cNvCxnSpPr>
+          <p:nvPr/>
+        </p:nvCxnSpPr>
+        <p:spPr>
+          <a:xfrm flipH="1">
+            <a:off x="5463427" y="569398"/>
+            <a:ext cx="2801" cy="716917"/>
+          </a:xfrm>
+          <a:prstGeom prst="straightConnector1">
+            <a:avLst/>
+          </a:prstGeom>
+          <a:ln>
+            <a:tailEnd type="triangle"/>
+          </a:ln>
+        </p:spPr>
+        <p:style>
+          <a:lnRef idx="1">
+            <a:schemeClr val="accent1"/>
+          </a:lnRef>
+          <a:fillRef idx="0">
+            <a:schemeClr val="accent1"/>
+          </a:fillRef>
+          <a:effectRef idx="0">
+            <a:schemeClr val="accent1"/>
+          </a:effectRef>
+          <a:fontRef idx="minor">
+            <a:schemeClr val="tx1"/>
+          </a:fontRef>
+        </p:style>
+      </p:cxnSp>
+      <p:cxnSp>
+        <p:nvCxnSpPr>
+          <p:cNvPr id="7" name="Straight Arrow Connector 6"/>
+          <p:cNvCxnSpPr/>
+          <p:nvPr/>
+        </p:nvCxnSpPr>
+        <p:spPr>
+          <a:xfrm>
+            <a:off x="5417202" y="2345893"/>
+            <a:ext cx="10649" cy="990773"/>
+          </a:xfrm>
+          <a:prstGeom prst="straightConnector1">
+            <a:avLst/>
+          </a:prstGeom>
+          <a:ln>
+            <a:tailEnd type="triangle"/>
+          </a:ln>
+        </p:spPr>
+        <p:style>
+          <a:lnRef idx="1">
+            <a:schemeClr val="accent1"/>
+          </a:lnRef>
+          <a:fillRef idx="0">
+            <a:schemeClr val="accent1"/>
+          </a:fillRef>
+          <a:effectRef idx="0">
+            <a:schemeClr val="accent1"/>
+          </a:effectRef>
+          <a:fontRef idx="minor">
+            <a:schemeClr val="tx1"/>
+          </a:fontRef>
+        </p:style>
+      </p:cxnSp>
+      <p:sp>
+        <p:nvSpPr>
+          <p:cNvPr id="8" name="Diamond 7"/>
+          <p:cNvSpPr/>
+          <p:nvPr/>
+        </p:nvSpPr>
+        <p:spPr>
+          <a:xfrm>
+            <a:off x="4235826" y="3282472"/>
+            <a:ext cx="2384050" cy="1432107"/>
+          </a:xfrm>
+          <a:prstGeom prst="diamond">
+            <a:avLst/>
+          </a:prstGeom>
+          <a:solidFill>
+            <a:schemeClr val="bg1"/>
+          </a:solidFill>
+        </p:spPr>
+        <p:style>
+          <a:lnRef idx="2">
+            <a:schemeClr val="accent1">
+              <a:shade val="50000"/>
+            </a:schemeClr>
+          </a:lnRef>
+          <a:fillRef idx="1">
+            <a:schemeClr val="accent1"/>
+          </a:fillRef>
+          <a:effectRef idx="0">
+            <a:schemeClr val="accent1"/>
+          </a:effectRef>
+          <a:fontRef idx="minor">
+            <a:schemeClr val="lt1"/>
+          </a:fontRef>
+        </p:style>
+        <p:txBody>
+          <a:bodyPr rtlCol="0" anchor="ctr"/>
+          <a:lstStyle/>
+          <a:p>
+            <a:pPr algn="ctr"/>
+            <a:r>
+              <a:rPr lang="en-GB" sz="1200" dirty="0" smtClean="0">
+                <a:solidFill>
+                  <a:schemeClr val="tx1"/>
+                </a:solidFill>
+              </a:rPr>
+              <a:t>If n ==0 ?</a:t>
+            </a:r>
+            <a:endParaRPr lang="en-US" sz="1200" dirty="0">
+              <a:solidFill>
+                <a:schemeClr val="tx1"/>
+              </a:solidFill>
+            </a:endParaRPr>
+          </a:p>
+        </p:txBody>
+      </p:sp>
+      <p:cxnSp>
+        <p:nvCxnSpPr>
+          <p:cNvPr id="9" name="Straight Arrow Connector 8"/>
+          <p:cNvCxnSpPr>
+            <a:stCxn id="8" idx="3"/>
+          </p:cNvCxnSpPr>
+          <p:nvPr/>
+        </p:nvCxnSpPr>
+        <p:spPr>
+          <a:xfrm>
+            <a:off x="6619876" y="3998526"/>
+            <a:ext cx="2085974" cy="24848"/>
+          </a:xfrm>
+          <a:prstGeom prst="straightConnector1">
+            <a:avLst/>
+          </a:prstGeom>
+          <a:ln>
+            <a:tailEnd type="triangle"/>
+          </a:ln>
+        </p:spPr>
+        <p:style>
+          <a:lnRef idx="1">
+            <a:schemeClr val="accent1"/>
+          </a:lnRef>
+          <a:fillRef idx="0">
+            <a:schemeClr val="accent1"/>
+          </a:fillRef>
+          <a:effectRef idx="0">
+            <a:schemeClr val="accent1"/>
+          </a:effectRef>
+          <a:fontRef idx="minor">
+            <a:schemeClr val="tx1"/>
+          </a:fontRef>
+        </p:style>
+      </p:cxnSp>
+      <p:sp>
+        <p:nvSpPr>
+          <p:cNvPr id="10" name="TextBox 9"/>
+          <p:cNvSpPr txBox="1"/>
+          <p:nvPr/>
+        </p:nvSpPr>
+        <p:spPr>
+          <a:xfrm>
+            <a:off x="6698877" y="3667489"/>
+            <a:ext cx="573741" cy="369332"/>
+          </a:xfrm>
+          <a:prstGeom prst="rect">
+            <a:avLst/>
+          </a:prstGeom>
+          <a:noFill/>
+        </p:spPr>
+        <p:txBody>
+          <a:bodyPr wrap="square" rtlCol="0">
+            <a:spAutoFit/>
+          </a:bodyPr>
+          <a:lstStyle/>
+          <a:p>
+            <a:r>
+              <a:rPr lang="en-GB" dirty="0" smtClean="0">
+                <a:solidFill>
+                  <a:sysClr val="windowText" lastClr="000000"/>
+                </a:solidFill>
+              </a:rPr>
+              <a:t>NO</a:t>
+            </a:r>
+          </a:p>
+        </p:txBody>
+      </p:sp>
+      <p:cxnSp>
+        <p:nvCxnSpPr>
+          <p:cNvPr id="15" name="Straight Arrow Connector 14"/>
+          <p:cNvCxnSpPr/>
+          <p:nvPr/>
+        </p:nvCxnSpPr>
+        <p:spPr>
+          <a:xfrm flipH="1">
+            <a:off x="2879492" y="4023374"/>
+            <a:ext cx="1425808" cy="13447"/>
+          </a:xfrm>
+          <a:prstGeom prst="straightConnector1">
+            <a:avLst/>
+          </a:prstGeom>
+          <a:ln>
+            <a:tailEnd type="triangle"/>
+          </a:ln>
+        </p:spPr>
+        <p:style>
+          <a:lnRef idx="1">
+            <a:schemeClr val="accent1"/>
+          </a:lnRef>
+          <a:fillRef idx="0">
+            <a:schemeClr val="accent1"/>
+          </a:fillRef>
+          <a:effectRef idx="0">
+            <a:schemeClr val="accent1"/>
+          </a:effectRef>
+          <a:fontRef idx="minor">
+            <a:schemeClr val="tx1"/>
+          </a:fontRef>
+        </p:style>
+      </p:cxnSp>
+      <p:sp>
+        <p:nvSpPr>
+          <p:cNvPr id="19" name="TextBox 18"/>
+          <p:cNvSpPr txBox="1"/>
+          <p:nvPr/>
+        </p:nvSpPr>
+        <p:spPr>
+          <a:xfrm>
+            <a:off x="3406588" y="3677378"/>
+            <a:ext cx="981633" cy="369332"/>
+          </a:xfrm>
+          <a:prstGeom prst="rect">
+            <a:avLst/>
+          </a:prstGeom>
+          <a:noFill/>
+        </p:spPr>
+        <p:txBody>
+          <a:bodyPr wrap="square" rtlCol="0">
+            <a:spAutoFit/>
+          </a:bodyPr>
+          <a:lstStyle/>
+          <a:p>
+            <a:r>
+              <a:rPr lang="en-GB" dirty="0" smtClean="0">
+                <a:solidFill>
+                  <a:sysClr val="windowText" lastClr="000000"/>
+                </a:solidFill>
+              </a:rPr>
+              <a:t>   YES</a:t>
+            </a:r>
+          </a:p>
+        </p:txBody>
+      </p:sp>
+      <p:cxnSp>
+        <p:nvCxnSpPr>
+          <p:cNvPr id="22" name="Straight Arrow Connector 21"/>
+          <p:cNvCxnSpPr/>
+          <p:nvPr/>
+        </p:nvCxnSpPr>
+        <p:spPr>
+          <a:xfrm>
+            <a:off x="2402541" y="4400550"/>
+            <a:ext cx="2512359" cy="1647825"/>
+          </a:xfrm>
+          <a:prstGeom prst="straightConnector1">
+            <a:avLst/>
+          </a:prstGeom>
+          <a:ln>
+            <a:tailEnd type="triangle"/>
+          </a:ln>
+        </p:spPr>
+        <p:style>
+          <a:lnRef idx="1">
+            <a:schemeClr val="accent1"/>
+          </a:lnRef>
+          <a:fillRef idx="0">
+            <a:schemeClr val="accent1"/>
+          </a:fillRef>
+          <a:effectRef idx="0">
+            <a:schemeClr val="accent1"/>
+          </a:effectRef>
+          <a:fontRef idx="minor">
+            <a:schemeClr val="tx1"/>
+          </a:fontRef>
+        </p:style>
+      </p:cxnSp>
+      <p:sp>
+        <p:nvSpPr>
+          <p:cNvPr id="23" name="Rectangle 22"/>
+          <p:cNvSpPr/>
+          <p:nvPr/>
+        </p:nvSpPr>
+        <p:spPr>
+          <a:xfrm>
+            <a:off x="3048000" y="3227563"/>
+            <a:ext cx="133912" cy="109103"/>
+          </a:xfrm>
+          <a:prstGeom prst="rect">
+            <a:avLst/>
+          </a:prstGeom>
+        </p:spPr>
+        <p:txBody>
+          <a:bodyPr wrap="square">
+            <a:spAutoFit/>
+          </a:bodyPr>
+          <a:lstStyle/>
+          <a:p>
+            <a:endParaRPr lang="en-US" dirty="0"/>
+          </a:p>
+        </p:txBody>
+      </p:sp>
+      <p:sp>
+        <p:nvSpPr>
+          <p:cNvPr id="24" name="TextBox 23"/>
+          <p:cNvSpPr txBox="1"/>
+          <p:nvPr/>
+        </p:nvSpPr>
+        <p:spPr>
+          <a:xfrm>
+            <a:off x="663388" y="340659"/>
+            <a:ext cx="1362636" cy="584775"/>
+          </a:xfrm>
+          <a:prstGeom prst="rect">
+            <a:avLst/>
+          </a:prstGeom>
+          <a:noFill/>
+        </p:spPr>
+        <p:txBody>
+          <a:bodyPr wrap="square" rtlCol="0">
+            <a:spAutoFit/>
+          </a:bodyPr>
+          <a:lstStyle/>
+          <a:p>
+            <a:r>
+              <a:rPr lang="en-GB" sz="3200" dirty="0"/>
+              <a:t>5</a:t>
+            </a:r>
+            <a:r>
+              <a:rPr lang="en-GB" sz="3200" dirty="0" smtClean="0"/>
+              <a:t>.</a:t>
+            </a:r>
+          </a:p>
+        </p:txBody>
+      </p:sp>
+      <p:sp>
+        <p:nvSpPr>
+          <p:cNvPr id="26" name="Rounded Rectangle 25"/>
+          <p:cNvSpPr/>
+          <p:nvPr/>
+        </p:nvSpPr>
+        <p:spPr>
+          <a:xfrm>
+            <a:off x="4388221" y="6048375"/>
+            <a:ext cx="1808630" cy="702049"/>
+          </a:xfrm>
+          <a:prstGeom prst="roundRect">
+            <a:avLst/>
+          </a:prstGeom>
+          <a:solidFill>
+            <a:schemeClr val="bg1"/>
+          </a:solidFill>
+        </p:spPr>
+        <p:style>
+          <a:lnRef idx="2">
+            <a:schemeClr val="accent1">
+              <a:shade val="50000"/>
+            </a:schemeClr>
+          </a:lnRef>
+          <a:fillRef idx="1">
+            <a:schemeClr val="accent1"/>
+          </a:fillRef>
+          <a:effectRef idx="0">
+            <a:schemeClr val="accent1"/>
+          </a:effectRef>
+          <a:fontRef idx="minor">
+            <a:schemeClr val="lt1"/>
+          </a:fontRef>
+        </p:style>
+        <p:txBody>
+          <a:bodyPr rtlCol="0" anchor="ctr"/>
+          <a:lstStyle/>
+          <a:p>
+            <a:pPr algn="ctr"/>
+            <a:r>
+              <a:rPr lang="en-GB" dirty="0" smtClean="0">
+                <a:solidFill>
+                  <a:schemeClr val="tx1"/>
+                </a:solidFill>
+              </a:rPr>
+              <a:t>END</a:t>
+            </a:r>
+            <a:endParaRPr lang="en-US" dirty="0">
+              <a:solidFill>
+                <a:schemeClr val="tx1"/>
+              </a:solidFill>
+            </a:endParaRPr>
+          </a:p>
+        </p:txBody>
+      </p:sp>
+      <p:sp>
+        <p:nvSpPr>
+          <p:cNvPr id="27" name="Rectangle 26"/>
+          <p:cNvSpPr/>
+          <p:nvPr/>
+        </p:nvSpPr>
+        <p:spPr>
+          <a:xfrm>
+            <a:off x="949700" y="3227563"/>
+            <a:ext cx="1929792" cy="1172987"/>
+          </a:xfrm>
+          <a:prstGeom prst="rect">
+            <a:avLst/>
+          </a:prstGeom>
+          <a:solidFill>
+            <a:schemeClr val="bg1"/>
+          </a:solidFill>
+        </p:spPr>
+        <p:style>
+          <a:lnRef idx="2">
+            <a:schemeClr val="accent1">
+              <a:shade val="50000"/>
+            </a:schemeClr>
+          </a:lnRef>
+          <a:fillRef idx="1">
+            <a:schemeClr val="accent1"/>
+          </a:fillRef>
+          <a:effectRef idx="0">
+            <a:schemeClr val="accent1"/>
+          </a:effectRef>
+          <a:fontRef idx="minor">
+            <a:schemeClr val="lt1"/>
+          </a:fontRef>
+        </p:style>
+        <p:txBody>
+          <a:bodyPr rtlCol="0" anchor="ctr"/>
+          <a:lstStyle/>
+          <a:p>
+            <a:pPr algn="ctr"/>
+            <a:r>
+              <a:rPr lang="en-US" dirty="0">
+                <a:solidFill>
+                  <a:schemeClr val="tx1"/>
+                </a:solidFill>
+              </a:rPr>
+              <a:t>return 1</a:t>
+            </a:r>
+            <a:endParaRPr lang="en-US" dirty="0">
+              <a:solidFill>
+                <a:schemeClr val="tx1"/>
+              </a:solidFill>
+            </a:endParaRPr>
+          </a:p>
+        </p:txBody>
+      </p:sp>
+      <p:sp>
+        <p:nvSpPr>
+          <p:cNvPr id="29" name="Rectangle 28"/>
+          <p:cNvSpPr/>
+          <p:nvPr/>
+        </p:nvSpPr>
+        <p:spPr>
+          <a:xfrm>
+            <a:off x="8705850" y="3412031"/>
+            <a:ext cx="1929792" cy="1172987"/>
+          </a:xfrm>
+          <a:prstGeom prst="rect">
+            <a:avLst/>
+          </a:prstGeom>
+          <a:solidFill>
+            <a:schemeClr val="bg1"/>
+          </a:solidFill>
+        </p:spPr>
+        <p:style>
+          <a:lnRef idx="2">
+            <a:schemeClr val="accent1">
+              <a:shade val="50000"/>
+            </a:schemeClr>
+          </a:lnRef>
+          <a:fillRef idx="1">
+            <a:schemeClr val="accent1"/>
+          </a:fillRef>
+          <a:effectRef idx="0">
+            <a:schemeClr val="accent1"/>
+          </a:effectRef>
+          <a:fontRef idx="minor">
+            <a:schemeClr val="lt1"/>
+          </a:fontRef>
+        </p:style>
+        <p:txBody>
+          <a:bodyPr rtlCol="0" anchor="ctr"/>
+          <a:lstStyle/>
+          <a:p>
+            <a:pPr algn="ctr"/>
+            <a:r>
+              <a:rPr lang="en-US" dirty="0">
+                <a:solidFill>
+                  <a:schemeClr val="tx1"/>
+                </a:solidFill>
+              </a:rPr>
+              <a:t>return n * factorial(n-1)</a:t>
+            </a:r>
+            <a:endParaRPr lang="en-US" dirty="0">
+              <a:solidFill>
+                <a:schemeClr val="tx1"/>
+              </a:solidFill>
+            </a:endParaRPr>
+          </a:p>
+        </p:txBody>
+      </p:sp>
+      <p:cxnSp>
+        <p:nvCxnSpPr>
+          <p:cNvPr id="31" name="Straight Arrow Connector 30"/>
+          <p:cNvCxnSpPr>
+            <a:endCxn id="29" idx="1"/>
+          </p:cNvCxnSpPr>
+          <p:nvPr/>
+        </p:nvCxnSpPr>
+        <p:spPr>
+          <a:xfrm flipV="1">
+            <a:off x="5809129" y="3998525"/>
+            <a:ext cx="2896721" cy="2049850"/>
+          </a:xfrm>
+          <a:prstGeom prst="straightConnector1">
+            <a:avLst/>
+          </a:prstGeom>
+          <a:ln>
+            <a:tailEnd type="triangle"/>
+          </a:ln>
+        </p:spPr>
+        <p:style>
+          <a:lnRef idx="1">
+            <a:schemeClr val="accent1"/>
+          </a:lnRef>
+          <a:fillRef idx="0">
+            <a:schemeClr val="accent1"/>
+          </a:fillRef>
+          <a:effectRef idx="0">
+            <a:schemeClr val="accent1"/>
+          </a:effectRef>
+          <a:fontRef idx="minor">
+            <a:schemeClr val="tx1"/>
+          </a:fontRef>
+        </p:style>
+      </p:cxnSp>
     </p:spTree>
     <p:extLst>
       <p:ext uri="{BB962C8B-B14F-4D97-AF65-F5344CB8AC3E}">
         <p14:creationId xmlns:p14="http://schemas.microsoft.com/office/powerpoint/2010/main" val="1026268259"/>
+      </p:ext>
+    </p:extLst>
+  </p:cSld>
+  <p:clrMapOvr>
+    <a:masterClrMapping/>
+  </p:clrMapOvr>
+</p:sld>
+</file>
+
+<file path=ppt/slides/slide7.xml><?xml version="1.0" encoding="utf-8"?>
+<p:sld xmlns:a="http://schemas.openxmlformats.org/drawingml/2006/main" xmlns:r="http://schemas.openxmlformats.org/officeDocument/2006/relationships" xmlns:p="http://schemas.openxmlformats.org/presentationml/2006/main">
+  <p:cSld>
+    <p:bg>
+      <p:bgPr>
+        <a:noFill/>
+        <a:effectLst/>
+      </p:bgPr>
+    </p:bg>
+    <p:spTree>
+      <p:nvGrpSpPr>
+        <p:cNvPr id="1" name=""/>
+        <p:cNvGrpSpPr/>
+        <p:nvPr/>
+      </p:nvGrpSpPr>
+      <p:grpSpPr>
+        <a:xfrm>
+          <a:off x="0" y="0"/>
+          <a:ext cx="0" cy="0"/>
+          <a:chOff x="0" y="0"/>
+          <a:chExt cx="0" cy="0"/>
+        </a:xfrm>
+      </p:grpSpPr>
+      <p:sp>
+        <p:nvSpPr>
+          <p:cNvPr id="4" name="Rounded Rectangle 3"/>
+          <p:cNvSpPr/>
+          <p:nvPr/>
+        </p:nvSpPr>
+        <p:spPr>
+          <a:xfrm>
+            <a:off x="4666128" y="116542"/>
+            <a:ext cx="1461247" cy="582707"/>
+          </a:xfrm>
+          <a:prstGeom prst="roundRect">
+            <a:avLst/>
+          </a:prstGeom>
+          <a:solidFill>
+            <a:schemeClr val="bg1"/>
+          </a:solidFill>
+        </p:spPr>
+        <p:style>
+          <a:lnRef idx="2">
+            <a:schemeClr val="accent1">
+              <a:shade val="50000"/>
+            </a:schemeClr>
+          </a:lnRef>
+          <a:fillRef idx="1">
+            <a:schemeClr val="accent1"/>
+          </a:fillRef>
+          <a:effectRef idx="0">
+            <a:schemeClr val="accent1"/>
+          </a:effectRef>
+          <a:fontRef idx="minor">
+            <a:schemeClr val="lt1"/>
+          </a:fontRef>
+        </p:style>
+        <p:txBody>
+          <a:bodyPr rtlCol="0" anchor="ctr"/>
+          <a:lstStyle/>
+          <a:p>
+            <a:pPr algn="ctr"/>
+            <a:r>
+              <a:rPr lang="en-GB" dirty="0" smtClean="0">
+                <a:solidFill>
+                  <a:schemeClr val="tx1"/>
+                </a:solidFill>
+              </a:rPr>
+              <a:t>START</a:t>
+            </a:r>
+            <a:endParaRPr lang="en-US" dirty="0">
+              <a:solidFill>
+                <a:schemeClr val="tx1"/>
+              </a:solidFill>
+            </a:endParaRPr>
+          </a:p>
+        </p:txBody>
+      </p:sp>
+      <p:cxnSp>
+        <p:nvCxnSpPr>
+          <p:cNvPr id="5" name="Straight Arrow Connector 4"/>
+          <p:cNvCxnSpPr/>
+          <p:nvPr/>
+        </p:nvCxnSpPr>
+        <p:spPr>
+          <a:xfrm>
+            <a:off x="5396751" y="699249"/>
+            <a:ext cx="8964" cy="869577"/>
+          </a:xfrm>
+          <a:prstGeom prst="straightConnector1">
+            <a:avLst/>
+          </a:prstGeom>
+          <a:ln>
+            <a:tailEnd type="triangle"/>
+          </a:ln>
+        </p:spPr>
+        <p:style>
+          <a:lnRef idx="1">
+            <a:schemeClr val="accent1"/>
+          </a:lnRef>
+          <a:fillRef idx="0">
+            <a:schemeClr val="accent1"/>
+          </a:fillRef>
+          <a:effectRef idx="0">
+            <a:schemeClr val="accent1"/>
+          </a:effectRef>
+          <a:fontRef idx="minor">
+            <a:schemeClr val="tx1"/>
+          </a:fontRef>
+        </p:style>
+      </p:cxnSp>
+      <p:cxnSp>
+        <p:nvCxnSpPr>
+          <p:cNvPr id="6" name="Straight Arrow Connector 5"/>
+          <p:cNvCxnSpPr/>
+          <p:nvPr/>
+        </p:nvCxnSpPr>
+        <p:spPr>
+          <a:xfrm>
+            <a:off x="5495364" y="2498058"/>
+            <a:ext cx="0" cy="729768"/>
+          </a:xfrm>
+          <a:prstGeom prst="straightConnector1">
+            <a:avLst/>
+          </a:prstGeom>
+          <a:ln>
+            <a:tailEnd type="triangle"/>
+          </a:ln>
+        </p:spPr>
+        <p:style>
+          <a:lnRef idx="1">
+            <a:schemeClr val="accent1"/>
+          </a:lnRef>
+          <a:fillRef idx="0">
+            <a:schemeClr val="accent1"/>
+          </a:fillRef>
+          <a:effectRef idx="0">
+            <a:schemeClr val="accent1"/>
+          </a:effectRef>
+          <a:fontRef idx="minor">
+            <a:schemeClr val="tx1"/>
+          </a:fontRef>
+        </p:style>
+      </p:cxnSp>
+      <p:cxnSp>
+        <p:nvCxnSpPr>
+          <p:cNvPr id="7" name="Straight Arrow Connector 6"/>
+          <p:cNvCxnSpPr/>
+          <p:nvPr/>
+        </p:nvCxnSpPr>
+        <p:spPr>
+          <a:xfrm>
+            <a:off x="5471944" y="3978685"/>
+            <a:ext cx="23420" cy="2029122"/>
+          </a:xfrm>
+          <a:prstGeom prst="straightConnector1">
+            <a:avLst/>
+          </a:prstGeom>
+          <a:ln>
+            <a:tailEnd type="triangle"/>
+          </a:ln>
+        </p:spPr>
+        <p:style>
+          <a:lnRef idx="1">
+            <a:schemeClr val="accent1"/>
+          </a:lnRef>
+          <a:fillRef idx="0">
+            <a:schemeClr val="accent1"/>
+          </a:fillRef>
+          <a:effectRef idx="0">
+            <a:schemeClr val="accent1"/>
+          </a:effectRef>
+          <a:fontRef idx="minor">
+            <a:schemeClr val="tx1"/>
+          </a:fontRef>
+        </p:style>
+      </p:cxnSp>
+      <p:sp>
+        <p:nvSpPr>
+          <p:cNvPr id="8" name="Oval 7"/>
+          <p:cNvSpPr/>
+          <p:nvPr/>
+        </p:nvSpPr>
+        <p:spPr>
+          <a:xfrm>
+            <a:off x="4717675" y="5961529"/>
+            <a:ext cx="1555377" cy="896471"/>
+          </a:xfrm>
+          <a:prstGeom prst="ellipse">
+            <a:avLst/>
+          </a:prstGeom>
+          <a:solidFill>
+            <a:schemeClr val="bg1"/>
+          </a:solidFill>
+        </p:spPr>
+        <p:style>
+          <a:lnRef idx="2">
+            <a:schemeClr val="accent1">
+              <a:shade val="50000"/>
+            </a:schemeClr>
+          </a:lnRef>
+          <a:fillRef idx="1">
+            <a:schemeClr val="accent1"/>
+          </a:fillRef>
+          <a:effectRef idx="0">
+            <a:schemeClr val="accent1"/>
+          </a:effectRef>
+          <a:fontRef idx="minor">
+            <a:schemeClr val="lt1"/>
+          </a:fontRef>
+        </p:style>
+        <p:txBody>
+          <a:bodyPr rtlCol="0" anchor="ctr"/>
+          <a:lstStyle/>
+          <a:p>
+            <a:pPr algn="ctr"/>
+            <a:r>
+              <a:rPr lang="en-GB" dirty="0" smtClean="0">
+                <a:solidFill>
+                  <a:schemeClr val="tx1"/>
+                </a:solidFill>
+              </a:rPr>
+              <a:t>END</a:t>
+            </a:r>
+            <a:endParaRPr lang="en-US" dirty="0">
+              <a:solidFill>
+                <a:schemeClr val="tx1"/>
+              </a:solidFill>
+            </a:endParaRPr>
+          </a:p>
+        </p:txBody>
+      </p:sp>
+      <p:sp>
+        <p:nvSpPr>
+          <p:cNvPr id="9" name="Flowchart: Data 8"/>
+          <p:cNvSpPr/>
+          <p:nvPr/>
+        </p:nvSpPr>
+        <p:spPr>
+          <a:xfrm>
+            <a:off x="3924809" y="3227826"/>
+            <a:ext cx="3044741" cy="927415"/>
+          </a:xfrm>
+          <a:prstGeom prst="flowChartInputOutput">
+            <a:avLst/>
+          </a:prstGeom>
+          <a:solidFill>
+            <a:schemeClr val="bg1"/>
+          </a:solidFill>
+        </p:spPr>
+        <p:style>
+          <a:lnRef idx="2">
+            <a:schemeClr val="accent1">
+              <a:shade val="50000"/>
+            </a:schemeClr>
+          </a:lnRef>
+          <a:fillRef idx="1">
+            <a:schemeClr val="accent1"/>
+          </a:fillRef>
+          <a:effectRef idx="0">
+            <a:schemeClr val="accent1"/>
+          </a:effectRef>
+          <a:fontRef idx="minor">
+            <a:schemeClr val="lt1"/>
+          </a:fontRef>
+        </p:style>
+        <p:txBody>
+          <a:bodyPr rtlCol="0" anchor="ctr"/>
+          <a:lstStyle/>
+          <a:p>
+            <a:pPr algn="ctr"/>
+            <a:r>
+              <a:rPr lang="en-GB" sz="1200" dirty="0" smtClean="0">
+                <a:solidFill>
+                  <a:schemeClr val="tx1"/>
+                </a:solidFill>
+              </a:rPr>
+              <a:t>Print (factorial)(n)</a:t>
+            </a:r>
+            <a:endParaRPr lang="en-GB" sz="1200" dirty="0">
+              <a:solidFill>
+                <a:schemeClr val="tx1"/>
+              </a:solidFill>
+            </a:endParaRPr>
+          </a:p>
+        </p:txBody>
+      </p:sp>
+      <p:sp>
+        <p:nvSpPr>
+          <p:cNvPr id="10" name="Oval 9"/>
+          <p:cNvSpPr/>
+          <p:nvPr/>
+        </p:nvSpPr>
+        <p:spPr>
+          <a:xfrm>
+            <a:off x="3872754" y="1538837"/>
+            <a:ext cx="3148852" cy="959221"/>
+          </a:xfrm>
+          <a:prstGeom prst="ellipse">
+            <a:avLst/>
+          </a:prstGeom>
+          <a:solidFill>
+            <a:schemeClr val="bg1"/>
+          </a:solidFill>
+        </p:spPr>
+        <p:style>
+          <a:lnRef idx="2">
+            <a:schemeClr val="accent1">
+              <a:shade val="50000"/>
+            </a:schemeClr>
+          </a:lnRef>
+          <a:fillRef idx="1">
+            <a:schemeClr val="accent1"/>
+          </a:fillRef>
+          <a:effectRef idx="0">
+            <a:schemeClr val="accent1"/>
+          </a:effectRef>
+          <a:fontRef idx="minor">
+            <a:schemeClr val="lt1"/>
+          </a:fontRef>
+        </p:style>
+        <p:txBody>
+          <a:bodyPr rtlCol="0" anchor="ctr"/>
+          <a:lstStyle/>
+          <a:p>
+            <a:pPr algn="ctr"/>
+            <a:r>
+              <a:rPr lang="en-GB" dirty="0">
+                <a:solidFill>
+                  <a:schemeClr val="tx1"/>
+                </a:solidFill>
+              </a:rPr>
+              <a:t>n=</a:t>
+            </a:r>
+            <a:r>
+              <a:rPr lang="en-GB" dirty="0" err="1">
+                <a:solidFill>
+                  <a:schemeClr val="tx1"/>
+                </a:solidFill>
+              </a:rPr>
+              <a:t>int</a:t>
+            </a:r>
+            <a:r>
+              <a:rPr lang="en-GB" dirty="0">
+                <a:solidFill>
+                  <a:schemeClr val="tx1"/>
+                </a:solidFill>
+              </a:rPr>
+              <a:t>(input("Input a number to compute the </a:t>
+            </a:r>
+            <a:r>
+              <a:rPr lang="en-GB" dirty="0" err="1">
+                <a:solidFill>
+                  <a:schemeClr val="tx1"/>
+                </a:solidFill>
+              </a:rPr>
+              <a:t>factiorial</a:t>
+            </a:r>
+            <a:r>
+              <a:rPr lang="en-GB" dirty="0">
+                <a:solidFill>
+                  <a:schemeClr val="tx1"/>
+                </a:solidFill>
+              </a:rPr>
+              <a:t> : "))</a:t>
+            </a:r>
+            <a:endParaRPr lang="en-US" dirty="0">
+              <a:solidFill>
+                <a:schemeClr val="tx1"/>
+              </a:solidFill>
+            </a:endParaRPr>
+          </a:p>
+        </p:txBody>
+      </p:sp>
+      <p:sp>
+        <p:nvSpPr>
+          <p:cNvPr id="11" name="TextBox 10"/>
+          <p:cNvSpPr txBox="1"/>
+          <p:nvPr/>
+        </p:nvSpPr>
+        <p:spPr>
+          <a:xfrm>
+            <a:off x="268941" y="510988"/>
+            <a:ext cx="1918447" cy="584775"/>
+          </a:xfrm>
+          <a:prstGeom prst="rect">
+            <a:avLst/>
+          </a:prstGeom>
+          <a:noFill/>
+        </p:spPr>
+        <p:txBody>
+          <a:bodyPr wrap="square" rtlCol="0">
+            <a:spAutoFit/>
+          </a:bodyPr>
+          <a:lstStyle/>
+          <a:p>
+            <a:r>
+              <a:rPr lang="en-GB" sz="3200" dirty="0"/>
+              <a:t>5</a:t>
+            </a:r>
+            <a:r>
+              <a:rPr lang="en-GB" sz="3200" dirty="0" smtClean="0"/>
+              <a:t>.(</a:t>
+            </a:r>
+            <a:r>
+              <a:rPr lang="en-GB" sz="3200" dirty="0" err="1" smtClean="0"/>
+              <a:t>contd</a:t>
+            </a:r>
+            <a:r>
+              <a:rPr lang="en-GB" sz="3200" dirty="0" smtClean="0"/>
+              <a:t>)</a:t>
+            </a:r>
+            <a:endParaRPr lang="en-US" sz="3200" dirty="0"/>
+          </a:p>
+        </p:txBody>
+      </p:sp>
+    </p:spTree>
+    <p:extLst>
+      <p:ext uri="{BB962C8B-B14F-4D97-AF65-F5344CB8AC3E}">
+        <p14:creationId xmlns:p14="http://schemas.microsoft.com/office/powerpoint/2010/main" val="14761319"/>
       </p:ext>
     </p:extLst>
   </p:cSld>
